--- a/deep-learning-sca-paper-presentation.pptx
+++ b/deep-learning-sca-paper-presentation.pptx
@@ -5,10 +5,10 @@
     <p:sldMasterId id="2147483648" r:id="rId1"/>
   </p:sldMasterIdLst>
   <p:notesMasterIdLst>
-    <p:notesMasterId r:id="rId17"/>
+    <p:notesMasterId r:id="rId20"/>
   </p:notesMasterIdLst>
   <p:handoutMasterIdLst>
-    <p:handoutMasterId r:id="rId18"/>
+    <p:handoutMasterId r:id="rId21"/>
   </p:handoutMasterIdLst>
   <p:sldIdLst>
     <p:sldId id="257" r:id="rId2"/>
@@ -20,12 +20,15 @@
     <p:sldId id="269" r:id="rId8"/>
     <p:sldId id="267" r:id="rId9"/>
     <p:sldId id="268" r:id="rId10"/>
-    <p:sldId id="266" r:id="rId11"/>
-    <p:sldId id="263" r:id="rId12"/>
-    <p:sldId id="265" r:id="rId13"/>
-    <p:sldId id="264" r:id="rId14"/>
-    <p:sldId id="259" r:id="rId15"/>
-    <p:sldId id="260" r:id="rId16"/>
+    <p:sldId id="275" r:id="rId11"/>
+    <p:sldId id="274" r:id="rId12"/>
+    <p:sldId id="276" r:id="rId13"/>
+    <p:sldId id="278" r:id="rId14"/>
+    <p:sldId id="277" r:id="rId15"/>
+    <p:sldId id="265" r:id="rId16"/>
+    <p:sldId id="264" r:id="rId17"/>
+    <p:sldId id="263" r:id="rId18"/>
+    <p:sldId id="279" r:id="rId19"/>
   </p:sldIdLst>
   <p:sldSz cx="9144000" cy="6858000" type="screen4x3"/>
   <p:notesSz cx="6858000" cy="9144000"/>
@@ -2623,7 +2626,11 @@
         <a:p>
           <a:r>
             <a:rPr lang="en-US" sz="1600" dirty="0"/>
-            <a:t>Feb 2017</a:t>
+            <a:t>Feb </a:t>
+          </a:r>
+          <a:r>
+            <a:rPr lang="en-US" sz="1600" b="1" dirty="0"/>
+            <a:t>2017</a:t>
           </a:r>
         </a:p>
       </dgm:t>
@@ -2658,7 +2665,7 @@
         <a:lstStyle/>
         <a:p>
           <a:r>
-            <a:rPr lang="en-US" sz="1600" dirty="0"/>
+            <a:rPr lang="en-US" sz="1600" b="1" dirty="0"/>
             <a:t>1998</a:t>
           </a:r>
         </a:p>
@@ -2947,7 +2954,11 @@
         <a:p>
           <a:r>
             <a:rPr lang="en-US" sz="1600" dirty="0"/>
-            <a:t>Feb 2017</a:t>
+            <a:t>Feb </a:t>
+          </a:r>
+          <a:r>
+            <a:rPr lang="en-US" sz="1600" b="1" dirty="0"/>
+            <a:t>2017</a:t>
           </a:r>
         </a:p>
       </dgm:t>
@@ -2982,7 +2993,7 @@
         <a:lstStyle/>
         <a:p>
           <a:r>
-            <a:rPr lang="en-US" sz="1600" dirty="0"/>
+            <a:rPr lang="en-US" sz="1600" b="1" dirty="0"/>
             <a:t>1998</a:t>
           </a:r>
         </a:p>
@@ -3900,7 +3911,7 @@
             <a:buChar char="•"/>
           </a:pPr>
           <a:r>
-            <a:rPr lang="en-US" sz="1600" kern="1200" dirty="0"/>
+            <a:rPr lang="en-US" sz="1600" b="1" kern="1200" dirty="0"/>
             <a:t>1998</a:t>
           </a:r>
         </a:p>
@@ -4195,7 +4206,11 @@
           </a:pPr>
           <a:r>
             <a:rPr lang="en-US" sz="1600" kern="1200" dirty="0"/>
-            <a:t>Feb 2017</a:t>
+            <a:t>Feb </a:t>
+          </a:r>
+          <a:r>
+            <a:rPr lang="en-US" sz="1600" b="1" kern="1200" dirty="0"/>
+            <a:t>2017</a:t>
           </a:r>
         </a:p>
       </dsp:txBody>
@@ -4398,7 +4413,7 @@
             <a:buChar char="•"/>
           </a:pPr>
           <a:r>
-            <a:rPr lang="en-US" sz="1600" kern="1200" dirty="0"/>
+            <a:rPr lang="en-US" sz="1600" b="1" kern="1200" dirty="0"/>
             <a:t>1998</a:t>
           </a:r>
         </a:p>
@@ -4693,7 +4708,11 @@
           </a:pPr>
           <a:r>
             <a:rPr lang="en-US" sz="1600" kern="1200" dirty="0"/>
-            <a:t>Feb 2017</a:t>
+            <a:t>Feb </a:t>
+          </a:r>
+          <a:r>
+            <a:rPr lang="en-US" sz="1600" b="1" kern="1200" dirty="0"/>
+            <a:t>2017</a:t>
           </a:r>
         </a:p>
       </dsp:txBody>
@@ -10154,7 +10173,7 @@
               <a:pPr>
                 <a:defRPr/>
               </a:pPr>
-              <a:t>15/07/2017</a:t>
+              <a:t>20/07/2017</a:t>
             </a:fld>
             <a:endParaRPr lang="en-GB" dirty="0"/>
           </a:p>
@@ -10373,7 +10392,7 @@
               <a:pPr>
                 <a:defRPr/>
               </a:pPr>
-              <a:t>15/07/2017</a:t>
+              <a:t>20/07/2017</a:t>
             </a:fld>
             <a:endParaRPr lang="en-GB"/>
           </a:p>
@@ -10758,15 +10777,7 @@
           <a:p>
             <a:r>
               <a:rPr lang="en-GB" dirty="0"/>
-              <a:t>Overtaking traditional </a:t>
-            </a:r>
-            <a:r>
-              <a:rPr lang="en-GB" dirty="0" err="1"/>
-              <a:t>methonds</a:t>
-            </a:r>
-            <a:r>
-              <a:rPr lang="en-GB" dirty="0"/>
-              <a:t> (SVM, RF) -&gt; SVM classifier like MLP</a:t>
+              <a:t>Overtaking traditional methods (SVM, RF) -&gt; SVM classifier like MLP</a:t>
             </a:r>
           </a:p>
           <a:p>
@@ -10826,6 +10837,709 @@
     <p:extLst>
       <p:ext uri="{BB962C8B-B14F-4D97-AF65-F5344CB8AC3E}">
         <p14:creationId xmlns:p14="http://schemas.microsoft.com/office/powerpoint/2010/main" val="2394190462"/>
+      </p:ext>
+    </p:extLst>
+  </p:cSld>
+  <p:clrMapOvr>
+    <a:masterClrMapping/>
+  </p:clrMapOvr>
+</p:notes>
+</file>
+
+<file path=ppt/notesSlides/notesSlide10.xml><?xml version="1.0" encoding="utf-8"?>
+<p:notes xmlns:a="http://schemas.openxmlformats.org/drawingml/2006/main" xmlns:r="http://schemas.openxmlformats.org/officeDocument/2006/relationships" xmlns:p="http://schemas.openxmlformats.org/presentationml/2006/main">
+  <p:cSld>
+    <p:spTree>
+      <p:nvGrpSpPr>
+        <p:cNvPr id="1" name=""/>
+        <p:cNvGrpSpPr/>
+        <p:nvPr/>
+      </p:nvGrpSpPr>
+      <p:grpSpPr>
+        <a:xfrm>
+          <a:off x="0" y="0"/>
+          <a:ext cx="0" cy="0"/>
+          <a:chOff x="0" y="0"/>
+          <a:chExt cx="0" cy="0"/>
+        </a:xfrm>
+      </p:grpSpPr>
+      <p:sp>
+        <p:nvSpPr>
+          <p:cNvPr id="2" name="Slide Image Placeholder 1"/>
+          <p:cNvSpPr>
+            <a:spLocks noGrp="1" noRot="1" noChangeAspect="1"/>
+          </p:cNvSpPr>
+          <p:nvPr>
+            <p:ph type="sldImg"/>
+          </p:nvPr>
+        </p:nvSpPr>
+        <p:spPr/>
+      </p:sp>
+      <p:sp>
+        <p:nvSpPr>
+          <p:cNvPr id="3" name="Notes Placeholder 2"/>
+          <p:cNvSpPr>
+            <a:spLocks noGrp="1"/>
+          </p:cNvSpPr>
+          <p:nvPr>
+            <p:ph type="body" idx="1"/>
+          </p:nvPr>
+        </p:nvSpPr>
+        <p:spPr/>
+        <p:txBody>
+          <a:bodyPr/>
+          <a:lstStyle/>
+          <a:p>
+            <a:r>
+              <a:rPr lang="en-GB" dirty="0"/>
+              <a:t>Feature extractor works like image kernel “Convolutions”</a:t>
+            </a:r>
+          </a:p>
+          <a:p>
+            <a:pPr marL="0" marR="0" lvl="0" indent="0" algn="l" defTabSz="914400" rtl="0" eaLnBrk="1" fontAlgn="base" latinLnBrk="0" hangingPunct="1">
+              <a:lnSpc>
+                <a:spcPct val="100000"/>
+              </a:lnSpc>
+              <a:spcBef>
+                <a:spcPct val="30000"/>
+              </a:spcBef>
+              <a:spcAft>
+                <a:spcPct val="0"/>
+              </a:spcAft>
+              <a:buClrTx/>
+              <a:buSzTx/>
+              <a:buFontTx/>
+              <a:buNone/>
+              <a:tabLst/>
+              <a:defRPr/>
+            </a:pPr>
+            <a:r>
+              <a:rPr lang="en-GB" dirty="0"/>
+              <a:t>Filter contains the weights “feature extractor”</a:t>
+            </a:r>
+          </a:p>
+          <a:p>
+            <a:r>
+              <a:rPr lang="en-GB" dirty="0"/>
+              <a:t>Convolutions -&gt; Feature maps -&gt; “Feature extraction”</a:t>
+            </a:r>
+          </a:p>
+          <a:p>
+            <a:r>
+              <a:rPr lang="en-GB" dirty="0"/>
+              <a:t>FCL -&gt; Classifier -&gt; similar to SVM</a:t>
+            </a:r>
+          </a:p>
+        </p:txBody>
+      </p:sp>
+      <p:sp>
+        <p:nvSpPr>
+          <p:cNvPr id="4" name="Slide Number Placeholder 3"/>
+          <p:cNvSpPr>
+            <a:spLocks noGrp="1"/>
+          </p:cNvSpPr>
+          <p:nvPr>
+            <p:ph type="sldNum" sz="quarter" idx="10"/>
+          </p:nvPr>
+        </p:nvSpPr>
+        <p:spPr/>
+        <p:txBody>
+          <a:bodyPr/>
+          <a:lstStyle/>
+          <a:p>
+            <a:pPr>
+              <a:defRPr/>
+            </a:pPr>
+            <a:fld id="{00AFC6D0-44D5-4EB7-828F-6F464F83D79A}" type="slidenum">
+              <a:rPr lang="en-GB" smtClean="0"/>
+              <a:pPr>
+                <a:defRPr/>
+              </a:pPr>
+              <a:t>12</a:t>
+            </a:fld>
+            <a:endParaRPr lang="en-GB"/>
+          </a:p>
+        </p:txBody>
+      </p:sp>
+    </p:spTree>
+    <p:extLst>
+      <p:ext uri="{BB962C8B-B14F-4D97-AF65-F5344CB8AC3E}">
+        <p14:creationId xmlns:p14="http://schemas.microsoft.com/office/powerpoint/2010/main" val="109791173"/>
+      </p:ext>
+    </p:extLst>
+  </p:cSld>
+  <p:clrMapOvr>
+    <a:masterClrMapping/>
+  </p:clrMapOvr>
+</p:notes>
+</file>
+
+<file path=ppt/notesSlides/notesSlide11.xml><?xml version="1.0" encoding="utf-8"?>
+<p:notes xmlns:a="http://schemas.openxmlformats.org/drawingml/2006/main" xmlns:r="http://schemas.openxmlformats.org/officeDocument/2006/relationships" xmlns:p="http://schemas.openxmlformats.org/presentationml/2006/main">
+  <p:cSld>
+    <p:spTree>
+      <p:nvGrpSpPr>
+        <p:cNvPr id="1" name=""/>
+        <p:cNvGrpSpPr/>
+        <p:nvPr/>
+      </p:nvGrpSpPr>
+      <p:grpSpPr>
+        <a:xfrm>
+          <a:off x="0" y="0"/>
+          <a:ext cx="0" cy="0"/>
+          <a:chOff x="0" y="0"/>
+          <a:chExt cx="0" cy="0"/>
+        </a:xfrm>
+      </p:grpSpPr>
+      <p:sp>
+        <p:nvSpPr>
+          <p:cNvPr id="2" name="Slide Image Placeholder 1"/>
+          <p:cNvSpPr>
+            <a:spLocks noGrp="1" noRot="1" noChangeAspect="1"/>
+          </p:cNvSpPr>
+          <p:nvPr>
+            <p:ph type="sldImg"/>
+          </p:nvPr>
+        </p:nvSpPr>
+        <p:spPr/>
+      </p:sp>
+      <p:sp>
+        <p:nvSpPr>
+          <p:cNvPr id="3" name="Notes Placeholder 2"/>
+          <p:cNvSpPr>
+            <a:spLocks noGrp="1"/>
+          </p:cNvSpPr>
+          <p:nvPr>
+            <p:ph type="body" idx="1"/>
+          </p:nvPr>
+        </p:nvSpPr>
+        <p:spPr/>
+        <p:txBody>
+          <a:bodyPr/>
+          <a:lstStyle/>
+          <a:p>
+            <a:r>
+              <a:rPr lang="en-GB" dirty="0"/>
+              <a:t>Used mainly in image recognition -&gt; Why? -&gt; Feature extractor works like image kernel “Convolutions”</a:t>
+            </a:r>
+          </a:p>
+          <a:p>
+            <a:r>
+              <a:rPr lang="en-GB" dirty="0"/>
+              <a:t>Convolutions -&gt; Feature maps -&gt; “Feature extraction”</a:t>
+            </a:r>
+          </a:p>
+          <a:p>
+            <a:r>
+              <a:rPr lang="en-GB" dirty="0"/>
+              <a:t>FCL -&gt; Classifier -&gt; similar to SVM</a:t>
+            </a:r>
+          </a:p>
+        </p:txBody>
+      </p:sp>
+      <p:sp>
+        <p:nvSpPr>
+          <p:cNvPr id="4" name="Slide Number Placeholder 3"/>
+          <p:cNvSpPr>
+            <a:spLocks noGrp="1"/>
+          </p:cNvSpPr>
+          <p:nvPr>
+            <p:ph type="sldNum" sz="quarter" idx="10"/>
+          </p:nvPr>
+        </p:nvSpPr>
+        <p:spPr/>
+        <p:txBody>
+          <a:bodyPr/>
+          <a:lstStyle/>
+          <a:p>
+            <a:pPr>
+              <a:defRPr/>
+            </a:pPr>
+            <a:fld id="{00AFC6D0-44D5-4EB7-828F-6F464F83D79A}" type="slidenum">
+              <a:rPr lang="en-GB" smtClean="0"/>
+              <a:pPr>
+                <a:defRPr/>
+              </a:pPr>
+              <a:t>13</a:t>
+            </a:fld>
+            <a:endParaRPr lang="en-GB"/>
+          </a:p>
+        </p:txBody>
+      </p:sp>
+    </p:spTree>
+    <p:extLst>
+      <p:ext uri="{BB962C8B-B14F-4D97-AF65-F5344CB8AC3E}">
+        <p14:creationId xmlns:p14="http://schemas.microsoft.com/office/powerpoint/2010/main" val="309333977"/>
+      </p:ext>
+    </p:extLst>
+  </p:cSld>
+  <p:clrMapOvr>
+    <a:masterClrMapping/>
+  </p:clrMapOvr>
+</p:notes>
+</file>
+
+<file path=ppt/notesSlides/notesSlide12.xml><?xml version="1.0" encoding="utf-8"?>
+<p:notes xmlns:a="http://schemas.openxmlformats.org/drawingml/2006/main" xmlns:r="http://schemas.openxmlformats.org/officeDocument/2006/relationships" xmlns:p="http://schemas.openxmlformats.org/presentationml/2006/main">
+  <p:cSld>
+    <p:spTree>
+      <p:nvGrpSpPr>
+        <p:cNvPr id="1" name=""/>
+        <p:cNvGrpSpPr/>
+        <p:nvPr/>
+      </p:nvGrpSpPr>
+      <p:grpSpPr>
+        <a:xfrm>
+          <a:off x="0" y="0"/>
+          <a:ext cx="0" cy="0"/>
+          <a:chOff x="0" y="0"/>
+          <a:chExt cx="0" cy="0"/>
+        </a:xfrm>
+      </p:grpSpPr>
+      <p:sp>
+        <p:nvSpPr>
+          <p:cNvPr id="2" name="Slide Image Placeholder 1"/>
+          <p:cNvSpPr>
+            <a:spLocks noGrp="1" noRot="1" noChangeAspect="1"/>
+          </p:cNvSpPr>
+          <p:nvPr>
+            <p:ph type="sldImg"/>
+          </p:nvPr>
+        </p:nvSpPr>
+        <p:spPr/>
+      </p:sp>
+      <p:sp>
+        <p:nvSpPr>
+          <p:cNvPr id="3" name="Notes Placeholder 2"/>
+          <p:cNvSpPr>
+            <a:spLocks noGrp="1"/>
+          </p:cNvSpPr>
+          <p:nvPr>
+            <p:ph type="body" idx="1"/>
+          </p:nvPr>
+        </p:nvSpPr>
+        <p:spPr/>
+        <p:txBody>
+          <a:bodyPr/>
+          <a:lstStyle/>
+          <a:p>
+            <a:r>
+              <a:rPr lang="en-GB" dirty="0"/>
+              <a:t>Labelled data set </a:t>
+            </a:r>
+            <a:r>
+              <a:rPr lang="en-GB" dirty="0">
+                <a:sym typeface="Wingdings" panose="05000000000000000000" pitchFamily="2" charset="2"/>
+              </a:rPr>
+              <a:t> supervised learning</a:t>
+            </a:r>
+          </a:p>
+          <a:p>
+            <a:pPr marL="0" marR="0" lvl="0" indent="0" algn="l" defTabSz="914400" rtl="0" eaLnBrk="1" fontAlgn="base" latinLnBrk="0" hangingPunct="1">
+              <a:lnSpc>
+                <a:spcPct val="100000"/>
+              </a:lnSpc>
+              <a:spcBef>
+                <a:spcPct val="30000"/>
+              </a:spcBef>
+              <a:spcAft>
+                <a:spcPct val="0"/>
+              </a:spcAft>
+              <a:buClrTx/>
+              <a:buSzTx/>
+              <a:buFontTx/>
+              <a:buNone/>
+              <a:tabLst/>
+              <a:defRPr/>
+            </a:pPr>
+            <a:r>
+              <a:rPr lang="en-GB" dirty="0"/>
+              <a:t>1k traces per sensitive value</a:t>
+            </a:r>
+          </a:p>
+          <a:p>
+            <a:r>
+              <a:rPr lang="en-GB" dirty="0"/>
+              <a:t>Input each trace individually, as Matrix for CNN, 3253 inputs for MLP, others</a:t>
+            </a:r>
+          </a:p>
+          <a:p>
+            <a:endParaRPr lang="en-GB" dirty="0"/>
+          </a:p>
+        </p:txBody>
+      </p:sp>
+      <p:sp>
+        <p:nvSpPr>
+          <p:cNvPr id="4" name="Slide Number Placeholder 3"/>
+          <p:cNvSpPr>
+            <a:spLocks noGrp="1"/>
+          </p:cNvSpPr>
+          <p:nvPr>
+            <p:ph type="sldNum" sz="quarter" idx="10"/>
+          </p:nvPr>
+        </p:nvSpPr>
+        <p:spPr/>
+        <p:txBody>
+          <a:bodyPr/>
+          <a:lstStyle/>
+          <a:p>
+            <a:pPr>
+              <a:defRPr/>
+            </a:pPr>
+            <a:fld id="{00AFC6D0-44D5-4EB7-828F-6F464F83D79A}" type="slidenum">
+              <a:rPr lang="en-GB" smtClean="0"/>
+              <a:pPr>
+                <a:defRPr/>
+              </a:pPr>
+              <a:t>14</a:t>
+            </a:fld>
+            <a:endParaRPr lang="en-GB"/>
+          </a:p>
+        </p:txBody>
+      </p:sp>
+    </p:spTree>
+    <p:extLst>
+      <p:ext uri="{BB962C8B-B14F-4D97-AF65-F5344CB8AC3E}">
+        <p14:creationId xmlns:p14="http://schemas.microsoft.com/office/powerpoint/2010/main" val="1158799826"/>
+      </p:ext>
+    </p:extLst>
+  </p:cSld>
+  <p:clrMapOvr>
+    <a:masterClrMapping/>
+  </p:clrMapOvr>
+</p:notes>
+</file>
+
+<file path=ppt/notesSlides/notesSlide13.xml><?xml version="1.0" encoding="utf-8"?>
+<p:notes xmlns:a="http://schemas.openxmlformats.org/drawingml/2006/main" xmlns:r="http://schemas.openxmlformats.org/officeDocument/2006/relationships" xmlns:p="http://schemas.openxmlformats.org/presentationml/2006/main">
+  <p:cSld>
+    <p:spTree>
+      <p:nvGrpSpPr>
+        <p:cNvPr id="1" name=""/>
+        <p:cNvGrpSpPr/>
+        <p:nvPr/>
+      </p:nvGrpSpPr>
+      <p:grpSpPr>
+        <a:xfrm>
+          <a:off x="0" y="0"/>
+          <a:ext cx="0" cy="0"/>
+          <a:chOff x="0" y="0"/>
+          <a:chExt cx="0" cy="0"/>
+        </a:xfrm>
+      </p:grpSpPr>
+      <p:sp>
+        <p:nvSpPr>
+          <p:cNvPr id="2" name="Slide Image Placeholder 1"/>
+          <p:cNvSpPr>
+            <a:spLocks noGrp="1" noRot="1" noChangeAspect="1"/>
+          </p:cNvSpPr>
+          <p:nvPr>
+            <p:ph type="sldImg"/>
+          </p:nvPr>
+        </p:nvSpPr>
+        <p:spPr/>
+      </p:sp>
+      <p:sp>
+        <p:nvSpPr>
+          <p:cNvPr id="3" name="Notes Placeholder 2"/>
+          <p:cNvSpPr>
+            <a:spLocks noGrp="1"/>
+          </p:cNvSpPr>
+          <p:nvPr>
+            <p:ph type="body" idx="1"/>
+          </p:nvPr>
+        </p:nvSpPr>
+        <p:spPr/>
+        <p:txBody>
+          <a:bodyPr/>
+          <a:lstStyle/>
+          <a:p>
+            <a:r>
+              <a:rPr lang="en-GB" dirty="0"/>
+              <a:t>CNN best performance, slightly better than AE</a:t>
+            </a:r>
+          </a:p>
+          <a:p>
+            <a:r>
+              <a:rPr lang="en-GB" dirty="0"/>
+              <a:t>CNN requires less than half of the traces needed for key recovery compared to TA</a:t>
+            </a:r>
+          </a:p>
+          <a:p>
+            <a:r>
+              <a:rPr lang="en-GB" dirty="0"/>
+              <a:t>Manual feature extraction using PCA not advantageous </a:t>
+            </a:r>
+          </a:p>
+          <a:p>
+            <a:r>
+              <a:rPr lang="en-GB" dirty="0"/>
+              <a:t>LSTM not that good as there is no further relationship between bits far apart, time independence </a:t>
+            </a:r>
+          </a:p>
+        </p:txBody>
+      </p:sp>
+      <p:sp>
+        <p:nvSpPr>
+          <p:cNvPr id="4" name="Slide Number Placeholder 3"/>
+          <p:cNvSpPr>
+            <a:spLocks noGrp="1"/>
+          </p:cNvSpPr>
+          <p:nvPr>
+            <p:ph type="sldNum" sz="quarter" idx="10"/>
+          </p:nvPr>
+        </p:nvSpPr>
+        <p:spPr/>
+        <p:txBody>
+          <a:bodyPr/>
+          <a:lstStyle/>
+          <a:p>
+            <a:pPr>
+              <a:defRPr/>
+            </a:pPr>
+            <a:fld id="{00AFC6D0-44D5-4EB7-828F-6F464F83D79A}" type="slidenum">
+              <a:rPr lang="en-GB" smtClean="0"/>
+              <a:pPr>
+                <a:defRPr/>
+              </a:pPr>
+              <a:t>15</a:t>
+            </a:fld>
+            <a:endParaRPr lang="en-GB"/>
+          </a:p>
+        </p:txBody>
+      </p:sp>
+    </p:spTree>
+    <p:extLst>
+      <p:ext uri="{BB962C8B-B14F-4D97-AF65-F5344CB8AC3E}">
+        <p14:creationId xmlns:p14="http://schemas.microsoft.com/office/powerpoint/2010/main" val="3417501818"/>
+      </p:ext>
+    </p:extLst>
+  </p:cSld>
+  <p:clrMapOvr>
+    <a:masterClrMapping/>
+  </p:clrMapOvr>
+</p:notes>
+</file>
+
+<file path=ppt/notesSlides/notesSlide14.xml><?xml version="1.0" encoding="utf-8"?>
+<p:notes xmlns:a="http://schemas.openxmlformats.org/drawingml/2006/main" xmlns:r="http://schemas.openxmlformats.org/officeDocument/2006/relationships" xmlns:p="http://schemas.openxmlformats.org/presentationml/2006/main">
+  <p:cSld>
+    <p:spTree>
+      <p:nvGrpSpPr>
+        <p:cNvPr id="1" name=""/>
+        <p:cNvGrpSpPr/>
+        <p:nvPr/>
+      </p:nvGrpSpPr>
+      <p:grpSpPr>
+        <a:xfrm>
+          <a:off x="0" y="0"/>
+          <a:ext cx="0" cy="0"/>
+          <a:chOff x="0" y="0"/>
+          <a:chExt cx="0" cy="0"/>
+        </a:xfrm>
+      </p:grpSpPr>
+      <p:sp>
+        <p:nvSpPr>
+          <p:cNvPr id="2" name="Slide Image Placeholder 1"/>
+          <p:cNvSpPr>
+            <a:spLocks noGrp="1" noRot="1" noChangeAspect="1"/>
+          </p:cNvSpPr>
+          <p:nvPr>
+            <p:ph type="sldImg"/>
+          </p:nvPr>
+        </p:nvSpPr>
+        <p:spPr/>
+      </p:sp>
+      <p:sp>
+        <p:nvSpPr>
+          <p:cNvPr id="3" name="Notes Placeholder 2"/>
+          <p:cNvSpPr>
+            <a:spLocks noGrp="1"/>
+          </p:cNvSpPr>
+          <p:nvPr>
+            <p:ph type="body" idx="1"/>
+          </p:nvPr>
+        </p:nvSpPr>
+        <p:spPr/>
+        <p:txBody>
+          <a:bodyPr/>
+          <a:lstStyle/>
+          <a:p>
+            <a:r>
+              <a:rPr lang="en-GB" dirty="0"/>
+              <a:t>Basically template attack but instead of Gaussian assumption profile with a NN</a:t>
+            </a:r>
+          </a:p>
+        </p:txBody>
+      </p:sp>
+      <p:sp>
+        <p:nvSpPr>
+          <p:cNvPr id="4" name="Slide Number Placeholder 3"/>
+          <p:cNvSpPr>
+            <a:spLocks noGrp="1"/>
+          </p:cNvSpPr>
+          <p:nvPr>
+            <p:ph type="sldNum" sz="quarter" idx="10"/>
+          </p:nvPr>
+        </p:nvSpPr>
+        <p:spPr/>
+        <p:txBody>
+          <a:bodyPr/>
+          <a:lstStyle/>
+          <a:p>
+            <a:pPr>
+              <a:defRPr/>
+            </a:pPr>
+            <a:fld id="{00AFC6D0-44D5-4EB7-828F-6F464F83D79A}" type="slidenum">
+              <a:rPr lang="en-GB" smtClean="0"/>
+              <a:pPr>
+                <a:defRPr/>
+              </a:pPr>
+              <a:t>17</a:t>
+            </a:fld>
+            <a:endParaRPr lang="en-GB"/>
+          </a:p>
+        </p:txBody>
+      </p:sp>
+    </p:spTree>
+    <p:extLst>
+      <p:ext uri="{BB962C8B-B14F-4D97-AF65-F5344CB8AC3E}">
+        <p14:creationId xmlns:p14="http://schemas.microsoft.com/office/powerpoint/2010/main" val="1060795393"/>
+      </p:ext>
+    </p:extLst>
+  </p:cSld>
+  <p:clrMapOvr>
+    <a:masterClrMapping/>
+  </p:clrMapOvr>
+</p:notes>
+</file>
+
+<file path=ppt/notesSlides/notesSlide15.xml><?xml version="1.0" encoding="utf-8"?>
+<p:notes xmlns:a="http://schemas.openxmlformats.org/drawingml/2006/main" xmlns:r="http://schemas.openxmlformats.org/officeDocument/2006/relationships" xmlns:p="http://schemas.openxmlformats.org/presentationml/2006/main">
+  <p:cSld>
+    <p:spTree>
+      <p:nvGrpSpPr>
+        <p:cNvPr id="1" name=""/>
+        <p:cNvGrpSpPr/>
+        <p:nvPr/>
+      </p:nvGrpSpPr>
+      <p:grpSpPr>
+        <a:xfrm>
+          <a:off x="0" y="0"/>
+          <a:ext cx="0" cy="0"/>
+          <a:chOff x="0" y="0"/>
+          <a:chExt cx="0" cy="0"/>
+        </a:xfrm>
+      </p:grpSpPr>
+      <p:sp>
+        <p:nvSpPr>
+          <p:cNvPr id="2" name="Slide Image Placeholder 1"/>
+          <p:cNvSpPr>
+            <a:spLocks noGrp="1" noRot="1" noChangeAspect="1"/>
+          </p:cNvSpPr>
+          <p:nvPr>
+            <p:ph type="sldImg"/>
+          </p:nvPr>
+        </p:nvSpPr>
+        <p:spPr/>
+      </p:sp>
+      <p:sp>
+        <p:nvSpPr>
+          <p:cNvPr id="3" name="Notes Placeholder 2"/>
+          <p:cNvSpPr>
+            <a:spLocks noGrp="1"/>
+          </p:cNvSpPr>
+          <p:nvPr>
+            <p:ph type="body" idx="1"/>
+          </p:nvPr>
+        </p:nvSpPr>
+        <p:spPr/>
+        <p:txBody>
+          <a:bodyPr/>
+          <a:lstStyle/>
+          <a:p>
+            <a:r>
+              <a:rPr lang="en-GB" dirty="0"/>
+              <a:t>Mu:=mean</a:t>
+            </a:r>
+          </a:p>
+          <a:p>
+            <a:r>
+              <a:rPr lang="en-GB" dirty="0"/>
+              <a:t>Sigma:=</a:t>
+            </a:r>
+            <a:r>
+              <a:rPr lang="en-GB" dirty="0" err="1"/>
+              <a:t>standartabweichung</a:t>
+            </a:r>
+            <a:endParaRPr lang="en-GB" dirty="0"/>
+          </a:p>
+          <a:p>
+            <a:r>
+              <a:rPr lang="en-GB" dirty="0"/>
+              <a:t>Z:=sensitive value</a:t>
+            </a:r>
+          </a:p>
+          <a:p>
+            <a:r>
+              <a:rPr lang="en-GB" dirty="0"/>
+              <a:t>L:=trace</a:t>
+            </a:r>
+          </a:p>
+          <a:p>
+            <a:r>
+              <a:rPr lang="en-GB" dirty="0"/>
+              <a:t>Sigma:=covariance matrix</a:t>
+            </a:r>
+          </a:p>
+          <a:p>
+            <a:r>
+              <a:rPr lang="en-GB" dirty="0" err="1"/>
+              <a:t>Mu_z</a:t>
+            </a:r>
+            <a:r>
+              <a:rPr lang="en-GB" dirty="0"/>
+              <a:t>:=mean(Sigma)</a:t>
+            </a:r>
+          </a:p>
+          <a:p>
+            <a:endParaRPr lang="en-GB" dirty="0"/>
+          </a:p>
+        </p:txBody>
+      </p:sp>
+      <p:sp>
+        <p:nvSpPr>
+          <p:cNvPr id="4" name="Slide Number Placeholder 3"/>
+          <p:cNvSpPr>
+            <a:spLocks noGrp="1"/>
+          </p:cNvSpPr>
+          <p:nvPr>
+            <p:ph type="sldNum" sz="quarter" idx="10"/>
+          </p:nvPr>
+        </p:nvSpPr>
+        <p:spPr/>
+        <p:txBody>
+          <a:bodyPr/>
+          <a:lstStyle/>
+          <a:p>
+            <a:pPr>
+              <a:defRPr/>
+            </a:pPr>
+            <a:fld id="{00AFC6D0-44D5-4EB7-828F-6F464F83D79A}" type="slidenum">
+              <a:rPr lang="en-GB" smtClean="0"/>
+              <a:pPr>
+                <a:defRPr/>
+              </a:pPr>
+              <a:t>18</a:t>
+            </a:fld>
+            <a:endParaRPr lang="en-GB"/>
+          </a:p>
+        </p:txBody>
+      </p:sp>
+    </p:spTree>
+    <p:extLst>
+      <p:ext uri="{BB962C8B-B14F-4D97-AF65-F5344CB8AC3E}">
+        <p14:creationId xmlns:p14="http://schemas.microsoft.com/office/powerpoint/2010/main" val="3694123410"/>
       </p:ext>
     </p:extLst>
   </p:cSld>
@@ -10881,15 +11595,7 @@
           <a:p>
             <a:r>
               <a:rPr lang="en-GB" dirty="0"/>
-              <a:t>Overtaking traditional </a:t>
-            </a:r>
-            <a:r>
-              <a:rPr lang="en-GB" dirty="0" err="1"/>
-              <a:t>methonds</a:t>
-            </a:r>
-            <a:r>
-              <a:rPr lang="en-GB" dirty="0"/>
-              <a:t> (SVM, RF) -&gt; SVM classifier like MLP</a:t>
+              <a:t>Overtaking traditional methods (SVM, RF) -&gt; SVM classifier like MLP</a:t>
             </a:r>
           </a:p>
           <a:p>
@@ -11012,8 +11718,15 @@
             </a:r>
             <a:r>
               <a:rPr lang="en-GB" dirty="0"/>
-              <a:t> -&gt; Attack &gt;fist&lt; or last</a:t>
+              <a:t> -&gt; Attack &gt;fist&lt; or last </a:t>
             </a:r>
+            <a:r>
+              <a:rPr lang="en-GB" dirty="0">
+                <a:sym typeface="Wingdings" panose="05000000000000000000" pitchFamily="2" charset="2"/>
+              </a:rPr>
+              <a:t> why??</a:t>
+            </a:r>
+            <a:endParaRPr lang="en-GB" dirty="0"/>
           </a:p>
           <a:p>
             <a:r>
@@ -11307,6 +12020,29 @@
           <a:bodyPr/>
           <a:lstStyle/>
           <a:p>
+            <a:pPr marL="0" marR="0" lvl="0" indent="0" algn="l" defTabSz="914400" rtl="0" eaLnBrk="1" fontAlgn="base" latinLnBrk="0" hangingPunct="1">
+              <a:lnSpc>
+                <a:spcPct val="100000"/>
+              </a:lnSpc>
+              <a:spcBef>
+                <a:spcPct val="30000"/>
+              </a:spcBef>
+              <a:spcAft>
+                <a:spcPct val="0"/>
+              </a:spcAft>
+              <a:buClrTx/>
+              <a:buSzTx/>
+              <a:buFontTx/>
+              <a:buNone/>
+              <a:tabLst/>
+              <a:defRPr/>
+            </a:pPr>
+            <a:r>
+              <a:rPr lang="en-GB" sz="1200" dirty="0"/>
+              <a:t>Now: backpropagation possible on large NNs</a:t>
+            </a:r>
+          </a:p>
+          <a:p>
             <a:r>
               <a:rPr lang="en-GB" dirty="0"/>
               <a:t>Many different techniques, each has own strengths</a:t>
@@ -11435,6 +12171,12 @@
             </a:r>
           </a:p>
           <a:p>
+            <a:r>
+              <a:rPr lang="en-GB" dirty="0"/>
+              <a:t>If made for byte classification -&gt; 256 outputs</a:t>
+            </a:r>
+          </a:p>
+          <a:p>
             <a:endParaRPr lang="en-GB" dirty="0"/>
           </a:p>
         </p:txBody>
@@ -11576,7 +12318,7 @@
     </p:spTree>
     <p:extLst>
       <p:ext uri="{BB962C8B-B14F-4D97-AF65-F5344CB8AC3E}">
-        <p14:creationId xmlns:p14="http://schemas.microsoft.com/office/powerpoint/2010/main" val="1769935964"/>
+        <p14:creationId xmlns:p14="http://schemas.microsoft.com/office/powerpoint/2010/main" val="539729708"/>
       </p:ext>
     </p:extLst>
   </p:cSld>
@@ -11632,7 +12374,25 @@
           <a:p>
             <a:r>
               <a:rPr lang="en-GB" dirty="0"/>
-              <a:t>Basically template attack but instead of Gaussian assumption profile with a NN</a:t>
+              <a:t>Feature extractor works like image kernel “Convolutions”</a:t>
+            </a:r>
+          </a:p>
+          <a:p>
+            <a:r>
+              <a:rPr lang="en-GB" dirty="0"/>
+              <a:t>Filter contains the weights “feature extractor”</a:t>
+            </a:r>
+          </a:p>
+          <a:p>
+            <a:r>
+              <a:rPr lang="en-GB" dirty="0"/>
+              <a:t>Convolutions -&gt; Feature maps -&gt; “Feature extraction”</a:t>
+            </a:r>
+          </a:p>
+          <a:p>
+            <a:r>
+              <a:rPr lang="en-GB" dirty="0"/>
+              <a:t>FCL -&gt; Classifier -&gt; similar to SVM</a:t>
             </a:r>
           </a:p>
         </p:txBody>
@@ -11669,7 +12429,7 @@
     </p:spTree>
     <p:extLst>
       <p:ext uri="{BB962C8B-B14F-4D97-AF65-F5344CB8AC3E}">
-        <p14:creationId xmlns:p14="http://schemas.microsoft.com/office/powerpoint/2010/main" val="1060795393"/>
+        <p14:creationId xmlns:p14="http://schemas.microsoft.com/office/powerpoint/2010/main" val="1756278855"/>
       </p:ext>
     </p:extLst>
   </p:cSld>
@@ -11812,7 +12572,7 @@
             </a:pPr>
             <a:fld id="{B04D9ECC-31C8-4A53-8131-35BAE7995783}" type="datetime1">
               <a:rPr lang="de-DE" noProof="0" smtClean="0"/>
-              <a:t>15.07.2017</a:t>
+              <a:t>20.07.2017</a:t>
             </a:fld>
             <a:endParaRPr lang="de-DE" noProof="0"/>
           </a:p>
@@ -12064,7 +12824,7 @@
             </a:pPr>
             <a:fld id="{1178E5D5-CA76-4C59-B34C-272F56E3C42B}" type="datetime1">
               <a:rPr lang="de-DE" noProof="0" smtClean="0"/>
-              <a:t>15.07.2017</a:t>
+              <a:t>20.07.2017</a:t>
             </a:fld>
             <a:endParaRPr lang="de-DE" noProof="0"/>
           </a:p>
@@ -12403,7 +13163,7 @@
             </a:pPr>
             <a:fld id="{DF75CF1A-A7C7-4023-A193-69E45C4BA344}" type="datetime1">
               <a:rPr lang="de-DE" noProof="0" smtClean="0"/>
-              <a:t>15.07.2017</a:t>
+              <a:t>20.07.2017</a:t>
             </a:fld>
             <a:endParaRPr lang="de-DE" noProof="0"/>
           </a:p>
@@ -12685,7 +13445,7 @@
             </a:pPr>
             <a:fld id="{5144C4FB-9881-443F-B4FF-72995425415D}" type="datetime1">
               <a:rPr lang="de-DE" noProof="0" smtClean="0"/>
-              <a:t>15.07.2017</a:t>
+              <a:t>20.07.2017</a:t>
             </a:fld>
             <a:endParaRPr lang="de-DE" noProof="0"/>
           </a:p>
@@ -13343,44 +14103,6 @@
           </a:p>
         </p:txBody>
       </p:sp>
-      <p:pic>
-        <p:nvPicPr>
-          <p:cNvPr id="7" name="Content Placeholder 6">
-            <a:extLst>
-              <a:ext uri="{FF2B5EF4-FFF2-40B4-BE49-F238E27FC236}">
-                <a16:creationId xmlns:a16="http://schemas.microsoft.com/office/drawing/2014/main" id="{9D2FBA31-58A6-462B-8D88-85783C8BDBBB}"/>
-              </a:ext>
-            </a:extLst>
-          </p:cNvPr>
-          <p:cNvPicPr>
-            <a:picLocks noGrp="1" noChangeAspect="1"/>
-          </p:cNvPicPr>
-          <p:nvPr>
-            <p:ph idx="1"/>
-          </p:nvPr>
-        </p:nvPicPr>
-        <p:blipFill>
-          <a:blip r:embed="rId3">
-            <a:extLst>
-              <a:ext uri="{28A0092B-C50C-407E-A947-70E740481C1C}">
-                <a14:useLocalDpi xmlns:a14="http://schemas.microsoft.com/office/drawing/2010/main" val="0"/>
-              </a:ext>
-              <a:ext uri="{96DAC541-7B7A-43D3-8B79-37D633B846F1}">
-                <asvg:svgBlip xmlns:asvg="http://schemas.microsoft.com/office/drawing/2016/SVG/main" r:embed="rId4"/>
-              </a:ext>
-            </a:extLst>
-          </a:blip>
-          <a:stretch>
-            <a:fillRect/>
-          </a:stretch>
-        </p:blipFill>
-        <p:spPr>
-          <a:xfrm>
-            <a:off x="320276" y="2584347"/>
-            <a:ext cx="8503449" cy="3150030"/>
-          </a:xfrm>
-        </p:spPr>
-      </p:pic>
       <p:sp>
         <p:nvSpPr>
           <p:cNvPr id="4" name="Slide Number Placeholder 3">
@@ -13441,10 +14163,56 @@
           </a:p>
         </p:txBody>
       </p:sp>
+      <p:pic>
+        <p:nvPicPr>
+          <p:cNvPr id="6" name="Content Placeholder 6">
+            <a:extLst>
+              <a:ext uri="{FF2B5EF4-FFF2-40B4-BE49-F238E27FC236}">
+                <a16:creationId xmlns:a16="http://schemas.microsoft.com/office/drawing/2014/main" id="{860023ED-8033-430C-BCEC-3A675D2806A1}"/>
+              </a:ext>
+            </a:extLst>
+          </p:cNvPr>
+          <p:cNvPicPr>
+            <a:picLocks noChangeAspect="1"/>
+          </p:cNvPicPr>
+          <p:nvPr/>
+        </p:nvPicPr>
+        <p:blipFill>
+          <a:blip r:embed="rId3">
+            <a:extLst>
+              <a:ext uri="{28A0092B-C50C-407E-A947-70E740481C1C}">
+                <a14:useLocalDpi xmlns:a14="http://schemas.microsoft.com/office/drawing/2010/main" val="0"/>
+              </a:ext>
+              <a:ext uri="{96DAC541-7B7A-43D3-8B79-37D633B846F1}">
+                <asvg:svgBlip xmlns:asvg="http://schemas.microsoft.com/office/drawing/2016/SVG/main" r:embed="rId4"/>
+              </a:ext>
+            </a:extLst>
+          </a:blip>
+          <a:stretch>
+            <a:fillRect/>
+          </a:stretch>
+        </p:blipFill>
+        <p:spPr bwMode="auto">
+          <a:xfrm>
+            <a:off x="355048" y="2295939"/>
+            <a:ext cx="8433904" cy="3438438"/>
+          </a:xfrm>
+          <a:prstGeom prst="rect">
+            <a:avLst/>
+          </a:prstGeom>
+          <a:noFill/>
+          <a:ln w="9525">
+            <a:noFill/>
+            <a:miter lim="800000"/>
+            <a:headEnd/>
+            <a:tailEnd/>
+          </a:ln>
+        </p:spPr>
+      </p:pic>
     </p:spTree>
     <p:extLst>
       <p:ext uri="{BB962C8B-B14F-4D97-AF65-F5344CB8AC3E}">
-        <p14:creationId xmlns:p14="http://schemas.microsoft.com/office/powerpoint/2010/main" val="3501835683"/>
+        <p14:creationId xmlns:p14="http://schemas.microsoft.com/office/powerpoint/2010/main" val="3320823035"/>
       </p:ext>
     </p:extLst>
   </p:cSld>
@@ -13455,6 +14223,2335 @@
 </file>
 
 <file path=ppt/slides/slide11.xml><?xml version="1.0" encoding="utf-8"?>
+<p:sld xmlns:a="http://schemas.openxmlformats.org/drawingml/2006/main" xmlns:r="http://schemas.openxmlformats.org/officeDocument/2006/relationships" xmlns:p="http://schemas.openxmlformats.org/presentationml/2006/main">
+  <p:cSld>
+    <p:spTree>
+      <p:nvGrpSpPr>
+        <p:cNvPr id="1" name=""/>
+        <p:cNvGrpSpPr/>
+        <p:nvPr/>
+      </p:nvGrpSpPr>
+      <p:grpSpPr>
+        <a:xfrm>
+          <a:off x="0" y="0"/>
+          <a:ext cx="0" cy="0"/>
+          <a:chOff x="0" y="0"/>
+          <a:chExt cx="0" cy="0"/>
+        </a:xfrm>
+      </p:grpSpPr>
+      <p:pic>
+        <p:nvPicPr>
+          <p:cNvPr id="21" name="Picture 20">
+            <a:extLst>
+              <a:ext uri="{FF2B5EF4-FFF2-40B4-BE49-F238E27FC236}">
+                <a16:creationId xmlns:a16="http://schemas.microsoft.com/office/drawing/2014/main" id="{7BB52E85-E5E5-4B83-B1C6-139263233DFA}"/>
+              </a:ext>
+            </a:extLst>
+          </p:cNvPr>
+          <p:cNvPicPr>
+            <a:picLocks noChangeAspect="1"/>
+          </p:cNvPicPr>
+          <p:nvPr/>
+        </p:nvPicPr>
+        <p:blipFill rotWithShape="1">
+          <a:blip r:embed="rId3"/>
+          <a:srcRect l="4163" t="159" b="-1"/>
+          <a:stretch/>
+        </p:blipFill>
+        <p:spPr>
+          <a:xfrm>
+            <a:off x="2618601" y="1828800"/>
+            <a:ext cx="3906798" cy="4220916"/>
+          </a:xfrm>
+          <a:prstGeom prst="rect">
+            <a:avLst/>
+          </a:prstGeom>
+        </p:spPr>
+      </p:pic>
+      <p:sp>
+        <p:nvSpPr>
+          <p:cNvPr id="2" name="Title 1">
+            <a:extLst>
+              <a:ext uri="{FF2B5EF4-FFF2-40B4-BE49-F238E27FC236}">
+                <a16:creationId xmlns:a16="http://schemas.microsoft.com/office/drawing/2014/main" id="{F24B43FA-7FF4-48A6-AD28-998D5E60C2F0}"/>
+              </a:ext>
+            </a:extLst>
+          </p:cNvPr>
+          <p:cNvSpPr>
+            <a:spLocks noGrp="1"/>
+          </p:cNvSpPr>
+          <p:nvPr>
+            <p:ph type="title"/>
+          </p:nvPr>
+        </p:nvSpPr>
+        <p:spPr/>
+        <p:txBody>
+          <a:bodyPr/>
+          <a:lstStyle/>
+          <a:p>
+            <a:r>
+              <a:rPr lang="en-GB" dirty="0"/>
+              <a:t>Convolutional Neural Networks - Convolutions</a:t>
+            </a:r>
+          </a:p>
+        </p:txBody>
+      </p:sp>
+      <p:sp>
+        <p:nvSpPr>
+          <p:cNvPr id="4" name="Slide Number Placeholder 3">
+            <a:extLst>
+              <a:ext uri="{FF2B5EF4-FFF2-40B4-BE49-F238E27FC236}">
+                <a16:creationId xmlns:a16="http://schemas.microsoft.com/office/drawing/2014/main" id="{7042B503-7758-450C-86D7-231DDB8E5D69}"/>
+              </a:ext>
+            </a:extLst>
+          </p:cNvPr>
+          <p:cNvSpPr>
+            <a:spLocks noGrp="1"/>
+          </p:cNvSpPr>
+          <p:nvPr>
+            <p:ph type="sldNum" sz="quarter" idx="12"/>
+          </p:nvPr>
+        </p:nvSpPr>
+        <p:spPr/>
+        <p:txBody>
+          <a:bodyPr/>
+          <a:lstStyle/>
+          <a:p>
+            <a:pPr>
+              <a:defRPr/>
+            </a:pPr>
+            <a:fld id="{CE265BFB-70D1-4552-B9D1-2665EEDC3C5E}" type="slidenum">
+              <a:rPr lang="de-DE" noProof="0" smtClean="0"/>
+              <a:pPr>
+                <a:defRPr/>
+              </a:pPr>
+              <a:t>11</a:t>
+            </a:fld>
+            <a:endParaRPr lang="de-DE" noProof="0"/>
+          </a:p>
+        </p:txBody>
+      </p:sp>
+      <p:sp>
+        <p:nvSpPr>
+          <p:cNvPr id="10" name="TextBox 9">
+            <a:extLst>
+              <a:ext uri="{FF2B5EF4-FFF2-40B4-BE49-F238E27FC236}">
+                <a16:creationId xmlns:a16="http://schemas.microsoft.com/office/drawing/2014/main" id="{E25D65BC-B4D3-4160-9039-3E4765B6EFE6}"/>
+              </a:ext>
+            </a:extLst>
+          </p:cNvPr>
+          <p:cNvSpPr txBox="1"/>
+          <p:nvPr/>
+        </p:nvSpPr>
+        <p:spPr>
+          <a:xfrm>
+            <a:off x="212473" y="5973417"/>
+            <a:ext cx="8719054" cy="307777"/>
+          </a:xfrm>
+          <a:prstGeom prst="rect">
+            <a:avLst/>
+          </a:prstGeom>
+          <a:noFill/>
+        </p:spPr>
+        <p:txBody>
+          <a:bodyPr wrap="none" rtlCol="0">
+            <a:spAutoFit/>
+          </a:bodyPr>
+          <a:lstStyle/>
+          <a:p>
+            <a:r>
+              <a:rPr lang="en-GB" sz="1400" dirty="0"/>
+              <a:t>Source: </a:t>
+            </a:r>
+            <a:r>
+              <a:rPr lang="en-GB" sz="1400" i="1" dirty="0" err="1"/>
+              <a:t>vdumoulin</a:t>
+            </a:r>
+            <a:r>
+              <a:rPr lang="en-GB" sz="1400" i="1" dirty="0"/>
+              <a:t>, https://github.com/vdumoulin/conv_arithmetic/blob/master/gif/no_padding_no_strides.gif</a:t>
+            </a:r>
+          </a:p>
+        </p:txBody>
+      </p:sp>
+      <p:sp>
+        <p:nvSpPr>
+          <p:cNvPr id="11" name="TextBox 10">
+            <a:extLst>
+              <a:ext uri="{FF2B5EF4-FFF2-40B4-BE49-F238E27FC236}">
+                <a16:creationId xmlns:a16="http://schemas.microsoft.com/office/drawing/2014/main" id="{DBCD5BB9-B36A-4116-ADA5-06BF4C104548}"/>
+              </a:ext>
+            </a:extLst>
+          </p:cNvPr>
+          <p:cNvSpPr txBox="1"/>
+          <p:nvPr/>
+        </p:nvSpPr>
+        <p:spPr>
+          <a:xfrm>
+            <a:off x="3067081" y="4435717"/>
+            <a:ext cx="284052" cy="307777"/>
+          </a:xfrm>
+          <a:prstGeom prst="rect">
+            <a:avLst/>
+          </a:prstGeom>
+          <a:noFill/>
+        </p:spPr>
+        <p:txBody>
+          <a:bodyPr wrap="none" rtlCol="0">
+            <a:spAutoFit/>
+          </a:bodyPr>
+          <a:lstStyle/>
+          <a:p>
+            <a:r>
+              <a:rPr lang="en-GB" sz="1400" dirty="0">
+                <a:solidFill>
+                  <a:srgbClr val="FF0000"/>
+                </a:solidFill>
+              </a:rPr>
+              <a:t>1</a:t>
+            </a:r>
+          </a:p>
+        </p:txBody>
+      </p:sp>
+      <p:sp>
+        <p:nvSpPr>
+          <p:cNvPr id="12" name="TextBox 11">
+            <a:extLst>
+              <a:ext uri="{FF2B5EF4-FFF2-40B4-BE49-F238E27FC236}">
+                <a16:creationId xmlns:a16="http://schemas.microsoft.com/office/drawing/2014/main" id="{09C75B81-453F-411F-8A32-45FAA14B2EF2}"/>
+              </a:ext>
+            </a:extLst>
+          </p:cNvPr>
+          <p:cNvSpPr txBox="1"/>
+          <p:nvPr/>
+        </p:nvSpPr>
+        <p:spPr>
+          <a:xfrm>
+            <a:off x="3585149" y="4164832"/>
+            <a:ext cx="284052" cy="307777"/>
+          </a:xfrm>
+          <a:prstGeom prst="rect">
+            <a:avLst/>
+          </a:prstGeom>
+          <a:noFill/>
+        </p:spPr>
+        <p:txBody>
+          <a:bodyPr wrap="none" rtlCol="0">
+            <a:spAutoFit/>
+          </a:bodyPr>
+          <a:lstStyle/>
+          <a:p>
+            <a:r>
+              <a:rPr lang="en-GB" sz="1400" dirty="0">
+                <a:solidFill>
+                  <a:srgbClr val="FF0000"/>
+                </a:solidFill>
+              </a:rPr>
+              <a:t>0</a:t>
+            </a:r>
+          </a:p>
+        </p:txBody>
+      </p:sp>
+      <p:sp>
+        <p:nvSpPr>
+          <p:cNvPr id="13" name="TextBox 12">
+            <a:extLst>
+              <a:ext uri="{FF2B5EF4-FFF2-40B4-BE49-F238E27FC236}">
+                <a16:creationId xmlns:a16="http://schemas.microsoft.com/office/drawing/2014/main" id="{EB499268-B4E8-479B-A64F-38EA2C269646}"/>
+              </a:ext>
+            </a:extLst>
+          </p:cNvPr>
+          <p:cNvSpPr txBox="1"/>
+          <p:nvPr/>
+        </p:nvSpPr>
+        <p:spPr>
+          <a:xfrm>
+            <a:off x="4129332" y="3919985"/>
+            <a:ext cx="284052" cy="307777"/>
+          </a:xfrm>
+          <a:prstGeom prst="rect">
+            <a:avLst/>
+          </a:prstGeom>
+          <a:noFill/>
+        </p:spPr>
+        <p:txBody>
+          <a:bodyPr wrap="none" rtlCol="0">
+            <a:spAutoFit/>
+          </a:bodyPr>
+          <a:lstStyle/>
+          <a:p>
+            <a:r>
+              <a:rPr lang="en-GB" sz="1400" dirty="0">
+                <a:solidFill>
+                  <a:srgbClr val="FF0000"/>
+                </a:solidFill>
+              </a:rPr>
+              <a:t>1</a:t>
+            </a:r>
+          </a:p>
+        </p:txBody>
+      </p:sp>
+      <p:sp>
+        <p:nvSpPr>
+          <p:cNvPr id="14" name="TextBox 13">
+            <a:extLst>
+              <a:ext uri="{FF2B5EF4-FFF2-40B4-BE49-F238E27FC236}">
+                <a16:creationId xmlns:a16="http://schemas.microsoft.com/office/drawing/2014/main" id="{91C9AF6C-D79D-4891-9710-5D85317A8295}"/>
+              </a:ext>
+            </a:extLst>
+          </p:cNvPr>
+          <p:cNvSpPr txBox="1"/>
+          <p:nvPr/>
+        </p:nvSpPr>
+        <p:spPr>
+          <a:xfrm>
+            <a:off x="4502426" y="4234070"/>
+            <a:ext cx="284052" cy="307777"/>
+          </a:xfrm>
+          <a:prstGeom prst="rect">
+            <a:avLst/>
+          </a:prstGeom>
+          <a:noFill/>
+        </p:spPr>
+        <p:txBody>
+          <a:bodyPr wrap="none" rtlCol="0">
+            <a:spAutoFit/>
+          </a:bodyPr>
+          <a:lstStyle/>
+          <a:p>
+            <a:r>
+              <a:rPr lang="en-GB" sz="1400" dirty="0">
+                <a:solidFill>
+                  <a:srgbClr val="FF0000"/>
+                </a:solidFill>
+              </a:rPr>
+              <a:t>0</a:t>
+            </a:r>
+          </a:p>
+        </p:txBody>
+      </p:sp>
+      <p:sp>
+        <p:nvSpPr>
+          <p:cNvPr id="15" name="TextBox 14">
+            <a:extLst>
+              <a:ext uri="{FF2B5EF4-FFF2-40B4-BE49-F238E27FC236}">
+                <a16:creationId xmlns:a16="http://schemas.microsoft.com/office/drawing/2014/main" id="{9F442A15-F1A6-4567-9E03-43D7DD8A1449}"/>
+              </a:ext>
+            </a:extLst>
+          </p:cNvPr>
+          <p:cNvSpPr txBox="1"/>
+          <p:nvPr/>
+        </p:nvSpPr>
+        <p:spPr>
+          <a:xfrm>
+            <a:off x="4890052" y="4541847"/>
+            <a:ext cx="284052" cy="307777"/>
+          </a:xfrm>
+          <a:prstGeom prst="rect">
+            <a:avLst/>
+          </a:prstGeom>
+          <a:noFill/>
+        </p:spPr>
+        <p:txBody>
+          <a:bodyPr wrap="none" rtlCol="0">
+            <a:spAutoFit/>
+          </a:bodyPr>
+          <a:lstStyle/>
+          <a:p>
+            <a:r>
+              <a:rPr lang="en-GB" sz="1400" dirty="0">
+                <a:solidFill>
+                  <a:srgbClr val="FF0000"/>
+                </a:solidFill>
+              </a:rPr>
+              <a:t>1</a:t>
+            </a:r>
+          </a:p>
+        </p:txBody>
+      </p:sp>
+      <p:sp>
+        <p:nvSpPr>
+          <p:cNvPr id="17" name="TextBox 16">
+            <a:extLst>
+              <a:ext uri="{FF2B5EF4-FFF2-40B4-BE49-F238E27FC236}">
+                <a16:creationId xmlns:a16="http://schemas.microsoft.com/office/drawing/2014/main" id="{807B4AE9-3025-4BA5-B2DA-9AAD2418824B}"/>
+              </a:ext>
+            </a:extLst>
+          </p:cNvPr>
+          <p:cNvSpPr txBox="1"/>
+          <p:nvPr/>
+        </p:nvSpPr>
+        <p:spPr>
+          <a:xfrm>
+            <a:off x="3427766" y="4743494"/>
+            <a:ext cx="284052" cy="307777"/>
+          </a:xfrm>
+          <a:prstGeom prst="rect">
+            <a:avLst/>
+          </a:prstGeom>
+          <a:noFill/>
+        </p:spPr>
+        <p:txBody>
+          <a:bodyPr wrap="none" rtlCol="0">
+            <a:spAutoFit/>
+          </a:bodyPr>
+          <a:lstStyle/>
+          <a:p>
+            <a:r>
+              <a:rPr lang="en-GB" sz="1400" dirty="0">
+                <a:solidFill>
+                  <a:srgbClr val="FF0000"/>
+                </a:solidFill>
+              </a:rPr>
+              <a:t>0</a:t>
+            </a:r>
+          </a:p>
+        </p:txBody>
+      </p:sp>
+      <p:sp>
+        <p:nvSpPr>
+          <p:cNvPr id="18" name="TextBox 17">
+            <a:extLst>
+              <a:ext uri="{FF2B5EF4-FFF2-40B4-BE49-F238E27FC236}">
+                <a16:creationId xmlns:a16="http://schemas.microsoft.com/office/drawing/2014/main" id="{CF1DCBAF-E7BB-49CD-88D5-6B0294D189CA}"/>
+              </a:ext>
+            </a:extLst>
+          </p:cNvPr>
+          <p:cNvSpPr txBox="1"/>
+          <p:nvPr/>
+        </p:nvSpPr>
+        <p:spPr>
+          <a:xfrm>
+            <a:off x="3985592" y="4440518"/>
+            <a:ext cx="284052" cy="307777"/>
+          </a:xfrm>
+          <a:prstGeom prst="rect">
+            <a:avLst/>
+          </a:prstGeom>
+          <a:noFill/>
+        </p:spPr>
+        <p:txBody>
+          <a:bodyPr wrap="none" rtlCol="0">
+            <a:spAutoFit/>
+          </a:bodyPr>
+          <a:lstStyle/>
+          <a:p>
+            <a:r>
+              <a:rPr lang="en-GB" sz="1400" dirty="0">
+                <a:solidFill>
+                  <a:srgbClr val="FF0000"/>
+                </a:solidFill>
+              </a:rPr>
+              <a:t>1</a:t>
+            </a:r>
+          </a:p>
+        </p:txBody>
+      </p:sp>
+      <p:sp>
+        <p:nvSpPr>
+          <p:cNvPr id="19" name="TextBox 18">
+            <a:extLst>
+              <a:ext uri="{FF2B5EF4-FFF2-40B4-BE49-F238E27FC236}">
+                <a16:creationId xmlns:a16="http://schemas.microsoft.com/office/drawing/2014/main" id="{E0704F9E-209C-46D8-AB52-6A5A4A836492}"/>
+              </a:ext>
+            </a:extLst>
+          </p:cNvPr>
+          <p:cNvSpPr txBox="1"/>
+          <p:nvPr/>
+        </p:nvSpPr>
+        <p:spPr>
+          <a:xfrm>
+            <a:off x="3843566" y="5103743"/>
+            <a:ext cx="284052" cy="307777"/>
+          </a:xfrm>
+          <a:prstGeom prst="rect">
+            <a:avLst/>
+          </a:prstGeom>
+          <a:noFill/>
+        </p:spPr>
+        <p:txBody>
+          <a:bodyPr wrap="none" rtlCol="0">
+            <a:spAutoFit/>
+          </a:bodyPr>
+          <a:lstStyle/>
+          <a:p>
+            <a:r>
+              <a:rPr lang="en-GB" sz="1400" dirty="0">
+                <a:solidFill>
+                  <a:srgbClr val="FF0000"/>
+                </a:solidFill>
+              </a:rPr>
+              <a:t>1</a:t>
+            </a:r>
+          </a:p>
+        </p:txBody>
+      </p:sp>
+      <p:sp>
+        <p:nvSpPr>
+          <p:cNvPr id="20" name="TextBox 19">
+            <a:extLst>
+              <a:ext uri="{FF2B5EF4-FFF2-40B4-BE49-F238E27FC236}">
+                <a16:creationId xmlns:a16="http://schemas.microsoft.com/office/drawing/2014/main" id="{673DCC59-E1C6-44C5-8EE6-06CFD82595E4}"/>
+              </a:ext>
+            </a:extLst>
+          </p:cNvPr>
+          <p:cNvSpPr txBox="1"/>
+          <p:nvPr/>
+        </p:nvSpPr>
+        <p:spPr>
+          <a:xfrm>
+            <a:off x="4328114" y="4824277"/>
+            <a:ext cx="284052" cy="307777"/>
+          </a:xfrm>
+          <a:prstGeom prst="rect">
+            <a:avLst/>
+          </a:prstGeom>
+          <a:noFill/>
+        </p:spPr>
+        <p:txBody>
+          <a:bodyPr wrap="none" rtlCol="0">
+            <a:spAutoFit/>
+          </a:bodyPr>
+          <a:lstStyle/>
+          <a:p>
+            <a:r>
+              <a:rPr lang="en-GB" sz="1400" dirty="0">
+                <a:solidFill>
+                  <a:srgbClr val="FF0000"/>
+                </a:solidFill>
+              </a:rPr>
+              <a:t>0</a:t>
+            </a:r>
+          </a:p>
+        </p:txBody>
+      </p:sp>
+      <p:sp>
+        <p:nvSpPr>
+          <p:cNvPr id="3" name="TextBox 2">
+            <a:extLst>
+              <a:ext uri="{FF2B5EF4-FFF2-40B4-BE49-F238E27FC236}">
+                <a16:creationId xmlns:a16="http://schemas.microsoft.com/office/drawing/2014/main" id="{7B5D8B8B-B972-46F2-970A-C16B2E9BEF43}"/>
+              </a:ext>
+            </a:extLst>
+          </p:cNvPr>
+          <p:cNvSpPr txBox="1"/>
+          <p:nvPr/>
+        </p:nvSpPr>
+        <p:spPr>
+          <a:xfrm>
+            <a:off x="670531" y="2282229"/>
+            <a:ext cx="1948070" cy="584775"/>
+          </a:xfrm>
+          <a:prstGeom prst="rect">
+            <a:avLst/>
+          </a:prstGeom>
+          <a:noFill/>
+        </p:spPr>
+        <p:txBody>
+          <a:bodyPr wrap="square" rtlCol="0">
+            <a:spAutoFit/>
+          </a:bodyPr>
+          <a:lstStyle/>
+          <a:p>
+            <a:r>
+              <a:rPr lang="en-GB" sz="3200" dirty="0"/>
+              <a:t>3x3 </a:t>
+            </a:r>
+            <a:r>
+              <a:rPr lang="en-GB" sz="3200" dirty="0">
+                <a:solidFill>
+                  <a:srgbClr val="FF0000"/>
+                </a:solidFill>
+              </a:rPr>
+              <a:t>Filter</a:t>
+            </a:r>
+            <a:endParaRPr lang="en-GB" sz="1400" dirty="0">
+              <a:solidFill>
+                <a:srgbClr val="FF0000"/>
+              </a:solidFill>
+            </a:endParaRPr>
+          </a:p>
+        </p:txBody>
+      </p:sp>
+    </p:spTree>
+    <p:extLst>
+      <p:ext uri="{BB962C8B-B14F-4D97-AF65-F5344CB8AC3E}">
+        <p14:creationId xmlns:p14="http://schemas.microsoft.com/office/powerpoint/2010/main" val="2326297525"/>
+      </p:ext>
+    </p:extLst>
+  </p:cSld>
+  <p:clrMapOvr>
+    <a:masterClrMapping/>
+  </p:clrMapOvr>
+</p:sld>
+</file>
+
+<file path=ppt/slides/slide12.xml><?xml version="1.0" encoding="utf-8"?>
+<p:sld xmlns:a="http://schemas.openxmlformats.org/drawingml/2006/main" xmlns:r="http://schemas.openxmlformats.org/officeDocument/2006/relationships" xmlns:p="http://schemas.openxmlformats.org/presentationml/2006/main">
+  <p:cSld>
+    <p:spTree>
+      <p:nvGrpSpPr>
+        <p:cNvPr id="1" name=""/>
+        <p:cNvGrpSpPr/>
+        <p:nvPr/>
+      </p:nvGrpSpPr>
+      <p:grpSpPr>
+        <a:xfrm>
+          <a:off x="0" y="0"/>
+          <a:ext cx="0" cy="0"/>
+          <a:chOff x="0" y="0"/>
+          <a:chExt cx="0" cy="0"/>
+        </a:xfrm>
+      </p:grpSpPr>
+      <p:pic>
+        <p:nvPicPr>
+          <p:cNvPr id="3" name="Picture 2">
+            <a:extLst>
+              <a:ext uri="{FF2B5EF4-FFF2-40B4-BE49-F238E27FC236}">
+                <a16:creationId xmlns:a16="http://schemas.microsoft.com/office/drawing/2014/main" id="{EACAA6EC-08BE-40BB-A717-E0087E0F8741}"/>
+              </a:ext>
+            </a:extLst>
+          </p:cNvPr>
+          <p:cNvPicPr>
+            <a:picLocks noChangeAspect="1"/>
+          </p:cNvPicPr>
+          <p:nvPr/>
+        </p:nvPicPr>
+        <p:blipFill rotWithShape="1">
+          <a:blip r:embed="rId3"/>
+          <a:srcRect l="2235" t="2399"/>
+          <a:stretch/>
+        </p:blipFill>
+        <p:spPr>
+          <a:xfrm>
+            <a:off x="2634677" y="1858617"/>
+            <a:ext cx="3874646" cy="4114800"/>
+          </a:xfrm>
+          <a:prstGeom prst="rect">
+            <a:avLst/>
+          </a:prstGeom>
+        </p:spPr>
+      </p:pic>
+      <p:sp>
+        <p:nvSpPr>
+          <p:cNvPr id="2" name="Title 1">
+            <a:extLst>
+              <a:ext uri="{FF2B5EF4-FFF2-40B4-BE49-F238E27FC236}">
+                <a16:creationId xmlns:a16="http://schemas.microsoft.com/office/drawing/2014/main" id="{F24B43FA-7FF4-48A6-AD28-998D5E60C2F0}"/>
+              </a:ext>
+            </a:extLst>
+          </p:cNvPr>
+          <p:cNvSpPr>
+            <a:spLocks noGrp="1"/>
+          </p:cNvSpPr>
+          <p:nvPr>
+            <p:ph type="title"/>
+          </p:nvPr>
+        </p:nvSpPr>
+        <p:spPr/>
+        <p:txBody>
+          <a:bodyPr/>
+          <a:lstStyle/>
+          <a:p>
+            <a:r>
+              <a:rPr lang="en-GB" dirty="0"/>
+              <a:t>Convolutional Neural Networks - Convolutions</a:t>
+            </a:r>
+          </a:p>
+        </p:txBody>
+      </p:sp>
+      <p:sp>
+        <p:nvSpPr>
+          <p:cNvPr id="4" name="Slide Number Placeholder 3">
+            <a:extLst>
+              <a:ext uri="{FF2B5EF4-FFF2-40B4-BE49-F238E27FC236}">
+                <a16:creationId xmlns:a16="http://schemas.microsoft.com/office/drawing/2014/main" id="{7042B503-7758-450C-86D7-231DDB8E5D69}"/>
+              </a:ext>
+            </a:extLst>
+          </p:cNvPr>
+          <p:cNvSpPr>
+            <a:spLocks noGrp="1"/>
+          </p:cNvSpPr>
+          <p:nvPr>
+            <p:ph type="sldNum" sz="quarter" idx="12"/>
+          </p:nvPr>
+        </p:nvSpPr>
+        <p:spPr/>
+        <p:txBody>
+          <a:bodyPr/>
+          <a:lstStyle/>
+          <a:p>
+            <a:pPr>
+              <a:defRPr/>
+            </a:pPr>
+            <a:fld id="{CE265BFB-70D1-4552-B9D1-2665EEDC3C5E}" type="slidenum">
+              <a:rPr lang="de-DE" noProof="0" smtClean="0"/>
+              <a:pPr>
+                <a:defRPr/>
+              </a:pPr>
+              <a:t>12</a:t>
+            </a:fld>
+            <a:endParaRPr lang="de-DE" noProof="0"/>
+          </a:p>
+        </p:txBody>
+      </p:sp>
+      <p:sp>
+        <p:nvSpPr>
+          <p:cNvPr id="10" name="TextBox 9">
+            <a:extLst>
+              <a:ext uri="{FF2B5EF4-FFF2-40B4-BE49-F238E27FC236}">
+                <a16:creationId xmlns:a16="http://schemas.microsoft.com/office/drawing/2014/main" id="{E25D65BC-B4D3-4160-9039-3E4765B6EFE6}"/>
+              </a:ext>
+            </a:extLst>
+          </p:cNvPr>
+          <p:cNvSpPr txBox="1"/>
+          <p:nvPr/>
+        </p:nvSpPr>
+        <p:spPr>
+          <a:xfrm>
+            <a:off x="212473" y="5973417"/>
+            <a:ext cx="8719054" cy="307777"/>
+          </a:xfrm>
+          <a:prstGeom prst="rect">
+            <a:avLst/>
+          </a:prstGeom>
+          <a:noFill/>
+        </p:spPr>
+        <p:txBody>
+          <a:bodyPr wrap="none" rtlCol="0">
+            <a:spAutoFit/>
+          </a:bodyPr>
+          <a:lstStyle/>
+          <a:p>
+            <a:r>
+              <a:rPr lang="en-GB" sz="1400" dirty="0"/>
+              <a:t>Source: </a:t>
+            </a:r>
+            <a:r>
+              <a:rPr lang="en-GB" sz="1400" i="1" dirty="0" err="1"/>
+              <a:t>vdumoulin</a:t>
+            </a:r>
+            <a:r>
+              <a:rPr lang="en-GB" sz="1400" i="1" dirty="0"/>
+              <a:t>, https://github.com/vdumoulin/conv_arithmetic/blob/master/gif/no_padding_no_strides.gif</a:t>
+            </a:r>
+          </a:p>
+        </p:txBody>
+      </p:sp>
+      <p:sp>
+        <p:nvSpPr>
+          <p:cNvPr id="11" name="TextBox 10">
+            <a:extLst>
+              <a:ext uri="{FF2B5EF4-FFF2-40B4-BE49-F238E27FC236}">
+                <a16:creationId xmlns:a16="http://schemas.microsoft.com/office/drawing/2014/main" id="{DBCD5BB9-B36A-4116-ADA5-06BF4C104548}"/>
+              </a:ext>
+            </a:extLst>
+          </p:cNvPr>
+          <p:cNvSpPr txBox="1"/>
+          <p:nvPr/>
+        </p:nvSpPr>
+        <p:spPr>
+          <a:xfrm>
+            <a:off x="3613733" y="4137543"/>
+            <a:ext cx="284052" cy="307777"/>
+          </a:xfrm>
+          <a:prstGeom prst="rect">
+            <a:avLst/>
+          </a:prstGeom>
+          <a:noFill/>
+        </p:spPr>
+        <p:txBody>
+          <a:bodyPr wrap="none" rtlCol="0">
+            <a:spAutoFit/>
+          </a:bodyPr>
+          <a:lstStyle/>
+          <a:p>
+            <a:r>
+              <a:rPr lang="en-GB" sz="1400" dirty="0">
+                <a:solidFill>
+                  <a:srgbClr val="FF0000"/>
+                </a:solidFill>
+              </a:rPr>
+              <a:t>1</a:t>
+            </a:r>
+          </a:p>
+        </p:txBody>
+      </p:sp>
+      <p:sp>
+        <p:nvSpPr>
+          <p:cNvPr id="12" name="TextBox 11">
+            <a:extLst>
+              <a:ext uri="{FF2B5EF4-FFF2-40B4-BE49-F238E27FC236}">
+                <a16:creationId xmlns:a16="http://schemas.microsoft.com/office/drawing/2014/main" id="{09C75B81-453F-411F-8A32-45FAA14B2EF2}"/>
+              </a:ext>
+            </a:extLst>
+          </p:cNvPr>
+          <p:cNvSpPr txBox="1"/>
+          <p:nvPr/>
+        </p:nvSpPr>
+        <p:spPr>
+          <a:xfrm>
+            <a:off x="4131801" y="3866658"/>
+            <a:ext cx="284052" cy="307777"/>
+          </a:xfrm>
+          <a:prstGeom prst="rect">
+            <a:avLst/>
+          </a:prstGeom>
+          <a:noFill/>
+        </p:spPr>
+        <p:txBody>
+          <a:bodyPr wrap="none" rtlCol="0">
+            <a:spAutoFit/>
+          </a:bodyPr>
+          <a:lstStyle/>
+          <a:p>
+            <a:r>
+              <a:rPr lang="en-GB" sz="1400" dirty="0">
+                <a:solidFill>
+                  <a:srgbClr val="FF0000"/>
+                </a:solidFill>
+              </a:rPr>
+              <a:t>0</a:t>
+            </a:r>
+          </a:p>
+        </p:txBody>
+      </p:sp>
+      <p:sp>
+        <p:nvSpPr>
+          <p:cNvPr id="13" name="TextBox 12">
+            <a:extLst>
+              <a:ext uri="{FF2B5EF4-FFF2-40B4-BE49-F238E27FC236}">
+                <a16:creationId xmlns:a16="http://schemas.microsoft.com/office/drawing/2014/main" id="{EB499268-B4E8-479B-A64F-38EA2C269646}"/>
+              </a:ext>
+            </a:extLst>
+          </p:cNvPr>
+          <p:cNvSpPr txBox="1"/>
+          <p:nvPr/>
+        </p:nvSpPr>
+        <p:spPr>
+          <a:xfrm>
+            <a:off x="4675984" y="3621811"/>
+            <a:ext cx="284052" cy="307777"/>
+          </a:xfrm>
+          <a:prstGeom prst="rect">
+            <a:avLst/>
+          </a:prstGeom>
+          <a:noFill/>
+        </p:spPr>
+        <p:txBody>
+          <a:bodyPr wrap="none" rtlCol="0">
+            <a:spAutoFit/>
+          </a:bodyPr>
+          <a:lstStyle/>
+          <a:p>
+            <a:r>
+              <a:rPr lang="en-GB" sz="1400" dirty="0">
+                <a:solidFill>
+                  <a:srgbClr val="FF0000"/>
+                </a:solidFill>
+              </a:rPr>
+              <a:t>1</a:t>
+            </a:r>
+          </a:p>
+        </p:txBody>
+      </p:sp>
+      <p:sp>
+        <p:nvSpPr>
+          <p:cNvPr id="14" name="TextBox 13">
+            <a:extLst>
+              <a:ext uri="{FF2B5EF4-FFF2-40B4-BE49-F238E27FC236}">
+                <a16:creationId xmlns:a16="http://schemas.microsoft.com/office/drawing/2014/main" id="{91C9AF6C-D79D-4891-9710-5D85317A8295}"/>
+              </a:ext>
+            </a:extLst>
+          </p:cNvPr>
+          <p:cNvSpPr txBox="1"/>
+          <p:nvPr/>
+        </p:nvSpPr>
+        <p:spPr>
+          <a:xfrm>
+            <a:off x="5049078" y="3935896"/>
+            <a:ext cx="284052" cy="307777"/>
+          </a:xfrm>
+          <a:prstGeom prst="rect">
+            <a:avLst/>
+          </a:prstGeom>
+          <a:noFill/>
+        </p:spPr>
+        <p:txBody>
+          <a:bodyPr wrap="none" rtlCol="0">
+            <a:spAutoFit/>
+          </a:bodyPr>
+          <a:lstStyle/>
+          <a:p>
+            <a:r>
+              <a:rPr lang="en-GB" sz="1400" dirty="0">
+                <a:solidFill>
+                  <a:srgbClr val="FF0000"/>
+                </a:solidFill>
+              </a:rPr>
+              <a:t>0</a:t>
+            </a:r>
+          </a:p>
+        </p:txBody>
+      </p:sp>
+      <p:sp>
+        <p:nvSpPr>
+          <p:cNvPr id="15" name="TextBox 14">
+            <a:extLst>
+              <a:ext uri="{FF2B5EF4-FFF2-40B4-BE49-F238E27FC236}">
+                <a16:creationId xmlns:a16="http://schemas.microsoft.com/office/drawing/2014/main" id="{9F442A15-F1A6-4567-9E03-43D7DD8A1449}"/>
+              </a:ext>
+            </a:extLst>
+          </p:cNvPr>
+          <p:cNvSpPr txBox="1"/>
+          <p:nvPr/>
+        </p:nvSpPr>
+        <p:spPr>
+          <a:xfrm>
+            <a:off x="5436704" y="4243673"/>
+            <a:ext cx="284052" cy="307777"/>
+          </a:xfrm>
+          <a:prstGeom prst="rect">
+            <a:avLst/>
+          </a:prstGeom>
+          <a:noFill/>
+        </p:spPr>
+        <p:txBody>
+          <a:bodyPr wrap="none" rtlCol="0">
+            <a:spAutoFit/>
+          </a:bodyPr>
+          <a:lstStyle/>
+          <a:p>
+            <a:r>
+              <a:rPr lang="en-GB" sz="1400" dirty="0">
+                <a:solidFill>
+                  <a:srgbClr val="FF0000"/>
+                </a:solidFill>
+              </a:rPr>
+              <a:t>1</a:t>
+            </a:r>
+          </a:p>
+        </p:txBody>
+      </p:sp>
+      <p:sp>
+        <p:nvSpPr>
+          <p:cNvPr id="17" name="TextBox 16">
+            <a:extLst>
+              <a:ext uri="{FF2B5EF4-FFF2-40B4-BE49-F238E27FC236}">
+                <a16:creationId xmlns:a16="http://schemas.microsoft.com/office/drawing/2014/main" id="{807B4AE9-3025-4BA5-B2DA-9AAD2418824B}"/>
+              </a:ext>
+            </a:extLst>
+          </p:cNvPr>
+          <p:cNvSpPr txBox="1"/>
+          <p:nvPr/>
+        </p:nvSpPr>
+        <p:spPr>
+          <a:xfrm>
+            <a:off x="3974418" y="4445320"/>
+            <a:ext cx="284052" cy="307777"/>
+          </a:xfrm>
+          <a:prstGeom prst="rect">
+            <a:avLst/>
+          </a:prstGeom>
+          <a:noFill/>
+        </p:spPr>
+        <p:txBody>
+          <a:bodyPr wrap="none" rtlCol="0">
+            <a:spAutoFit/>
+          </a:bodyPr>
+          <a:lstStyle/>
+          <a:p>
+            <a:r>
+              <a:rPr lang="en-GB" sz="1400" dirty="0">
+                <a:solidFill>
+                  <a:srgbClr val="FF0000"/>
+                </a:solidFill>
+              </a:rPr>
+              <a:t>0</a:t>
+            </a:r>
+          </a:p>
+        </p:txBody>
+      </p:sp>
+      <p:sp>
+        <p:nvSpPr>
+          <p:cNvPr id="18" name="TextBox 17">
+            <a:extLst>
+              <a:ext uri="{FF2B5EF4-FFF2-40B4-BE49-F238E27FC236}">
+                <a16:creationId xmlns:a16="http://schemas.microsoft.com/office/drawing/2014/main" id="{CF1DCBAF-E7BB-49CD-88D5-6B0294D189CA}"/>
+              </a:ext>
+            </a:extLst>
+          </p:cNvPr>
+          <p:cNvSpPr txBox="1"/>
+          <p:nvPr/>
+        </p:nvSpPr>
+        <p:spPr>
+          <a:xfrm>
+            <a:off x="4532244" y="4142344"/>
+            <a:ext cx="284052" cy="307777"/>
+          </a:xfrm>
+          <a:prstGeom prst="rect">
+            <a:avLst/>
+          </a:prstGeom>
+          <a:noFill/>
+        </p:spPr>
+        <p:txBody>
+          <a:bodyPr wrap="none" rtlCol="0">
+            <a:spAutoFit/>
+          </a:bodyPr>
+          <a:lstStyle/>
+          <a:p>
+            <a:r>
+              <a:rPr lang="en-GB" sz="1400" dirty="0">
+                <a:solidFill>
+                  <a:srgbClr val="FF0000"/>
+                </a:solidFill>
+              </a:rPr>
+              <a:t>1</a:t>
+            </a:r>
+          </a:p>
+        </p:txBody>
+      </p:sp>
+      <p:sp>
+        <p:nvSpPr>
+          <p:cNvPr id="19" name="TextBox 18">
+            <a:extLst>
+              <a:ext uri="{FF2B5EF4-FFF2-40B4-BE49-F238E27FC236}">
+                <a16:creationId xmlns:a16="http://schemas.microsoft.com/office/drawing/2014/main" id="{E0704F9E-209C-46D8-AB52-6A5A4A836492}"/>
+              </a:ext>
+            </a:extLst>
+          </p:cNvPr>
+          <p:cNvSpPr txBox="1"/>
+          <p:nvPr/>
+        </p:nvSpPr>
+        <p:spPr>
+          <a:xfrm>
+            <a:off x="4390218" y="4805569"/>
+            <a:ext cx="284052" cy="307777"/>
+          </a:xfrm>
+          <a:prstGeom prst="rect">
+            <a:avLst/>
+          </a:prstGeom>
+          <a:noFill/>
+        </p:spPr>
+        <p:txBody>
+          <a:bodyPr wrap="none" rtlCol="0">
+            <a:spAutoFit/>
+          </a:bodyPr>
+          <a:lstStyle/>
+          <a:p>
+            <a:r>
+              <a:rPr lang="en-GB" sz="1400" dirty="0">
+                <a:solidFill>
+                  <a:srgbClr val="FF0000"/>
+                </a:solidFill>
+              </a:rPr>
+              <a:t>1</a:t>
+            </a:r>
+          </a:p>
+        </p:txBody>
+      </p:sp>
+      <p:sp>
+        <p:nvSpPr>
+          <p:cNvPr id="20" name="TextBox 19">
+            <a:extLst>
+              <a:ext uri="{FF2B5EF4-FFF2-40B4-BE49-F238E27FC236}">
+                <a16:creationId xmlns:a16="http://schemas.microsoft.com/office/drawing/2014/main" id="{673DCC59-E1C6-44C5-8EE6-06CFD82595E4}"/>
+              </a:ext>
+            </a:extLst>
+          </p:cNvPr>
+          <p:cNvSpPr txBox="1"/>
+          <p:nvPr/>
+        </p:nvSpPr>
+        <p:spPr>
+          <a:xfrm>
+            <a:off x="4874766" y="4526103"/>
+            <a:ext cx="284052" cy="307777"/>
+          </a:xfrm>
+          <a:prstGeom prst="rect">
+            <a:avLst/>
+          </a:prstGeom>
+          <a:noFill/>
+        </p:spPr>
+        <p:txBody>
+          <a:bodyPr wrap="none" rtlCol="0">
+            <a:spAutoFit/>
+          </a:bodyPr>
+          <a:lstStyle/>
+          <a:p>
+            <a:r>
+              <a:rPr lang="en-GB" sz="1400" dirty="0">
+                <a:solidFill>
+                  <a:srgbClr val="FF0000"/>
+                </a:solidFill>
+              </a:rPr>
+              <a:t>0</a:t>
+            </a:r>
+          </a:p>
+        </p:txBody>
+      </p:sp>
+      <p:sp>
+        <p:nvSpPr>
+          <p:cNvPr id="16" name="TextBox 15">
+            <a:extLst>
+              <a:ext uri="{FF2B5EF4-FFF2-40B4-BE49-F238E27FC236}">
+                <a16:creationId xmlns:a16="http://schemas.microsoft.com/office/drawing/2014/main" id="{4F543B46-EEF5-4D89-B043-ABACEEA0866E}"/>
+              </a:ext>
+            </a:extLst>
+          </p:cNvPr>
+          <p:cNvSpPr txBox="1"/>
+          <p:nvPr/>
+        </p:nvSpPr>
+        <p:spPr>
+          <a:xfrm>
+            <a:off x="670531" y="2282229"/>
+            <a:ext cx="1948070" cy="584775"/>
+          </a:xfrm>
+          <a:prstGeom prst="rect">
+            <a:avLst/>
+          </a:prstGeom>
+          <a:noFill/>
+        </p:spPr>
+        <p:txBody>
+          <a:bodyPr wrap="square" rtlCol="0">
+            <a:spAutoFit/>
+          </a:bodyPr>
+          <a:lstStyle/>
+          <a:p>
+            <a:r>
+              <a:rPr lang="en-GB" sz="3200" dirty="0"/>
+              <a:t>3x3 </a:t>
+            </a:r>
+            <a:r>
+              <a:rPr lang="en-GB" sz="3200" dirty="0">
+                <a:solidFill>
+                  <a:srgbClr val="FF0000"/>
+                </a:solidFill>
+              </a:rPr>
+              <a:t>Filter</a:t>
+            </a:r>
+            <a:endParaRPr lang="en-GB" sz="1400" dirty="0">
+              <a:solidFill>
+                <a:srgbClr val="FF0000"/>
+              </a:solidFill>
+            </a:endParaRPr>
+          </a:p>
+        </p:txBody>
+      </p:sp>
+    </p:spTree>
+    <p:extLst>
+      <p:ext uri="{BB962C8B-B14F-4D97-AF65-F5344CB8AC3E}">
+        <p14:creationId xmlns:p14="http://schemas.microsoft.com/office/powerpoint/2010/main" val="2742679519"/>
+      </p:ext>
+    </p:extLst>
+  </p:cSld>
+  <p:clrMapOvr>
+    <a:masterClrMapping/>
+  </p:clrMapOvr>
+</p:sld>
+</file>
+
+<file path=ppt/slides/slide13.xml><?xml version="1.0" encoding="utf-8"?>
+<p:sld xmlns:a="http://schemas.openxmlformats.org/drawingml/2006/main" xmlns:r="http://schemas.openxmlformats.org/officeDocument/2006/relationships" xmlns:p="http://schemas.openxmlformats.org/presentationml/2006/main">
+  <p:cSld>
+    <p:spTree>
+      <p:nvGrpSpPr>
+        <p:cNvPr id="1" name=""/>
+        <p:cNvGrpSpPr/>
+        <p:nvPr/>
+      </p:nvGrpSpPr>
+      <p:grpSpPr>
+        <a:xfrm>
+          <a:off x="0" y="0"/>
+          <a:ext cx="0" cy="0"/>
+          <a:chOff x="0" y="0"/>
+          <a:chExt cx="0" cy="0"/>
+        </a:xfrm>
+      </p:grpSpPr>
+      <p:sp>
+        <p:nvSpPr>
+          <p:cNvPr id="2" name="Title 1">
+            <a:extLst>
+              <a:ext uri="{FF2B5EF4-FFF2-40B4-BE49-F238E27FC236}">
+                <a16:creationId xmlns:a16="http://schemas.microsoft.com/office/drawing/2014/main" id="{F24B43FA-7FF4-48A6-AD28-998D5E60C2F0}"/>
+              </a:ext>
+            </a:extLst>
+          </p:cNvPr>
+          <p:cNvSpPr>
+            <a:spLocks noGrp="1"/>
+          </p:cNvSpPr>
+          <p:nvPr>
+            <p:ph type="title"/>
+          </p:nvPr>
+        </p:nvSpPr>
+        <p:spPr/>
+        <p:txBody>
+          <a:bodyPr/>
+          <a:lstStyle/>
+          <a:p>
+            <a:r>
+              <a:rPr lang="en-GB" dirty="0"/>
+              <a:t>Convolutional Neural Networks</a:t>
+            </a:r>
+          </a:p>
+        </p:txBody>
+      </p:sp>
+      <p:sp>
+        <p:nvSpPr>
+          <p:cNvPr id="4" name="Slide Number Placeholder 3">
+            <a:extLst>
+              <a:ext uri="{FF2B5EF4-FFF2-40B4-BE49-F238E27FC236}">
+                <a16:creationId xmlns:a16="http://schemas.microsoft.com/office/drawing/2014/main" id="{7042B503-7758-450C-86D7-231DDB8E5D69}"/>
+              </a:ext>
+            </a:extLst>
+          </p:cNvPr>
+          <p:cNvSpPr>
+            <a:spLocks noGrp="1"/>
+          </p:cNvSpPr>
+          <p:nvPr>
+            <p:ph type="sldNum" sz="quarter" idx="12"/>
+          </p:nvPr>
+        </p:nvSpPr>
+        <p:spPr/>
+        <p:txBody>
+          <a:bodyPr/>
+          <a:lstStyle/>
+          <a:p>
+            <a:pPr>
+              <a:defRPr/>
+            </a:pPr>
+            <a:fld id="{CE265BFB-70D1-4552-B9D1-2665EEDC3C5E}" type="slidenum">
+              <a:rPr lang="de-DE" noProof="0" smtClean="0"/>
+              <a:pPr>
+                <a:defRPr/>
+              </a:pPr>
+              <a:t>13</a:t>
+            </a:fld>
+            <a:endParaRPr lang="de-DE" noProof="0"/>
+          </a:p>
+        </p:txBody>
+      </p:sp>
+      <p:sp>
+        <p:nvSpPr>
+          <p:cNvPr id="5" name="Text Placeholder 4">
+            <a:extLst>
+              <a:ext uri="{FF2B5EF4-FFF2-40B4-BE49-F238E27FC236}">
+                <a16:creationId xmlns:a16="http://schemas.microsoft.com/office/drawing/2014/main" id="{1E9CE7E2-0E8D-42FC-BD66-B3BC8574F8F7}"/>
+              </a:ext>
+            </a:extLst>
+          </p:cNvPr>
+          <p:cNvSpPr>
+            <a:spLocks noGrp="1"/>
+          </p:cNvSpPr>
+          <p:nvPr>
+            <p:ph type="body" sz="quarter" idx="13"/>
+          </p:nvPr>
+        </p:nvSpPr>
+        <p:spPr/>
+        <p:txBody>
+          <a:bodyPr/>
+          <a:lstStyle/>
+          <a:p>
+            <a:endParaRPr lang="en-GB"/>
+          </a:p>
+        </p:txBody>
+      </p:sp>
+      <p:pic>
+        <p:nvPicPr>
+          <p:cNvPr id="6" name="Content Placeholder 6">
+            <a:extLst>
+              <a:ext uri="{FF2B5EF4-FFF2-40B4-BE49-F238E27FC236}">
+                <a16:creationId xmlns:a16="http://schemas.microsoft.com/office/drawing/2014/main" id="{860023ED-8033-430C-BCEC-3A675D2806A1}"/>
+              </a:ext>
+            </a:extLst>
+          </p:cNvPr>
+          <p:cNvPicPr>
+            <a:picLocks noChangeAspect="1"/>
+          </p:cNvPicPr>
+          <p:nvPr/>
+        </p:nvPicPr>
+        <p:blipFill>
+          <a:blip r:embed="rId3">
+            <a:extLst>
+              <a:ext uri="{28A0092B-C50C-407E-A947-70E740481C1C}">
+                <a14:useLocalDpi xmlns:a14="http://schemas.microsoft.com/office/drawing/2010/main" val="0"/>
+              </a:ext>
+              <a:ext uri="{96DAC541-7B7A-43D3-8B79-37D633B846F1}">
+                <asvg:svgBlip xmlns:asvg="http://schemas.microsoft.com/office/drawing/2016/SVG/main" r:embed="rId4"/>
+              </a:ext>
+            </a:extLst>
+          </a:blip>
+          <a:stretch>
+            <a:fillRect/>
+          </a:stretch>
+        </p:blipFill>
+        <p:spPr bwMode="auto">
+          <a:xfrm>
+            <a:off x="355048" y="2295939"/>
+            <a:ext cx="8433904" cy="3438438"/>
+          </a:xfrm>
+          <a:prstGeom prst="rect">
+            <a:avLst/>
+          </a:prstGeom>
+          <a:noFill/>
+          <a:ln w="9525">
+            <a:noFill/>
+            <a:miter lim="800000"/>
+            <a:headEnd/>
+            <a:tailEnd/>
+          </a:ln>
+        </p:spPr>
+      </p:pic>
+    </p:spTree>
+    <p:extLst>
+      <p:ext uri="{BB962C8B-B14F-4D97-AF65-F5344CB8AC3E}">
+        <p14:creationId xmlns:p14="http://schemas.microsoft.com/office/powerpoint/2010/main" val="3136943582"/>
+      </p:ext>
+    </p:extLst>
+  </p:cSld>
+  <p:clrMapOvr>
+    <a:masterClrMapping/>
+  </p:clrMapOvr>
+</p:sld>
+</file>
+
+<file path=ppt/slides/slide14.xml><?xml version="1.0" encoding="utf-8"?>
+<p:sld xmlns:a="http://schemas.openxmlformats.org/drawingml/2006/main" xmlns:r="http://schemas.openxmlformats.org/officeDocument/2006/relationships" xmlns:p="http://schemas.openxmlformats.org/presentationml/2006/main">
+  <p:cSld>
+    <p:spTree>
+      <p:nvGrpSpPr>
+        <p:cNvPr id="1" name=""/>
+        <p:cNvGrpSpPr/>
+        <p:nvPr/>
+      </p:nvGrpSpPr>
+      <p:grpSpPr>
+        <a:xfrm>
+          <a:off x="0" y="0"/>
+          <a:ext cx="0" cy="0"/>
+          <a:chOff x="0" y="0"/>
+          <a:chExt cx="0" cy="0"/>
+        </a:xfrm>
+      </p:grpSpPr>
+      <p:sp>
+        <p:nvSpPr>
+          <p:cNvPr id="2" name="Title 1">
+            <a:extLst>
+              <a:ext uri="{FF2B5EF4-FFF2-40B4-BE49-F238E27FC236}">
+                <a16:creationId xmlns:a16="http://schemas.microsoft.com/office/drawing/2014/main" id="{5D26EE34-CEF9-49DF-A25C-AD50F417BF74}"/>
+              </a:ext>
+            </a:extLst>
+          </p:cNvPr>
+          <p:cNvSpPr>
+            <a:spLocks noGrp="1"/>
+          </p:cNvSpPr>
+          <p:nvPr>
+            <p:ph type="title"/>
+          </p:nvPr>
+        </p:nvSpPr>
+        <p:spPr/>
+        <p:txBody>
+          <a:bodyPr/>
+          <a:lstStyle/>
+          <a:p>
+            <a:r>
+              <a:rPr lang="en-GB" dirty="0"/>
+              <a:t>Integrating Deep Learning techniques into SCA</a:t>
+            </a:r>
+          </a:p>
+        </p:txBody>
+      </p:sp>
+      <p:sp>
+        <p:nvSpPr>
+          <p:cNvPr id="4" name="Slide Number Placeholder 3">
+            <a:extLst>
+              <a:ext uri="{FF2B5EF4-FFF2-40B4-BE49-F238E27FC236}">
+                <a16:creationId xmlns:a16="http://schemas.microsoft.com/office/drawing/2014/main" id="{43F950BB-88B5-489A-AF77-F41874D05D83}"/>
+              </a:ext>
+            </a:extLst>
+          </p:cNvPr>
+          <p:cNvSpPr>
+            <a:spLocks noGrp="1"/>
+          </p:cNvSpPr>
+          <p:nvPr>
+            <p:ph type="sldNum" sz="quarter" idx="12"/>
+          </p:nvPr>
+        </p:nvSpPr>
+        <p:spPr/>
+        <p:txBody>
+          <a:bodyPr/>
+          <a:lstStyle/>
+          <a:p>
+            <a:pPr>
+              <a:defRPr/>
+            </a:pPr>
+            <a:fld id="{CE265BFB-70D1-4552-B9D1-2665EEDC3C5E}" type="slidenum">
+              <a:rPr lang="de-DE" noProof="0" smtClean="0"/>
+              <a:pPr>
+                <a:defRPr/>
+              </a:pPr>
+              <a:t>14</a:t>
+            </a:fld>
+            <a:endParaRPr lang="de-DE" noProof="0"/>
+          </a:p>
+        </p:txBody>
+      </p:sp>
+      <p:grpSp>
+        <p:nvGrpSpPr>
+          <p:cNvPr id="12" name="Group 11">
+            <a:extLst>
+              <a:ext uri="{FF2B5EF4-FFF2-40B4-BE49-F238E27FC236}">
+                <a16:creationId xmlns:a16="http://schemas.microsoft.com/office/drawing/2014/main" id="{9BEF459B-F70D-4302-90CE-E07DD5BCB9E8}"/>
+              </a:ext>
+            </a:extLst>
+          </p:cNvPr>
+          <p:cNvGrpSpPr/>
+          <p:nvPr/>
+        </p:nvGrpSpPr>
+        <p:grpSpPr>
+          <a:xfrm>
+            <a:off x="1008824" y="2123514"/>
+            <a:ext cx="7017023" cy="1152939"/>
+            <a:chOff x="437324" y="2123514"/>
+            <a:chExt cx="7017023" cy="1152939"/>
+          </a:xfrm>
+        </p:grpSpPr>
+        <p:sp>
+          <p:nvSpPr>
+            <p:cNvPr id="6" name="Rectangle: Rounded Corners 5">
+              <a:extLst>
+                <a:ext uri="{FF2B5EF4-FFF2-40B4-BE49-F238E27FC236}">
+                  <a16:creationId xmlns:a16="http://schemas.microsoft.com/office/drawing/2014/main" id="{20E08330-0D4F-47E7-B4C3-99A6DB4B5387}"/>
+                </a:ext>
+              </a:extLst>
+            </p:cNvPr>
+            <p:cNvSpPr/>
+            <p:nvPr/>
+          </p:nvSpPr>
+          <p:spPr>
+            <a:xfrm>
+              <a:off x="3488635" y="2123514"/>
+              <a:ext cx="1023730" cy="1152939"/>
+            </a:xfrm>
+            <a:prstGeom prst="roundRect">
+              <a:avLst/>
+            </a:prstGeom>
+          </p:spPr>
+          <p:style>
+            <a:lnRef idx="2">
+              <a:schemeClr val="accent1">
+                <a:shade val="50000"/>
+              </a:schemeClr>
+            </a:lnRef>
+            <a:fillRef idx="1">
+              <a:schemeClr val="accent1"/>
+            </a:fillRef>
+            <a:effectRef idx="0">
+              <a:schemeClr val="accent1"/>
+            </a:effectRef>
+            <a:fontRef idx="minor">
+              <a:schemeClr val="lt1"/>
+            </a:fontRef>
+          </p:style>
+          <p:txBody>
+            <a:bodyPr rtlCol="0" anchor="ctr"/>
+            <a:lstStyle/>
+            <a:p>
+              <a:pPr algn="ctr"/>
+              <a:r>
+                <a:rPr lang="en-GB" sz="3600" dirty="0">
+                  <a:solidFill>
+                    <a:schemeClr val="bg1"/>
+                  </a:solidFill>
+                </a:rPr>
+                <a:t>NN</a:t>
+              </a:r>
+            </a:p>
+          </p:txBody>
+        </p:sp>
+        <p:sp>
+          <p:nvSpPr>
+            <p:cNvPr id="7" name="Arrow: Right 6">
+              <a:extLst>
+                <a:ext uri="{FF2B5EF4-FFF2-40B4-BE49-F238E27FC236}">
+                  <a16:creationId xmlns:a16="http://schemas.microsoft.com/office/drawing/2014/main" id="{8A7E17F2-97ED-47B2-888D-8968BDF861BE}"/>
+                </a:ext>
+              </a:extLst>
+            </p:cNvPr>
+            <p:cNvSpPr/>
+            <p:nvPr/>
+          </p:nvSpPr>
+          <p:spPr>
+            <a:xfrm>
+              <a:off x="546653" y="2839131"/>
+              <a:ext cx="2693504" cy="437322"/>
+            </a:xfrm>
+            <a:prstGeom prst="rightArrow">
+              <a:avLst/>
+            </a:prstGeom>
+          </p:spPr>
+          <p:style>
+            <a:lnRef idx="2">
+              <a:schemeClr val="accent1">
+                <a:shade val="50000"/>
+              </a:schemeClr>
+            </a:lnRef>
+            <a:fillRef idx="1">
+              <a:schemeClr val="accent1"/>
+            </a:fillRef>
+            <a:effectRef idx="0">
+              <a:schemeClr val="accent1"/>
+            </a:effectRef>
+            <a:fontRef idx="minor">
+              <a:schemeClr val="lt1"/>
+            </a:fontRef>
+          </p:style>
+          <p:txBody>
+            <a:bodyPr rtlCol="0" anchor="ctr"/>
+            <a:lstStyle/>
+            <a:p>
+              <a:pPr algn="ctr"/>
+              <a:endParaRPr lang="en-GB"/>
+            </a:p>
+          </p:txBody>
+        </p:sp>
+        <p:sp>
+          <p:nvSpPr>
+            <p:cNvPr id="8" name="TextBox 7">
+              <a:extLst>
+                <a:ext uri="{FF2B5EF4-FFF2-40B4-BE49-F238E27FC236}">
+                  <a16:creationId xmlns:a16="http://schemas.microsoft.com/office/drawing/2014/main" id="{8EDBA6BD-F5C6-4157-959C-D48E1467DD60}"/>
+                </a:ext>
+              </a:extLst>
+            </p:cNvPr>
+            <p:cNvSpPr txBox="1"/>
+            <p:nvPr/>
+          </p:nvSpPr>
+          <p:spPr>
+            <a:xfrm>
+              <a:off x="437324" y="2236293"/>
+              <a:ext cx="3159839" cy="646331"/>
+            </a:xfrm>
+            <a:prstGeom prst="rect">
+              <a:avLst/>
+            </a:prstGeom>
+            <a:noFill/>
+          </p:spPr>
+          <p:txBody>
+            <a:bodyPr wrap="none" rtlCol="0">
+              <a:spAutoFit/>
+            </a:bodyPr>
+            <a:lstStyle/>
+            <a:p>
+              <a:r>
+                <a:rPr lang="en-GB" b="1" dirty="0"/>
+                <a:t>1k traces </a:t>
+              </a:r>
+              <a:r>
+                <a:rPr lang="en-GB" dirty="0"/>
+                <a:t>per sensitive value</a:t>
+              </a:r>
+            </a:p>
+            <a:p>
+              <a:r>
+                <a:rPr lang="en-GB" b="1" dirty="0"/>
+                <a:t>Correct</a:t>
+              </a:r>
+              <a:r>
+                <a:rPr lang="en-GB" dirty="0"/>
+                <a:t> key value</a:t>
+              </a:r>
+            </a:p>
+          </p:txBody>
+        </p:sp>
+        <p:sp>
+          <p:nvSpPr>
+            <p:cNvPr id="9" name="Arrow: Right 8">
+              <a:extLst>
+                <a:ext uri="{FF2B5EF4-FFF2-40B4-BE49-F238E27FC236}">
+                  <a16:creationId xmlns:a16="http://schemas.microsoft.com/office/drawing/2014/main" id="{90B15287-F716-4AAE-B0F5-A08079E9BAAE}"/>
+                </a:ext>
+              </a:extLst>
+            </p:cNvPr>
+            <p:cNvSpPr/>
+            <p:nvPr/>
+          </p:nvSpPr>
+          <p:spPr>
+            <a:xfrm>
+              <a:off x="4760843" y="2839131"/>
+              <a:ext cx="2693504" cy="437322"/>
+            </a:xfrm>
+            <a:prstGeom prst="rightArrow">
+              <a:avLst/>
+            </a:prstGeom>
+          </p:spPr>
+          <p:style>
+            <a:lnRef idx="2">
+              <a:schemeClr val="accent1">
+                <a:shade val="50000"/>
+              </a:schemeClr>
+            </a:lnRef>
+            <a:fillRef idx="1">
+              <a:schemeClr val="accent1"/>
+            </a:fillRef>
+            <a:effectRef idx="0">
+              <a:schemeClr val="accent1"/>
+            </a:effectRef>
+            <a:fontRef idx="minor">
+              <a:schemeClr val="lt1"/>
+            </a:fontRef>
+          </p:style>
+          <p:txBody>
+            <a:bodyPr rtlCol="0" anchor="ctr"/>
+            <a:lstStyle/>
+            <a:p>
+              <a:pPr algn="ctr"/>
+              <a:endParaRPr lang="en-GB"/>
+            </a:p>
+          </p:txBody>
+        </p:sp>
+        <p:sp>
+          <p:nvSpPr>
+            <p:cNvPr id="10" name="TextBox 9">
+              <a:extLst>
+                <a:ext uri="{FF2B5EF4-FFF2-40B4-BE49-F238E27FC236}">
+                  <a16:creationId xmlns:a16="http://schemas.microsoft.com/office/drawing/2014/main" id="{FBDE135B-07DC-4FE4-B709-6E38CE1F133E}"/>
+                </a:ext>
+              </a:extLst>
+            </p:cNvPr>
+            <p:cNvSpPr txBox="1"/>
+            <p:nvPr/>
+          </p:nvSpPr>
+          <p:spPr>
+            <a:xfrm>
+              <a:off x="4760843" y="2513292"/>
+              <a:ext cx="1834798" cy="369332"/>
+            </a:xfrm>
+            <a:prstGeom prst="rect">
+              <a:avLst/>
+            </a:prstGeom>
+            <a:noFill/>
+          </p:spPr>
+          <p:txBody>
+            <a:bodyPr wrap="none" rtlCol="0">
+              <a:spAutoFit/>
+            </a:bodyPr>
+            <a:lstStyle/>
+            <a:p>
+              <a:r>
+                <a:rPr lang="en-GB" dirty="0"/>
+                <a:t>Weights / Filters</a:t>
+              </a:r>
+            </a:p>
+          </p:txBody>
+        </p:sp>
+      </p:grpSp>
+      <p:sp>
+        <p:nvSpPr>
+          <p:cNvPr id="11" name="TextBox 10">
+            <a:extLst>
+              <a:ext uri="{FF2B5EF4-FFF2-40B4-BE49-F238E27FC236}">
+                <a16:creationId xmlns:a16="http://schemas.microsoft.com/office/drawing/2014/main" id="{E1D1C434-7808-4A61-A6F8-E31C3BEC2AEA}"/>
+              </a:ext>
+            </a:extLst>
+          </p:cNvPr>
+          <p:cNvSpPr txBox="1"/>
+          <p:nvPr/>
+        </p:nvSpPr>
+        <p:spPr>
+          <a:xfrm>
+            <a:off x="3225247" y="1540315"/>
+            <a:ext cx="2693505" cy="553998"/>
+          </a:xfrm>
+          <a:prstGeom prst="rect">
+            <a:avLst/>
+          </a:prstGeom>
+          <a:noFill/>
+        </p:spPr>
+        <p:txBody>
+          <a:bodyPr wrap="square" rtlCol="0">
+            <a:spAutoFit/>
+          </a:bodyPr>
+          <a:lstStyle/>
+          <a:p>
+            <a:pPr algn="ctr"/>
+            <a:r>
+              <a:rPr lang="en-GB" sz="3000" dirty="0"/>
+              <a:t>Training phase</a:t>
+            </a:r>
+          </a:p>
+        </p:txBody>
+      </p:sp>
+      <p:grpSp>
+        <p:nvGrpSpPr>
+          <p:cNvPr id="13" name="Group 12">
+            <a:extLst>
+              <a:ext uri="{FF2B5EF4-FFF2-40B4-BE49-F238E27FC236}">
+                <a16:creationId xmlns:a16="http://schemas.microsoft.com/office/drawing/2014/main" id="{119AD292-6F9F-4B80-8BE4-5026F77650EB}"/>
+              </a:ext>
+            </a:extLst>
+          </p:cNvPr>
+          <p:cNvGrpSpPr/>
+          <p:nvPr/>
+        </p:nvGrpSpPr>
+        <p:grpSpPr>
+          <a:xfrm>
+            <a:off x="1118153" y="4233874"/>
+            <a:ext cx="6989309" cy="1152939"/>
+            <a:chOff x="546653" y="2123514"/>
+            <a:chExt cx="6989309" cy="1152939"/>
+          </a:xfrm>
+        </p:grpSpPr>
+        <p:sp>
+          <p:nvSpPr>
+            <p:cNvPr id="14" name="Rectangle: Rounded Corners 13">
+              <a:extLst>
+                <a:ext uri="{FF2B5EF4-FFF2-40B4-BE49-F238E27FC236}">
+                  <a16:creationId xmlns:a16="http://schemas.microsoft.com/office/drawing/2014/main" id="{E953E813-570E-4578-B86D-069BAFCE1D72}"/>
+                </a:ext>
+              </a:extLst>
+            </p:cNvPr>
+            <p:cNvSpPr/>
+            <p:nvPr/>
+          </p:nvSpPr>
+          <p:spPr>
+            <a:xfrm>
+              <a:off x="3488635" y="2123514"/>
+              <a:ext cx="1023730" cy="1152939"/>
+            </a:xfrm>
+            <a:prstGeom prst="roundRect">
+              <a:avLst/>
+            </a:prstGeom>
+          </p:spPr>
+          <p:style>
+            <a:lnRef idx="2">
+              <a:schemeClr val="accent1">
+                <a:shade val="50000"/>
+              </a:schemeClr>
+            </a:lnRef>
+            <a:fillRef idx="1">
+              <a:schemeClr val="accent1"/>
+            </a:fillRef>
+            <a:effectRef idx="0">
+              <a:schemeClr val="accent1"/>
+            </a:effectRef>
+            <a:fontRef idx="minor">
+              <a:schemeClr val="lt1"/>
+            </a:fontRef>
+          </p:style>
+          <p:txBody>
+            <a:bodyPr rtlCol="0" anchor="ctr"/>
+            <a:lstStyle/>
+            <a:p>
+              <a:pPr algn="ctr"/>
+              <a:r>
+                <a:rPr lang="en-GB" sz="3600" dirty="0">
+                  <a:solidFill>
+                    <a:schemeClr val="bg1"/>
+                  </a:solidFill>
+                </a:rPr>
+                <a:t>NN</a:t>
+              </a:r>
+            </a:p>
+          </p:txBody>
+        </p:sp>
+        <p:sp>
+          <p:nvSpPr>
+            <p:cNvPr id="15" name="Arrow: Right 14">
+              <a:extLst>
+                <a:ext uri="{FF2B5EF4-FFF2-40B4-BE49-F238E27FC236}">
+                  <a16:creationId xmlns:a16="http://schemas.microsoft.com/office/drawing/2014/main" id="{ACC9929D-E2B8-43FF-BD63-38EE994A555D}"/>
+                </a:ext>
+              </a:extLst>
+            </p:cNvPr>
+            <p:cNvSpPr/>
+            <p:nvPr/>
+          </p:nvSpPr>
+          <p:spPr>
+            <a:xfrm>
+              <a:off x="546653" y="2839131"/>
+              <a:ext cx="2693504" cy="437322"/>
+            </a:xfrm>
+            <a:prstGeom prst="rightArrow">
+              <a:avLst/>
+            </a:prstGeom>
+          </p:spPr>
+          <p:style>
+            <a:lnRef idx="2">
+              <a:schemeClr val="accent1">
+                <a:shade val="50000"/>
+              </a:schemeClr>
+            </a:lnRef>
+            <a:fillRef idx="1">
+              <a:schemeClr val="accent1"/>
+            </a:fillRef>
+            <a:effectRef idx="0">
+              <a:schemeClr val="accent1"/>
+            </a:effectRef>
+            <a:fontRef idx="minor">
+              <a:schemeClr val="lt1"/>
+            </a:fontRef>
+          </p:style>
+          <p:txBody>
+            <a:bodyPr rtlCol="0" anchor="ctr"/>
+            <a:lstStyle/>
+            <a:p>
+              <a:pPr algn="ctr"/>
+              <a:endParaRPr lang="en-GB"/>
+            </a:p>
+          </p:txBody>
+        </p:sp>
+        <p:sp>
+          <p:nvSpPr>
+            <p:cNvPr id="16" name="TextBox 15">
+              <a:extLst>
+                <a:ext uri="{FF2B5EF4-FFF2-40B4-BE49-F238E27FC236}">
+                  <a16:creationId xmlns:a16="http://schemas.microsoft.com/office/drawing/2014/main" id="{B70FADBB-DDCC-499F-9D5D-38529113F1DB}"/>
+                </a:ext>
+              </a:extLst>
+            </p:cNvPr>
+            <p:cNvSpPr txBox="1"/>
+            <p:nvPr/>
+          </p:nvSpPr>
+          <p:spPr>
+            <a:xfrm>
+              <a:off x="546653" y="2236293"/>
+              <a:ext cx="2762295" cy="646331"/>
+            </a:xfrm>
+            <a:prstGeom prst="rect">
+              <a:avLst/>
+            </a:prstGeom>
+            <a:noFill/>
+          </p:spPr>
+          <p:txBody>
+            <a:bodyPr wrap="none" rtlCol="0">
+              <a:spAutoFit/>
+            </a:bodyPr>
+            <a:lstStyle/>
+            <a:p>
+              <a:r>
+                <a:rPr lang="en-GB" dirty="0"/>
+                <a:t>Weights / Filters</a:t>
+              </a:r>
+            </a:p>
+            <a:p>
+              <a:r>
+                <a:rPr lang="en-GB" b="1" dirty="0"/>
+                <a:t>20k traces </a:t>
+              </a:r>
+              <a:r>
+                <a:rPr lang="en-GB" dirty="0"/>
+                <a:t>with fixed key</a:t>
+              </a:r>
+            </a:p>
+          </p:txBody>
+        </p:sp>
+        <p:sp>
+          <p:nvSpPr>
+            <p:cNvPr id="17" name="Arrow: Right 16">
+              <a:extLst>
+                <a:ext uri="{FF2B5EF4-FFF2-40B4-BE49-F238E27FC236}">
+                  <a16:creationId xmlns:a16="http://schemas.microsoft.com/office/drawing/2014/main" id="{B0868FD1-AC7E-431F-915D-C0F9B5413848}"/>
+                </a:ext>
+              </a:extLst>
+            </p:cNvPr>
+            <p:cNvSpPr/>
+            <p:nvPr/>
+          </p:nvSpPr>
+          <p:spPr>
+            <a:xfrm>
+              <a:off x="4760843" y="2839131"/>
+              <a:ext cx="2693504" cy="437322"/>
+            </a:xfrm>
+            <a:prstGeom prst="rightArrow">
+              <a:avLst/>
+            </a:prstGeom>
+          </p:spPr>
+          <p:style>
+            <a:lnRef idx="2">
+              <a:schemeClr val="accent1">
+                <a:shade val="50000"/>
+              </a:schemeClr>
+            </a:lnRef>
+            <a:fillRef idx="1">
+              <a:schemeClr val="accent1"/>
+            </a:fillRef>
+            <a:effectRef idx="0">
+              <a:schemeClr val="accent1"/>
+            </a:effectRef>
+            <a:fontRef idx="minor">
+              <a:schemeClr val="lt1"/>
+            </a:fontRef>
+          </p:style>
+          <p:txBody>
+            <a:bodyPr rtlCol="0" anchor="ctr"/>
+            <a:lstStyle/>
+            <a:p>
+              <a:pPr algn="ctr"/>
+              <a:endParaRPr lang="en-GB"/>
+            </a:p>
+          </p:txBody>
+        </p:sp>
+        <p:sp>
+          <p:nvSpPr>
+            <p:cNvPr id="18" name="TextBox 17">
+              <a:extLst>
+                <a:ext uri="{FF2B5EF4-FFF2-40B4-BE49-F238E27FC236}">
+                  <a16:creationId xmlns:a16="http://schemas.microsoft.com/office/drawing/2014/main" id="{E91D0A38-9888-4C10-A0BD-FD738B0574E9}"/>
+                </a:ext>
+              </a:extLst>
+            </p:cNvPr>
+            <p:cNvSpPr txBox="1"/>
+            <p:nvPr/>
+          </p:nvSpPr>
+          <p:spPr>
+            <a:xfrm>
+              <a:off x="4760843" y="2513292"/>
+              <a:ext cx="2775119" cy="369332"/>
+            </a:xfrm>
+            <a:prstGeom prst="rect">
+              <a:avLst/>
+            </a:prstGeom>
+            <a:noFill/>
+          </p:spPr>
+          <p:txBody>
+            <a:bodyPr wrap="none" rtlCol="0">
+              <a:spAutoFit/>
+            </a:bodyPr>
+            <a:lstStyle/>
+            <a:p>
+              <a:r>
+                <a:rPr lang="en-GB" b="1" dirty="0"/>
+                <a:t>Ranked</a:t>
+              </a:r>
+              <a:r>
+                <a:rPr lang="en-GB" dirty="0"/>
+                <a:t> possible key bits</a:t>
+              </a:r>
+            </a:p>
+          </p:txBody>
+        </p:sp>
+      </p:grpSp>
+      <p:sp>
+        <p:nvSpPr>
+          <p:cNvPr id="19" name="TextBox 18">
+            <a:extLst>
+              <a:ext uri="{FF2B5EF4-FFF2-40B4-BE49-F238E27FC236}">
+                <a16:creationId xmlns:a16="http://schemas.microsoft.com/office/drawing/2014/main" id="{8FD45580-3F80-4272-8671-5CB8EA91E2CD}"/>
+              </a:ext>
+            </a:extLst>
+          </p:cNvPr>
+          <p:cNvSpPr txBox="1"/>
+          <p:nvPr/>
+        </p:nvSpPr>
+        <p:spPr>
+          <a:xfrm>
+            <a:off x="3225247" y="3650675"/>
+            <a:ext cx="2693505" cy="553998"/>
+          </a:xfrm>
+          <a:prstGeom prst="rect">
+            <a:avLst/>
+          </a:prstGeom>
+          <a:noFill/>
+        </p:spPr>
+        <p:txBody>
+          <a:bodyPr wrap="square" rtlCol="0">
+            <a:spAutoFit/>
+          </a:bodyPr>
+          <a:lstStyle/>
+          <a:p>
+            <a:pPr algn="ctr"/>
+            <a:r>
+              <a:rPr lang="en-GB" sz="3000" dirty="0"/>
+              <a:t>Attack phase</a:t>
+            </a:r>
+          </a:p>
+        </p:txBody>
+      </p:sp>
+      <p:sp>
+        <p:nvSpPr>
+          <p:cNvPr id="20" name="TextBox 19">
+            <a:extLst>
+              <a:ext uri="{FF2B5EF4-FFF2-40B4-BE49-F238E27FC236}">
+                <a16:creationId xmlns:a16="http://schemas.microsoft.com/office/drawing/2014/main" id="{43BCE979-28BE-46DC-8EF8-B150C342F894}"/>
+              </a:ext>
+            </a:extLst>
+          </p:cNvPr>
+          <p:cNvSpPr txBox="1"/>
+          <p:nvPr/>
+        </p:nvSpPr>
+        <p:spPr>
+          <a:xfrm>
+            <a:off x="1118153" y="5736539"/>
+            <a:ext cx="4666422" cy="523220"/>
+          </a:xfrm>
+          <a:prstGeom prst="rect">
+            <a:avLst/>
+          </a:prstGeom>
+          <a:noFill/>
+        </p:spPr>
+        <p:txBody>
+          <a:bodyPr wrap="square" rtlCol="0">
+            <a:spAutoFit/>
+          </a:bodyPr>
+          <a:lstStyle/>
+          <a:p>
+            <a:r>
+              <a:rPr lang="en-GB" sz="1400" dirty="0"/>
+              <a:t>Attack each key byte </a:t>
+            </a:r>
+            <a:r>
+              <a:rPr lang="en-GB" sz="1400" dirty="0">
+                <a:sym typeface="Wingdings" panose="05000000000000000000" pitchFamily="2" charset="2"/>
+              </a:rPr>
+              <a:t> 256 </a:t>
+            </a:r>
+            <a:r>
+              <a:rPr lang="en-GB" sz="1400" b="1" dirty="0">
+                <a:sym typeface="Wingdings" panose="05000000000000000000" pitchFamily="2" charset="2"/>
+              </a:rPr>
+              <a:t>ranked</a:t>
+            </a:r>
+            <a:r>
+              <a:rPr lang="en-GB" sz="1400" dirty="0">
+                <a:sym typeface="Wingdings" panose="05000000000000000000" pitchFamily="2" charset="2"/>
+              </a:rPr>
+              <a:t> </a:t>
+            </a:r>
+            <a:r>
+              <a:rPr lang="en-GB" sz="1400" b="1" dirty="0">
+                <a:sym typeface="Wingdings" panose="05000000000000000000" pitchFamily="2" charset="2"/>
+              </a:rPr>
+              <a:t>output values</a:t>
+            </a:r>
+            <a:endParaRPr lang="en-GB" sz="1400" b="1" dirty="0"/>
+          </a:p>
+          <a:p>
+            <a:endParaRPr lang="en-GB" sz="1400" dirty="0" err="1"/>
+          </a:p>
+        </p:txBody>
+      </p:sp>
+    </p:spTree>
+    <p:extLst>
+      <p:ext uri="{BB962C8B-B14F-4D97-AF65-F5344CB8AC3E}">
+        <p14:creationId xmlns:p14="http://schemas.microsoft.com/office/powerpoint/2010/main" val="804642305"/>
+      </p:ext>
+    </p:extLst>
+  </p:cSld>
+  <p:clrMapOvr>
+    <a:masterClrMapping/>
+  </p:clrMapOvr>
+</p:sld>
+</file>
+
+<file path=ppt/slides/slide15.xml><?xml version="1.0" encoding="utf-8"?>
+<p:sld xmlns:a="http://schemas.openxmlformats.org/drawingml/2006/main" xmlns:r="http://schemas.openxmlformats.org/officeDocument/2006/relationships" xmlns:p="http://schemas.openxmlformats.org/presentationml/2006/main">
+  <p:cSld>
+    <p:spTree>
+      <p:nvGrpSpPr>
+        <p:cNvPr id="1" name=""/>
+        <p:cNvGrpSpPr/>
+        <p:nvPr/>
+      </p:nvGrpSpPr>
+      <p:grpSpPr>
+        <a:xfrm>
+          <a:off x="0" y="0"/>
+          <a:ext cx="0" cy="0"/>
+          <a:chOff x="0" y="0"/>
+          <a:chExt cx="0" cy="0"/>
+        </a:xfrm>
+      </p:grpSpPr>
+      <p:sp>
+        <p:nvSpPr>
+          <p:cNvPr id="2" name="Title 1">
+            <a:extLst>
+              <a:ext uri="{FF2B5EF4-FFF2-40B4-BE49-F238E27FC236}">
+                <a16:creationId xmlns:a16="http://schemas.microsoft.com/office/drawing/2014/main" id="{7D110AAA-FDA9-40A1-99F6-52FBBE113DE4}"/>
+              </a:ext>
+            </a:extLst>
+          </p:cNvPr>
+          <p:cNvSpPr>
+            <a:spLocks noGrp="1"/>
+          </p:cNvSpPr>
+          <p:nvPr>
+            <p:ph type="title"/>
+          </p:nvPr>
+        </p:nvSpPr>
+        <p:spPr/>
+        <p:txBody>
+          <a:bodyPr/>
+          <a:lstStyle/>
+          <a:p>
+            <a:r>
+              <a:rPr lang="en-GB" dirty="0"/>
+              <a:t>Results</a:t>
+            </a:r>
+          </a:p>
+        </p:txBody>
+      </p:sp>
+      <p:pic>
+        <p:nvPicPr>
+          <p:cNvPr id="7" name="Content Placeholder 6">
+            <a:extLst>
+              <a:ext uri="{FF2B5EF4-FFF2-40B4-BE49-F238E27FC236}">
+                <a16:creationId xmlns:a16="http://schemas.microsoft.com/office/drawing/2014/main" id="{9D112ECD-151C-43DC-9B5F-280BA15AE188}"/>
+              </a:ext>
+            </a:extLst>
+          </p:cNvPr>
+          <p:cNvPicPr>
+            <a:picLocks noGrp="1" noChangeAspect="1"/>
+          </p:cNvPicPr>
+          <p:nvPr>
+            <p:ph idx="1"/>
+          </p:nvPr>
+        </p:nvPicPr>
+        <p:blipFill>
+          <a:blip r:embed="rId3">
+            <a:extLst>
+              <a:ext uri="{28A0092B-C50C-407E-A947-70E740481C1C}">
+                <a14:useLocalDpi xmlns:a14="http://schemas.microsoft.com/office/drawing/2010/main" val="0"/>
+              </a:ext>
+            </a:extLst>
+          </a:blip>
+          <a:stretch>
+            <a:fillRect/>
+          </a:stretch>
+        </p:blipFill>
+        <p:spPr>
+          <a:xfrm>
+            <a:off x="1225180" y="1461054"/>
+            <a:ext cx="6693640" cy="5277678"/>
+          </a:xfrm>
+        </p:spPr>
+      </p:pic>
+      <p:sp>
+        <p:nvSpPr>
+          <p:cNvPr id="4" name="Slide Number Placeholder 3">
+            <a:extLst>
+              <a:ext uri="{FF2B5EF4-FFF2-40B4-BE49-F238E27FC236}">
+                <a16:creationId xmlns:a16="http://schemas.microsoft.com/office/drawing/2014/main" id="{FA9BAFE6-06D8-4037-8754-BC63CB1FF0D4}"/>
+              </a:ext>
+            </a:extLst>
+          </p:cNvPr>
+          <p:cNvSpPr>
+            <a:spLocks noGrp="1"/>
+          </p:cNvSpPr>
+          <p:nvPr>
+            <p:ph type="sldNum" sz="quarter" idx="12"/>
+          </p:nvPr>
+        </p:nvSpPr>
+        <p:spPr/>
+        <p:txBody>
+          <a:bodyPr/>
+          <a:lstStyle/>
+          <a:p>
+            <a:pPr>
+              <a:defRPr/>
+            </a:pPr>
+            <a:fld id="{CE265BFB-70D1-4552-B9D1-2665EEDC3C5E}" type="slidenum">
+              <a:rPr lang="de-DE" noProof="0" smtClean="0"/>
+              <a:pPr>
+                <a:defRPr/>
+              </a:pPr>
+              <a:t>15</a:t>
+            </a:fld>
+            <a:endParaRPr lang="de-DE" noProof="0"/>
+          </a:p>
+        </p:txBody>
+      </p:sp>
+      <p:sp>
+        <p:nvSpPr>
+          <p:cNvPr id="3" name="TextBox 2">
+            <a:extLst>
+              <a:ext uri="{FF2B5EF4-FFF2-40B4-BE49-F238E27FC236}">
+                <a16:creationId xmlns:a16="http://schemas.microsoft.com/office/drawing/2014/main" id="{F1D92AFB-5EA5-4441-8DE3-621E0836E1BD}"/>
+              </a:ext>
+            </a:extLst>
+          </p:cNvPr>
+          <p:cNvSpPr txBox="1"/>
+          <p:nvPr/>
+        </p:nvSpPr>
+        <p:spPr>
+          <a:xfrm>
+            <a:off x="8117835" y="1890152"/>
+            <a:ext cx="523220" cy="4115870"/>
+          </a:xfrm>
+          <a:prstGeom prst="rect">
+            <a:avLst/>
+          </a:prstGeom>
+          <a:noFill/>
+        </p:spPr>
+        <p:txBody>
+          <a:bodyPr vert="eaVert" wrap="none" rtlCol="0">
+            <a:spAutoFit/>
+          </a:bodyPr>
+          <a:lstStyle/>
+          <a:p>
+            <a:r>
+              <a:rPr lang="en-GB" sz="1100" dirty="0"/>
+              <a:t>Source: </a:t>
+            </a:r>
+            <a:r>
+              <a:rPr lang="en-GB" sz="1100" i="1" dirty="0"/>
+              <a:t>Breaking Cryptographic Implementations Using</a:t>
+            </a:r>
+          </a:p>
+          <a:p>
+            <a:r>
+              <a:rPr lang="en-GB" sz="1100" i="1" dirty="0"/>
+              <a:t>Deep Learning Techniques, H. Maghrebi, T. </a:t>
+            </a:r>
+            <a:r>
+              <a:rPr lang="en-GB" sz="1100" i="1" dirty="0" err="1"/>
+              <a:t>Portigliatti</a:t>
+            </a:r>
+            <a:r>
+              <a:rPr lang="en-GB" sz="1100" i="1" dirty="0"/>
+              <a:t>, E. </a:t>
+            </a:r>
+            <a:r>
+              <a:rPr lang="en-GB" sz="1100" i="1" dirty="0" err="1"/>
+              <a:t>Prouﬀ</a:t>
+            </a:r>
+            <a:endParaRPr lang="en-GB" sz="1100" i="1" dirty="0"/>
+          </a:p>
+        </p:txBody>
+      </p:sp>
+    </p:spTree>
+    <p:extLst>
+      <p:ext uri="{BB962C8B-B14F-4D97-AF65-F5344CB8AC3E}">
+        <p14:creationId xmlns:p14="http://schemas.microsoft.com/office/powerpoint/2010/main" val="2673208707"/>
+      </p:ext>
+    </p:extLst>
+  </p:cSld>
+  <p:clrMapOvr>
+    <a:masterClrMapping/>
+  </p:clrMapOvr>
+</p:sld>
+</file>
+
+<file path=ppt/slides/slide16.xml><?xml version="1.0" encoding="utf-8"?>
+<p:sld xmlns:a="http://schemas.openxmlformats.org/drawingml/2006/main" xmlns:r="http://schemas.openxmlformats.org/officeDocument/2006/relationships" xmlns:p="http://schemas.openxmlformats.org/presentationml/2006/main">
+  <p:cSld>
+    <p:spTree>
+      <p:nvGrpSpPr>
+        <p:cNvPr id="1" name=""/>
+        <p:cNvGrpSpPr/>
+        <p:nvPr/>
+      </p:nvGrpSpPr>
+      <p:grpSpPr>
+        <a:xfrm>
+          <a:off x="0" y="0"/>
+          <a:ext cx="0" cy="0"/>
+          <a:chOff x="0" y="0"/>
+          <a:chExt cx="0" cy="0"/>
+        </a:xfrm>
+      </p:grpSpPr>
+      <p:sp>
+        <p:nvSpPr>
+          <p:cNvPr id="6" name="Title 5">
+            <a:extLst>
+              <a:ext uri="{FF2B5EF4-FFF2-40B4-BE49-F238E27FC236}">
+                <a16:creationId xmlns:a16="http://schemas.microsoft.com/office/drawing/2014/main" id="{512E98FB-0CE8-4D3F-802C-452121601D1F}"/>
+              </a:ext>
+            </a:extLst>
+          </p:cNvPr>
+          <p:cNvSpPr>
+            <a:spLocks noGrp="1"/>
+          </p:cNvSpPr>
+          <p:nvPr>
+            <p:ph type="ctrTitle"/>
+          </p:nvPr>
+        </p:nvSpPr>
+        <p:spPr/>
+        <p:txBody>
+          <a:bodyPr/>
+          <a:lstStyle/>
+          <a:p>
+            <a:pPr algn="ctr"/>
+            <a:r>
+              <a:rPr lang="en-GB" dirty="0"/>
+              <a:t>Thank you for listening!</a:t>
+            </a:r>
+          </a:p>
+        </p:txBody>
+      </p:sp>
+      <p:sp>
+        <p:nvSpPr>
+          <p:cNvPr id="7" name="Subtitle 6">
+            <a:extLst>
+              <a:ext uri="{FF2B5EF4-FFF2-40B4-BE49-F238E27FC236}">
+                <a16:creationId xmlns:a16="http://schemas.microsoft.com/office/drawing/2014/main" id="{BBBB3074-E35F-4A1A-88FF-06160ADAAD46}"/>
+              </a:ext>
+            </a:extLst>
+          </p:cNvPr>
+          <p:cNvSpPr>
+            <a:spLocks noGrp="1"/>
+          </p:cNvSpPr>
+          <p:nvPr>
+            <p:ph type="subTitle" idx="1"/>
+          </p:nvPr>
+        </p:nvSpPr>
+        <p:spPr/>
+        <p:txBody>
+          <a:bodyPr/>
+          <a:lstStyle/>
+          <a:p>
+            <a:pPr algn="ctr"/>
+            <a:r>
+              <a:rPr lang="en-GB" dirty="0"/>
+              <a:t>Do you have any questions?</a:t>
+            </a:r>
+          </a:p>
+        </p:txBody>
+      </p:sp>
+      <p:sp>
+        <p:nvSpPr>
+          <p:cNvPr id="4" name="Slide Number Placeholder 3">
+            <a:extLst>
+              <a:ext uri="{FF2B5EF4-FFF2-40B4-BE49-F238E27FC236}">
+                <a16:creationId xmlns:a16="http://schemas.microsoft.com/office/drawing/2014/main" id="{311A3D56-CD6B-4CFC-9519-83BC21EFDACD}"/>
+              </a:ext>
+            </a:extLst>
+          </p:cNvPr>
+          <p:cNvSpPr>
+            <a:spLocks noGrp="1"/>
+          </p:cNvSpPr>
+          <p:nvPr>
+            <p:ph type="sldNum" sz="quarter" idx="11"/>
+          </p:nvPr>
+        </p:nvSpPr>
+        <p:spPr/>
+        <p:txBody>
+          <a:bodyPr/>
+          <a:lstStyle/>
+          <a:p>
+            <a:pPr>
+              <a:defRPr/>
+            </a:pPr>
+            <a:fld id="{CE265BFB-70D1-4552-B9D1-2665EEDC3C5E}" type="slidenum">
+              <a:rPr lang="de-DE" noProof="0" smtClean="0"/>
+              <a:pPr>
+                <a:defRPr/>
+              </a:pPr>
+              <a:t>16</a:t>
+            </a:fld>
+            <a:endParaRPr lang="de-DE" noProof="0"/>
+          </a:p>
+        </p:txBody>
+      </p:sp>
+    </p:spTree>
+    <p:extLst>
+      <p:ext uri="{BB962C8B-B14F-4D97-AF65-F5344CB8AC3E}">
+        <p14:creationId xmlns:p14="http://schemas.microsoft.com/office/powerpoint/2010/main" val="1909164359"/>
+      </p:ext>
+    </p:extLst>
+  </p:cSld>
+  <p:clrMapOvr>
+    <a:masterClrMapping/>
+  </p:clrMapOvr>
+</p:sld>
+</file>
+
+<file path=ppt/slides/slide17.xml><?xml version="1.0" encoding="utf-8"?>
 <p:sld xmlns:a="http://schemas.openxmlformats.org/drawingml/2006/main" xmlns:r="http://schemas.openxmlformats.org/officeDocument/2006/relationships" xmlns:p="http://schemas.openxmlformats.org/presentationml/2006/main">
   <p:cSld>
     <p:spTree>
@@ -13567,10 +16664,59 @@
               <a:buFont typeface="Arial" panose="020B0604020202020204" pitchFamily="34" charset="0"/>
               <a:buChar char="•"/>
             </a:pPr>
+            <a:endParaRPr lang="en-GB" sz="2200" dirty="0"/>
+          </a:p>
+          <a:p>
+            <a:pPr marL="285750" indent="-285750">
+              <a:buFont typeface="Arial" panose="020B0604020202020204" pitchFamily="34" charset="0"/>
+              <a:buChar char="•"/>
+            </a:pPr>
+            <a:endParaRPr lang="en-GB" sz="2200" dirty="0"/>
+          </a:p>
+          <a:p>
+            <a:pPr marL="285750" indent="-285750">
+              <a:buFont typeface="Arial" panose="020B0604020202020204" pitchFamily="34" charset="0"/>
+              <a:buChar char="•"/>
+            </a:pPr>
             <a:r>
               <a:rPr lang="en-GB" sz="2200" dirty="0"/>
-              <a:t>Profile with NN instead of Gaussian assumption</a:t>
+              <a:t>Build profile with NN</a:t>
             </a:r>
+          </a:p>
+          <a:p>
+            <a:pPr marL="285750" indent="-285750">
+              <a:buFont typeface="Arial" panose="020B0604020202020204" pitchFamily="34" charset="0"/>
+              <a:buChar char="•"/>
+            </a:pPr>
+            <a:r>
+              <a:rPr lang="en-GB" sz="2200" dirty="0"/>
+              <a:t>Attack each key byte </a:t>
+            </a:r>
+            <a:r>
+              <a:rPr lang="en-GB" sz="2200" dirty="0">
+                <a:sym typeface="Wingdings" panose="05000000000000000000" pitchFamily="2" charset="2"/>
+              </a:rPr>
+              <a:t> 256 </a:t>
+            </a:r>
+            <a:r>
+              <a:rPr lang="en-GB" sz="2200" b="1" dirty="0">
+                <a:sym typeface="Wingdings" panose="05000000000000000000" pitchFamily="2" charset="2"/>
+              </a:rPr>
+              <a:t>ranked</a:t>
+            </a:r>
+            <a:r>
+              <a:rPr lang="en-GB" sz="2200" dirty="0">
+                <a:sym typeface="Wingdings" panose="05000000000000000000" pitchFamily="2" charset="2"/>
+              </a:rPr>
+              <a:t> </a:t>
+            </a:r>
+            <a:r>
+              <a:rPr lang="en-GB" sz="2200" b="1" dirty="0">
+                <a:sym typeface="Wingdings" panose="05000000000000000000" pitchFamily="2" charset="2"/>
+              </a:rPr>
+              <a:t>output values</a:t>
+            </a:r>
+            <a:endParaRPr lang="en-GB" sz="2200" b="1" dirty="0"/>
           </a:p>
           <a:p>
             <a:pPr marL="285750" indent="-285750">
@@ -13610,7 +16756,7 @@
               <a:pPr>
                 <a:defRPr/>
               </a:pPr>
-              <a:t>11</a:t>
+              <a:t>17</a:t>
             </a:fld>
             <a:endParaRPr lang="de-DE" noProof="0"/>
           </a:p>
@@ -13656,14 +16802,14 @@
           <p:nvPr>
             <p:extLst>
               <p:ext uri="{D42A27DB-BD31-4B8C-83A1-F6EECF244321}">
-                <p14:modId xmlns:p14="http://schemas.microsoft.com/office/powerpoint/2010/main" val="3724224823"/>
+                <p14:modId xmlns:p14="http://schemas.microsoft.com/office/powerpoint/2010/main" val="3759413431"/>
               </p:ext>
             </p:extLst>
           </p:nvPr>
         </p:nvGraphicFramePr>
         <p:xfrm>
-          <a:off x="1524000" y="2418685"/>
-          <a:ext cx="6096000" cy="741680"/>
+          <a:off x="358776" y="2418685"/>
+          <a:ext cx="7426800" cy="1381760"/>
         </p:xfrm>
         <a:graphic>
           <a:graphicData uri="http://schemas.openxmlformats.org/drawingml/2006/table">
@@ -13672,14 +16818,21 @@
                 <a:tableStyleId>{D27102A9-8310-4765-A935-A1911B00CA55}</a:tableStyleId>
               </a:tblPr>
               <a:tblGrid>
-                <a:gridCol w="3048000">
+                <a:gridCol w="1450146">
+                  <a:extLst>
+                    <a:ext uri="{9D8B030D-6E8A-4147-A177-3AD203B41FA5}">
+                      <a16:colId xmlns:a16="http://schemas.microsoft.com/office/drawing/2014/main" val="19409356"/>
+                    </a:ext>
+                  </a:extLst>
+                </a:gridCol>
+                <a:gridCol w="3101008">
                   <a:extLst>
                     <a:ext uri="{9D8B030D-6E8A-4147-A177-3AD203B41FA5}">
                       <a16:colId xmlns:a16="http://schemas.microsoft.com/office/drawing/2014/main" val="2692018915"/>
                     </a:ext>
                   </a:extLst>
                 </a:gridCol>
-                <a:gridCol w="3048000">
+                <a:gridCol w="2875646">
                   <a:extLst>
                     <a:ext uri="{9D8B030D-6E8A-4147-A177-3AD203B41FA5}">
                       <a16:colId xmlns:a16="http://schemas.microsoft.com/office/drawing/2014/main" val="1635572523"/>
@@ -13688,6 +16841,16 @@
                 </a:gridCol>
               </a:tblGrid>
               <a:tr h="370840">
+                <a:tc>
+                  <a:txBody>
+                    <a:bodyPr/>
+                    <a:lstStyle/>
+                    <a:p>
+                      <a:endParaRPr lang="en-GB" dirty="0"/>
+                    </a:p>
+                  </a:txBody>
+                  <a:tcPr/>
+                </a:tc>
                 <a:tc>
                   <a:txBody>
                     <a:bodyPr/>
@@ -13728,6 +16891,19 @@
                     <a:p>
                       <a:r>
                         <a:rPr lang="en-GB" dirty="0"/>
+                        <a:t>Input</a:t>
+                      </a:r>
+                    </a:p>
+                  </a:txBody>
+                  <a:tcPr/>
+                </a:tc>
+                <a:tc>
+                  <a:txBody>
+                    <a:bodyPr/>
+                    <a:lstStyle/>
+                    <a:p>
+                      <a:r>
+                        <a:rPr lang="en-GB" dirty="0"/>
                         <a:t>1k traces per key value</a:t>
                       </a:r>
                     </a:p>
@@ -13744,12 +16920,64 @@
                         <a:t>20k traces with fixed key</a:t>
                       </a:r>
                     </a:p>
+                    <a:p>
+                      <a:r>
+                        <a:rPr lang="en-GB" dirty="0"/>
+                        <a:t>Weights / Feature maps</a:t>
+                      </a:r>
+                    </a:p>
                   </a:txBody>
                   <a:tcPr/>
                 </a:tc>
                 <a:extLst>
                   <a:ext uri="{0D108BD9-81ED-4DB2-BD59-A6C34878D82A}">
                     <a16:rowId xmlns:a16="http://schemas.microsoft.com/office/drawing/2014/main" val="939745503"/>
+                  </a:ext>
+                </a:extLst>
+              </a:tr>
+              <a:tr h="370840">
+                <a:tc>
+                  <a:txBody>
+                    <a:bodyPr/>
+                    <a:lstStyle/>
+                    <a:p>
+                      <a:r>
+                        <a:rPr lang="en-GB" dirty="0"/>
+                        <a:t>Output</a:t>
+                      </a:r>
+                    </a:p>
+                  </a:txBody>
+                  <a:tcPr/>
+                </a:tc>
+                <a:tc>
+                  <a:txBody>
+                    <a:bodyPr/>
+                    <a:lstStyle/>
+                    <a:p>
+                      <a:r>
+                        <a:rPr lang="en-GB" dirty="0"/>
+                        <a:t>Weights / Feature maps</a:t>
+                      </a:r>
+                    </a:p>
+                  </a:txBody>
+                  <a:tcPr/>
+                </a:tc>
+                <a:tc>
+                  <a:txBody>
+                    <a:bodyPr/>
+                    <a:lstStyle/>
+                    <a:p>
+                      <a:r>
+                        <a:rPr lang="en-GB" dirty="0"/>
+                        <a:t>Ranked key bits</a:t>
+                      </a:r>
+                    </a:p>
+                  </a:txBody>
+                  <a:tcPr/>
+                </a:tc>
+                <a:extLst>
+                  <a:ext uri="{0D108BD9-81ED-4DB2-BD59-A6C34878D82A}">
+                    <a16:rowId xmlns:a16="http://schemas.microsoft.com/office/drawing/2014/main" val="3273443655"/>
                   </a:ext>
                 </a:extLst>
               </a:tr>
@@ -13770,7 +16998,7 @@
 </p:sld>
 </file>
 
-<file path=ppt/slides/slide12.xml><?xml version="1.0" encoding="utf-8"?>
+<file path=ppt/slides/slide18.xml><?xml version="1.0" encoding="utf-8"?>
 <p:sld xmlns:a="http://schemas.openxmlformats.org/drawingml/2006/main" xmlns:r="http://schemas.openxmlformats.org/officeDocument/2006/relationships" xmlns:p="http://schemas.openxmlformats.org/presentationml/2006/main">
   <p:cSld>
     <p:spTree>
@@ -13792,7 +17020,7 @@
           <p:cNvPr id="2" name="Title 1">
             <a:extLst>
               <a:ext uri="{FF2B5EF4-FFF2-40B4-BE49-F238E27FC236}">
-                <a16:creationId xmlns:a16="http://schemas.microsoft.com/office/drawing/2014/main" id="{7D110AAA-FDA9-40A1-99F6-52FBBE113DE4}"/>
+                <a16:creationId xmlns:a16="http://schemas.microsoft.com/office/drawing/2014/main" id="{1B093F6C-8D51-4F3D-81FB-3398684D6CE3}"/>
               </a:ext>
             </a:extLst>
           </p:cNvPr>
@@ -13810,52 +17038,1359 @@
           <a:p>
             <a:r>
               <a:rPr lang="en-GB" dirty="0"/>
-              <a:t>Results</a:t>
+              <a:t>Template Attack</a:t>
             </a:r>
           </a:p>
         </p:txBody>
       </p:sp>
-      <p:pic>
-        <p:nvPicPr>
-          <p:cNvPr id="7" name="Content Placeholder 6">
-            <a:extLst>
-              <a:ext uri="{FF2B5EF4-FFF2-40B4-BE49-F238E27FC236}">
-                <a16:creationId xmlns:a16="http://schemas.microsoft.com/office/drawing/2014/main" id="{9D112ECD-151C-43DC-9B5F-280BA15AE188}"/>
-              </a:ext>
-            </a:extLst>
-          </p:cNvPr>
-          <p:cNvPicPr>
-            <a:picLocks noGrp="1" noChangeAspect="1"/>
-          </p:cNvPicPr>
-          <p:nvPr>
-            <p:ph idx="1"/>
-          </p:nvPr>
-        </p:nvPicPr>
-        <p:blipFill>
-          <a:blip r:embed="rId2">
-            <a:extLst>
-              <a:ext uri="{28A0092B-C50C-407E-A947-70E740481C1C}">
-                <a14:useLocalDpi xmlns:a14="http://schemas.microsoft.com/office/drawing/2010/main" val="0"/>
-              </a:ext>
-            </a:extLst>
-          </a:blip>
-          <a:stretch>
-            <a:fillRect/>
-          </a:stretch>
-        </p:blipFill>
-        <p:spPr>
-          <a:xfrm>
-            <a:off x="1357023" y="1788228"/>
-            <a:ext cx="6429954" cy="5069772"/>
-          </a:xfrm>
-        </p:spPr>
-      </p:pic>
+      <mc:AlternateContent xmlns:mc="http://schemas.openxmlformats.org/markup-compatibility/2006">
+        <mc:Choice xmlns:a14="http://schemas.microsoft.com/office/drawing/2010/main" Requires="a14">
+          <p:sp>
+            <p:nvSpPr>
+              <p:cNvPr id="3" name="Content Placeholder 2">
+                <a:extLst>
+                  <a:ext uri="{FF2B5EF4-FFF2-40B4-BE49-F238E27FC236}">
+                    <a16:creationId xmlns:a16="http://schemas.microsoft.com/office/drawing/2014/main" id="{97B7DBFB-C1FD-4A8C-B8BF-8303AA2BFDC6}"/>
+                  </a:ext>
+                </a:extLst>
+              </p:cNvPr>
+              <p:cNvSpPr>
+                <a:spLocks noGrp="1"/>
+              </p:cNvSpPr>
+              <p:nvPr>
+                <p:ph idx="1"/>
+              </p:nvPr>
+            </p:nvSpPr>
+            <p:spPr/>
+            <p:txBody>
+              <a:bodyPr>
+                <a:normAutofit/>
+              </a:bodyPr>
+              <a:lstStyle/>
+              <a:p>
+                <a:r>
+                  <a:rPr lang="en-GB" sz="2000" dirty="0"/>
+                  <a:t>Normal distribution: </a:t>
+                </a:r>
+                <a14:m>
+                  <m:oMath xmlns:m="http://schemas.openxmlformats.org/officeDocument/2006/math">
+                    <m:r>
+                      <a:rPr lang="en-GB" sz="2000" b="0" i="1" smtClean="0">
+                        <a:latin typeface="Cambria Math" panose="02040503050406030204" pitchFamily="18" charset="0"/>
+                      </a:rPr>
+                      <m:t>𝜑</m:t>
+                    </m:r>
+                    <m:d>
+                      <m:dPr>
+                        <m:ctrlPr>
+                          <a:rPr lang="en-GB" sz="2000" b="0" i="1" smtClean="0">
+                            <a:latin typeface="Cambria Math" panose="02040503050406030204" pitchFamily="18" charset="0"/>
+                          </a:rPr>
+                        </m:ctrlPr>
+                      </m:dPr>
+                      <m:e>
+                        <m:r>
+                          <a:rPr lang="en-GB" sz="2000" b="0" i="1" smtClean="0">
+                            <a:latin typeface="Cambria Math" panose="02040503050406030204" pitchFamily="18" charset="0"/>
+                          </a:rPr>
+                          <m:t>𝑥</m:t>
+                        </m:r>
+                      </m:e>
+                    </m:d>
+                    <m:r>
+                      <a:rPr lang="en-GB" sz="2000" b="0" i="1" smtClean="0">
+                        <a:latin typeface="Cambria Math" panose="02040503050406030204" pitchFamily="18" charset="0"/>
+                      </a:rPr>
+                      <m:t>=</m:t>
+                    </m:r>
+                    <m:f>
+                      <m:fPr>
+                        <m:ctrlPr>
+                          <a:rPr lang="en-GB" sz="2000" b="0" i="1" smtClean="0">
+                            <a:latin typeface="Cambria Math" panose="02040503050406030204" pitchFamily="18" charset="0"/>
+                          </a:rPr>
+                        </m:ctrlPr>
+                      </m:fPr>
+                      <m:num>
+                        <m:r>
+                          <a:rPr lang="en-GB" sz="2000" b="0" i="1" smtClean="0">
+                            <a:latin typeface="Cambria Math" panose="02040503050406030204" pitchFamily="18" charset="0"/>
+                          </a:rPr>
+                          <m:t>1</m:t>
+                        </m:r>
+                      </m:num>
+                      <m:den>
+                        <m:rad>
+                          <m:radPr>
+                            <m:degHide m:val="on"/>
+                            <m:ctrlPr>
+                              <a:rPr lang="en-GB" sz="2000" b="0" i="1" smtClean="0">
+                                <a:latin typeface="Cambria Math" panose="02040503050406030204" pitchFamily="18" charset="0"/>
+                              </a:rPr>
+                            </m:ctrlPr>
+                          </m:radPr>
+                          <m:deg/>
+                          <m:e>
+                            <m:r>
+                              <a:rPr lang="en-GB" sz="2000" b="0" i="1" smtClean="0">
+                                <a:latin typeface="Cambria Math" panose="02040503050406030204" pitchFamily="18" charset="0"/>
+                              </a:rPr>
+                              <m:t>2</m:t>
+                            </m:r>
+                            <m:r>
+                              <a:rPr lang="en-GB" sz="2000" b="0" i="1" smtClean="0">
+                                <a:latin typeface="Cambria Math" panose="02040503050406030204" pitchFamily="18" charset="0"/>
+                              </a:rPr>
+                              <m:t>𝜋</m:t>
+                            </m:r>
+                          </m:e>
+                        </m:rad>
+                      </m:den>
+                    </m:f>
+                    <m:sSup>
+                      <m:sSupPr>
+                        <m:ctrlPr>
+                          <a:rPr lang="en-GB" sz="2000" b="0" i="1" smtClean="0">
+                            <a:latin typeface="Cambria Math" panose="02040503050406030204" pitchFamily="18" charset="0"/>
+                          </a:rPr>
+                        </m:ctrlPr>
+                      </m:sSupPr>
+                      <m:e>
+                        <m:r>
+                          <a:rPr lang="en-GB" sz="2000" b="0" i="1" smtClean="0">
+                            <a:latin typeface="Cambria Math" panose="02040503050406030204" pitchFamily="18" charset="0"/>
+                          </a:rPr>
+                          <m:t>𝑒</m:t>
+                        </m:r>
+                      </m:e>
+                      <m:sup>
+                        <m:r>
+                          <a:rPr lang="en-GB" sz="2000" b="0" i="1" smtClean="0">
+                            <a:latin typeface="Cambria Math" panose="02040503050406030204" pitchFamily="18" charset="0"/>
+                          </a:rPr>
+                          <m:t>−</m:t>
+                        </m:r>
+                        <m:f>
+                          <m:fPr>
+                            <m:ctrlPr>
+                              <a:rPr lang="en-GB" sz="2000" b="0" i="1" smtClean="0">
+                                <a:latin typeface="Cambria Math" panose="02040503050406030204" pitchFamily="18" charset="0"/>
+                              </a:rPr>
+                            </m:ctrlPr>
+                          </m:fPr>
+                          <m:num>
+                            <m:r>
+                              <a:rPr lang="en-GB" sz="2000" b="0" i="1" smtClean="0">
+                                <a:latin typeface="Cambria Math" panose="02040503050406030204" pitchFamily="18" charset="0"/>
+                              </a:rPr>
+                              <m:t>1</m:t>
+                            </m:r>
+                          </m:num>
+                          <m:den>
+                            <m:r>
+                              <a:rPr lang="en-GB" sz="2000" b="0" i="1" smtClean="0">
+                                <a:latin typeface="Cambria Math" panose="02040503050406030204" pitchFamily="18" charset="0"/>
+                              </a:rPr>
+                              <m:t>2</m:t>
+                            </m:r>
+                          </m:den>
+                        </m:f>
+                        <m:r>
+                          <a:rPr lang="en-GB" sz="2000" b="0" i="1" smtClean="0">
+                            <a:latin typeface="Cambria Math" panose="02040503050406030204" pitchFamily="18" charset="0"/>
+                          </a:rPr>
+                          <m:t>∗</m:t>
+                        </m:r>
+                        <m:sSup>
+                          <m:sSupPr>
+                            <m:ctrlPr>
+                              <a:rPr lang="en-GB" sz="2000" b="0" i="1" smtClean="0">
+                                <a:latin typeface="Cambria Math" panose="02040503050406030204" pitchFamily="18" charset="0"/>
+                              </a:rPr>
+                            </m:ctrlPr>
+                          </m:sSupPr>
+                          <m:e>
+                            <m:r>
+                              <a:rPr lang="en-GB" sz="2000" b="0" i="1" smtClean="0">
+                                <a:latin typeface="Cambria Math" panose="02040503050406030204" pitchFamily="18" charset="0"/>
+                              </a:rPr>
+                              <m:t>𝑥</m:t>
+                            </m:r>
+                          </m:e>
+                          <m:sup>
+                            <m:r>
+                              <a:rPr lang="en-GB" sz="2000" b="0" i="1" smtClean="0">
+                                <a:latin typeface="Cambria Math" panose="02040503050406030204" pitchFamily="18" charset="0"/>
+                              </a:rPr>
+                              <m:t>2</m:t>
+                            </m:r>
+                          </m:sup>
+                        </m:sSup>
+                      </m:sup>
+                    </m:sSup>
+                  </m:oMath>
+                </a14:m>
+                <a:r>
+                  <a:rPr lang="en-GB" sz="2000" b="0" dirty="0"/>
+                  <a:t> with </a:t>
+                </a:r>
+                <a14:m>
+                  <m:oMath xmlns:m="http://schemas.openxmlformats.org/officeDocument/2006/math">
+                    <m:r>
+                      <a:rPr lang="en-GB" sz="2000" b="0" i="1" smtClean="0">
+                        <a:latin typeface="Cambria Math" panose="02040503050406030204" pitchFamily="18" charset="0"/>
+                      </a:rPr>
+                      <m:t>𝜇</m:t>
+                    </m:r>
+                    <m:r>
+                      <a:rPr lang="en-GB" sz="2000" b="0" i="1" smtClean="0">
+                        <a:latin typeface="Cambria Math" panose="02040503050406030204" pitchFamily="18" charset="0"/>
+                      </a:rPr>
+                      <m:t>=</m:t>
+                    </m:r>
+                    <m:r>
+                      <a:rPr lang="en-GB" sz="2000" b="0" i="1" smtClean="0">
+                        <a:latin typeface="Cambria Math" panose="02040503050406030204" pitchFamily="18" charset="0"/>
+                      </a:rPr>
+                      <m:t>0</m:t>
+                    </m:r>
+                  </m:oMath>
+                </a14:m>
+                <a:r>
+                  <a:rPr lang="en-GB" sz="2000" b="0" dirty="0"/>
+                  <a:t> and </a:t>
+                </a:r>
+                <a14:m>
+                  <m:oMath xmlns:m="http://schemas.openxmlformats.org/officeDocument/2006/math">
+                    <m:r>
+                      <a:rPr lang="en-GB" sz="2000" b="0" i="1" smtClean="0">
+                        <a:latin typeface="Cambria Math" panose="02040503050406030204" pitchFamily="18" charset="0"/>
+                      </a:rPr>
+                      <m:t>𝜎</m:t>
+                    </m:r>
+                    <m:r>
+                      <a:rPr lang="en-GB" sz="2000" b="0" i="1" smtClean="0">
+                        <a:latin typeface="Cambria Math" panose="02040503050406030204" pitchFamily="18" charset="0"/>
+                      </a:rPr>
+                      <m:t>=</m:t>
+                    </m:r>
+                    <m:r>
+                      <a:rPr lang="en-GB" sz="2000" b="0" i="1" smtClean="0">
+                        <a:latin typeface="Cambria Math" panose="02040503050406030204" pitchFamily="18" charset="0"/>
+                      </a:rPr>
+                      <m:t>1</m:t>
+                    </m:r>
+                  </m:oMath>
+                </a14:m>
+                <a:endParaRPr lang="en-GB" sz="2000" b="0" dirty="0"/>
+              </a:p>
+              <a:p>
+                <a:r>
+                  <a:rPr lang="en-GB" sz="2000" b="0" dirty="0"/>
+                  <a:t>Probability density: </a:t>
+                </a:r>
+                <a14:m>
+                  <m:oMath xmlns:m="http://schemas.openxmlformats.org/officeDocument/2006/math">
+                    <m:r>
+                      <a:rPr lang="en-GB" sz="2000" b="0" i="1" smtClean="0">
+                        <a:latin typeface="Cambria Math" panose="02040503050406030204" pitchFamily="18" charset="0"/>
+                      </a:rPr>
+                      <m:t>𝑓</m:t>
+                    </m:r>
+                    <m:d>
+                      <m:dPr>
+                        <m:ctrlPr>
+                          <a:rPr lang="en-GB" sz="2000" b="0" i="1" smtClean="0">
+                            <a:latin typeface="Cambria Math" panose="02040503050406030204" pitchFamily="18" charset="0"/>
+                          </a:rPr>
+                        </m:ctrlPr>
+                      </m:dPr>
+                      <m:e>
+                        <m:r>
+                          <a:rPr lang="en-GB" sz="2000" b="0" i="1" smtClean="0">
+                            <a:latin typeface="Cambria Math" panose="02040503050406030204" pitchFamily="18" charset="0"/>
+                          </a:rPr>
+                          <m:t>𝑥</m:t>
+                        </m:r>
+                      </m:e>
+                      <m:e>
+                        <m:r>
+                          <a:rPr lang="en-GB" sz="2000" b="0" i="1" smtClean="0">
+                            <a:latin typeface="Cambria Math" panose="02040503050406030204" pitchFamily="18" charset="0"/>
+                          </a:rPr>
+                          <m:t>𝜇</m:t>
+                        </m:r>
+                        <m:r>
+                          <a:rPr lang="en-GB" sz="2000" b="0" i="1" smtClean="0">
+                            <a:latin typeface="Cambria Math" panose="02040503050406030204" pitchFamily="18" charset="0"/>
+                          </a:rPr>
+                          <m:t>,</m:t>
+                        </m:r>
+                        <m:sSup>
+                          <m:sSupPr>
+                            <m:ctrlPr>
+                              <a:rPr lang="en-GB" sz="2000" b="0" i="1" smtClean="0">
+                                <a:latin typeface="Cambria Math" panose="02040503050406030204" pitchFamily="18" charset="0"/>
+                              </a:rPr>
+                            </m:ctrlPr>
+                          </m:sSupPr>
+                          <m:e>
+                            <m:r>
+                              <a:rPr lang="en-GB" sz="2000" b="0" i="1" smtClean="0">
+                                <a:latin typeface="Cambria Math" panose="02040503050406030204" pitchFamily="18" charset="0"/>
+                              </a:rPr>
+                              <m:t>𝜎</m:t>
+                            </m:r>
+                          </m:e>
+                          <m:sup>
+                            <m:r>
+                              <a:rPr lang="en-GB" sz="2000" b="0" i="1" smtClean="0">
+                                <a:latin typeface="Cambria Math" panose="02040503050406030204" pitchFamily="18" charset="0"/>
+                              </a:rPr>
+                              <m:t>2</m:t>
+                            </m:r>
+                          </m:sup>
+                        </m:sSup>
+                      </m:e>
+                    </m:d>
+                    <m:r>
+                      <a:rPr lang="en-GB" sz="2000" b="0" i="1" smtClean="0">
+                        <a:latin typeface="Cambria Math" panose="02040503050406030204" pitchFamily="18" charset="0"/>
+                      </a:rPr>
+                      <m:t>=</m:t>
+                    </m:r>
+                    <m:f>
+                      <m:fPr>
+                        <m:ctrlPr>
+                          <a:rPr lang="en-GB" sz="2000" b="0" i="1" smtClean="0">
+                            <a:latin typeface="Cambria Math" panose="02040503050406030204" pitchFamily="18" charset="0"/>
+                          </a:rPr>
+                        </m:ctrlPr>
+                      </m:fPr>
+                      <m:num>
+                        <m:r>
+                          <a:rPr lang="en-GB" sz="2000" b="0" i="1" smtClean="0">
+                            <a:latin typeface="Cambria Math" panose="02040503050406030204" pitchFamily="18" charset="0"/>
+                          </a:rPr>
+                          <m:t>1</m:t>
+                        </m:r>
+                      </m:num>
+                      <m:den>
+                        <m:rad>
+                          <m:radPr>
+                            <m:degHide m:val="on"/>
+                            <m:ctrlPr>
+                              <a:rPr lang="en-GB" sz="2000" b="0" i="1" smtClean="0">
+                                <a:latin typeface="Cambria Math" panose="02040503050406030204" pitchFamily="18" charset="0"/>
+                              </a:rPr>
+                            </m:ctrlPr>
+                          </m:radPr>
+                          <m:deg/>
+                          <m:e>
+                            <m:r>
+                              <a:rPr lang="en-GB" sz="2000" b="0" i="1" smtClean="0">
+                                <a:latin typeface="Cambria Math" panose="02040503050406030204" pitchFamily="18" charset="0"/>
+                              </a:rPr>
+                              <m:t>2</m:t>
+                            </m:r>
+                            <m:r>
+                              <a:rPr lang="en-GB" sz="2000" b="0" i="1" smtClean="0">
+                                <a:latin typeface="Cambria Math" panose="02040503050406030204" pitchFamily="18" charset="0"/>
+                              </a:rPr>
+                              <m:t>𝜋</m:t>
+                            </m:r>
+                            <m:sSup>
+                              <m:sSupPr>
+                                <m:ctrlPr>
+                                  <a:rPr lang="en-GB" sz="2000" b="0" i="1" smtClean="0">
+                                    <a:latin typeface="Cambria Math" panose="02040503050406030204" pitchFamily="18" charset="0"/>
+                                  </a:rPr>
+                                </m:ctrlPr>
+                              </m:sSupPr>
+                              <m:e>
+                                <m:r>
+                                  <a:rPr lang="en-GB" sz="2000" b="0" i="1" smtClean="0">
+                                    <a:latin typeface="Cambria Math" panose="02040503050406030204" pitchFamily="18" charset="0"/>
+                                  </a:rPr>
+                                  <m:t>𝜎</m:t>
+                                </m:r>
+                              </m:e>
+                              <m:sup>
+                                <m:r>
+                                  <a:rPr lang="en-GB" sz="2000" b="0" i="1" smtClean="0">
+                                    <a:latin typeface="Cambria Math" panose="02040503050406030204" pitchFamily="18" charset="0"/>
+                                  </a:rPr>
+                                  <m:t>2</m:t>
+                                </m:r>
+                              </m:sup>
+                            </m:sSup>
+                          </m:e>
+                        </m:rad>
+                      </m:den>
+                    </m:f>
+                    <m:sSup>
+                      <m:sSupPr>
+                        <m:ctrlPr>
+                          <a:rPr lang="en-GB" sz="2000" b="0" i="1" smtClean="0">
+                            <a:latin typeface="Cambria Math" panose="02040503050406030204" pitchFamily="18" charset="0"/>
+                          </a:rPr>
+                        </m:ctrlPr>
+                      </m:sSupPr>
+                      <m:e>
+                        <m:r>
+                          <a:rPr lang="en-GB" sz="2000" b="0" i="1" smtClean="0">
+                            <a:latin typeface="Cambria Math" panose="02040503050406030204" pitchFamily="18" charset="0"/>
+                          </a:rPr>
+                          <m:t>𝑒</m:t>
+                        </m:r>
+                      </m:e>
+                      <m:sup>
+                        <m:r>
+                          <a:rPr lang="en-GB" sz="2000" b="0" i="1" smtClean="0">
+                            <a:latin typeface="Cambria Math" panose="02040503050406030204" pitchFamily="18" charset="0"/>
+                          </a:rPr>
+                          <m:t>−</m:t>
+                        </m:r>
+                        <m:f>
+                          <m:fPr>
+                            <m:ctrlPr>
+                              <a:rPr lang="en-GB" sz="2000" b="0" i="1" smtClean="0">
+                                <a:latin typeface="Cambria Math" panose="02040503050406030204" pitchFamily="18" charset="0"/>
+                              </a:rPr>
+                            </m:ctrlPr>
+                          </m:fPr>
+                          <m:num>
+                            <m:sSup>
+                              <m:sSupPr>
+                                <m:ctrlPr>
+                                  <a:rPr lang="en-GB" sz="2000" b="0" i="1" smtClean="0">
+                                    <a:latin typeface="Cambria Math" panose="02040503050406030204" pitchFamily="18" charset="0"/>
+                                  </a:rPr>
+                                </m:ctrlPr>
+                              </m:sSupPr>
+                              <m:e>
+                                <m:d>
+                                  <m:dPr>
+                                    <m:ctrlPr>
+                                      <a:rPr lang="en-GB" sz="2000" b="0" i="1" smtClean="0">
+                                        <a:latin typeface="Cambria Math" panose="02040503050406030204" pitchFamily="18" charset="0"/>
+                                      </a:rPr>
+                                    </m:ctrlPr>
+                                  </m:dPr>
+                                  <m:e>
+                                    <m:r>
+                                      <a:rPr lang="en-GB" sz="2000" b="0" i="1" smtClean="0">
+                                        <a:latin typeface="Cambria Math" panose="02040503050406030204" pitchFamily="18" charset="0"/>
+                                      </a:rPr>
+                                      <m:t>𝑥</m:t>
+                                    </m:r>
+                                    <m:r>
+                                      <a:rPr lang="en-GB" sz="2000" b="0" i="1" smtClean="0">
+                                        <a:latin typeface="Cambria Math" panose="02040503050406030204" pitchFamily="18" charset="0"/>
+                                      </a:rPr>
+                                      <m:t>−</m:t>
+                                    </m:r>
+                                    <m:r>
+                                      <a:rPr lang="en-GB" sz="2000" b="0" i="1" smtClean="0">
+                                        <a:latin typeface="Cambria Math" panose="02040503050406030204" pitchFamily="18" charset="0"/>
+                                      </a:rPr>
+                                      <m:t>𝜇</m:t>
+                                    </m:r>
+                                  </m:e>
+                                </m:d>
+                              </m:e>
+                              <m:sup>
+                                <m:r>
+                                  <a:rPr lang="en-GB" sz="2000" b="0" i="1" smtClean="0">
+                                    <a:latin typeface="Cambria Math" panose="02040503050406030204" pitchFamily="18" charset="0"/>
+                                  </a:rPr>
+                                  <m:t>2</m:t>
+                                </m:r>
+                              </m:sup>
+                            </m:sSup>
+                          </m:num>
+                          <m:den>
+                            <m:r>
+                              <a:rPr lang="en-GB" sz="2000" b="0" i="1" smtClean="0">
+                                <a:latin typeface="Cambria Math" panose="02040503050406030204" pitchFamily="18" charset="0"/>
+                              </a:rPr>
+                              <m:t>2</m:t>
+                            </m:r>
+                            <m:sSup>
+                              <m:sSupPr>
+                                <m:ctrlPr>
+                                  <a:rPr lang="en-GB" sz="2000" b="0" i="1" smtClean="0">
+                                    <a:latin typeface="Cambria Math" panose="02040503050406030204" pitchFamily="18" charset="0"/>
+                                  </a:rPr>
+                                </m:ctrlPr>
+                              </m:sSupPr>
+                              <m:e>
+                                <m:r>
+                                  <a:rPr lang="en-GB" sz="2000" b="0" i="1" smtClean="0">
+                                    <a:latin typeface="Cambria Math" panose="02040503050406030204" pitchFamily="18" charset="0"/>
+                                  </a:rPr>
+                                  <m:t>𝜎</m:t>
+                                </m:r>
+                              </m:e>
+                              <m:sup>
+                                <m:r>
+                                  <a:rPr lang="en-GB" sz="2000" b="0" i="1" smtClean="0">
+                                    <a:latin typeface="Cambria Math" panose="02040503050406030204" pitchFamily="18" charset="0"/>
+                                  </a:rPr>
+                                  <m:t>2</m:t>
+                                </m:r>
+                              </m:sup>
+                            </m:sSup>
+                          </m:den>
+                        </m:f>
+                      </m:sup>
+                    </m:sSup>
+                  </m:oMath>
+                </a14:m>
+                <a:r>
+                  <a:rPr lang="en-GB" sz="2000" b="0" dirty="0"/>
+                  <a:t> with </a:t>
+                </a:r>
+                <a14:m>
+                  <m:oMath xmlns:m="http://schemas.openxmlformats.org/officeDocument/2006/math">
+                    <m:r>
+                      <a:rPr lang="en-GB" sz="2000" b="0" i="1" smtClean="0">
+                        <a:latin typeface="Cambria Math" panose="02040503050406030204" pitchFamily="18" charset="0"/>
+                      </a:rPr>
+                      <m:t>𝜇</m:t>
+                    </m:r>
+                    <m:r>
+                      <a:rPr lang="en-GB" sz="2000" b="0" i="1" smtClean="0">
+                        <a:latin typeface="Cambria Math" panose="02040503050406030204" pitchFamily="18" charset="0"/>
+                      </a:rPr>
+                      <m:t>=</m:t>
+                    </m:r>
+                    <m:f>
+                      <m:fPr>
+                        <m:ctrlPr>
+                          <a:rPr lang="en-GB" sz="2000" b="0" i="1" smtClean="0">
+                            <a:latin typeface="Cambria Math" panose="02040503050406030204" pitchFamily="18" charset="0"/>
+                          </a:rPr>
+                        </m:ctrlPr>
+                      </m:fPr>
+                      <m:num>
+                        <m:r>
+                          <a:rPr lang="en-GB" sz="2000" b="0" i="1" smtClean="0">
+                            <a:latin typeface="Cambria Math" panose="02040503050406030204" pitchFamily="18" charset="0"/>
+                          </a:rPr>
+                          <m:t>1</m:t>
+                        </m:r>
+                      </m:num>
+                      <m:den>
+                        <m:sSub>
+                          <m:sSubPr>
+                            <m:ctrlPr>
+                              <a:rPr lang="en-GB" sz="2000" b="0" i="1" smtClean="0">
+                                <a:latin typeface="Cambria Math" panose="02040503050406030204" pitchFamily="18" charset="0"/>
+                              </a:rPr>
+                            </m:ctrlPr>
+                          </m:sSubPr>
+                          <m:e>
+                            <m:r>
+                              <a:rPr lang="en-GB" sz="2000" b="0" i="1" smtClean="0">
+                                <a:latin typeface="Cambria Math" panose="02040503050406030204" pitchFamily="18" charset="0"/>
+                              </a:rPr>
+                              <m:t>𝑇</m:t>
+                            </m:r>
+                          </m:e>
+                          <m:sub>
+                            <m:r>
+                              <a:rPr lang="en-GB" sz="2000" b="0" i="1" smtClean="0">
+                                <a:latin typeface="Cambria Math" panose="02040503050406030204" pitchFamily="18" charset="0"/>
+                              </a:rPr>
+                              <m:t>𝑘</m:t>
+                            </m:r>
+                          </m:sub>
+                        </m:sSub>
+                      </m:den>
+                    </m:f>
+                    <m:nary>
+                      <m:naryPr>
+                        <m:chr m:val="∑"/>
+                        <m:ctrlPr>
+                          <a:rPr lang="en-GB" sz="2000" b="0" i="1" smtClean="0">
+                            <a:latin typeface="Cambria Math" panose="02040503050406030204" pitchFamily="18" charset="0"/>
+                          </a:rPr>
+                        </m:ctrlPr>
+                      </m:naryPr>
+                      <m:sub>
+                        <m:r>
+                          <m:rPr>
+                            <m:brk m:alnAt="23"/>
+                          </m:rPr>
+                          <a:rPr lang="en-GB" sz="2000" b="0" i="1" smtClean="0">
+                            <a:latin typeface="Cambria Math" panose="02040503050406030204" pitchFamily="18" charset="0"/>
+                          </a:rPr>
+                          <m:t>𝑗</m:t>
+                        </m:r>
+                        <m:r>
+                          <a:rPr lang="en-GB" sz="2000" b="0" i="1" smtClean="0">
+                            <a:latin typeface="Cambria Math" panose="02040503050406030204" pitchFamily="18" charset="0"/>
+                          </a:rPr>
+                          <m:t>=</m:t>
+                        </m:r>
+                        <m:r>
+                          <m:rPr>
+                            <m:brk m:alnAt="23"/>
+                          </m:rPr>
+                          <a:rPr lang="en-GB" sz="2000" b="0" i="1" smtClean="0">
+                            <a:latin typeface="Cambria Math" panose="02040503050406030204" pitchFamily="18" charset="0"/>
+                          </a:rPr>
+                          <m:t>1</m:t>
+                        </m:r>
+                      </m:sub>
+                      <m:sup>
+                        <m:sSub>
+                          <m:sSubPr>
+                            <m:ctrlPr>
+                              <a:rPr lang="en-GB" sz="2000" b="0" i="1" smtClean="0">
+                                <a:latin typeface="Cambria Math" panose="02040503050406030204" pitchFamily="18" charset="0"/>
+                              </a:rPr>
+                            </m:ctrlPr>
+                          </m:sSubPr>
+                          <m:e>
+                            <m:r>
+                              <a:rPr lang="en-GB" sz="2000" b="0" i="1" smtClean="0">
+                                <a:latin typeface="Cambria Math" panose="02040503050406030204" pitchFamily="18" charset="0"/>
+                              </a:rPr>
+                              <m:t>𝑇</m:t>
+                            </m:r>
+                          </m:e>
+                          <m:sub>
+                            <m:r>
+                              <a:rPr lang="en-GB" sz="2000" b="0" i="1" smtClean="0">
+                                <a:latin typeface="Cambria Math" panose="02040503050406030204" pitchFamily="18" charset="0"/>
+                              </a:rPr>
+                              <m:t>𝑘</m:t>
+                            </m:r>
+                          </m:sub>
+                        </m:sSub>
+                      </m:sup>
+                      <m:e>
+                        <m:sSub>
+                          <m:sSubPr>
+                            <m:ctrlPr>
+                              <a:rPr lang="en-GB" sz="2000" b="0" i="1" smtClean="0">
+                                <a:latin typeface="Cambria Math" panose="02040503050406030204" pitchFamily="18" charset="0"/>
+                              </a:rPr>
+                            </m:ctrlPr>
+                          </m:sSubPr>
+                          <m:e>
+                            <m:r>
+                              <a:rPr lang="en-GB" sz="2000" b="0" i="1" smtClean="0">
+                                <a:latin typeface="Cambria Math" panose="02040503050406030204" pitchFamily="18" charset="0"/>
+                              </a:rPr>
+                              <m:t>𝑡</m:t>
+                            </m:r>
+                          </m:e>
+                          <m:sub>
+                            <m:r>
+                              <a:rPr lang="en-GB" sz="2000" b="0" i="1" smtClean="0">
+                                <a:latin typeface="Cambria Math" panose="02040503050406030204" pitchFamily="18" charset="0"/>
+                              </a:rPr>
+                              <m:t>𝑗</m:t>
+                            </m:r>
+                            <m:r>
+                              <a:rPr lang="en-GB" sz="2000" b="0" i="1" smtClean="0">
+                                <a:latin typeface="Cambria Math" panose="02040503050406030204" pitchFamily="18" charset="0"/>
+                              </a:rPr>
+                              <m:t>,</m:t>
+                            </m:r>
+                            <m:sSub>
+                              <m:sSubPr>
+                                <m:ctrlPr>
+                                  <a:rPr lang="en-GB" sz="2000" b="0" i="1" smtClean="0">
+                                    <a:latin typeface="Cambria Math" panose="02040503050406030204" pitchFamily="18" charset="0"/>
+                                  </a:rPr>
+                                </m:ctrlPr>
+                              </m:sSubPr>
+                              <m:e>
+                                <m:r>
+                                  <a:rPr lang="en-GB" sz="2000" b="0" i="1" smtClean="0">
+                                    <a:latin typeface="Cambria Math" panose="02040503050406030204" pitchFamily="18" charset="0"/>
+                                  </a:rPr>
+                                  <m:t>𝑠</m:t>
+                                </m:r>
+                              </m:e>
+                              <m:sub>
+                                <m:r>
+                                  <a:rPr lang="en-GB" sz="2000" b="0" i="1" smtClean="0">
+                                    <a:latin typeface="Cambria Math" panose="02040503050406030204" pitchFamily="18" charset="0"/>
+                                  </a:rPr>
+                                  <m:t>𝑖</m:t>
+                                </m:r>
+                              </m:sub>
+                            </m:sSub>
+                          </m:sub>
+                        </m:sSub>
+                      </m:e>
+                    </m:nary>
+                  </m:oMath>
+                </a14:m>
+                <a:endParaRPr lang="en-GB" sz="2000" b="0" dirty="0"/>
+              </a:p>
+              <a:p>
+                <a:r>
+                  <a:rPr lang="en-GB" sz="2000" b="0" dirty="0"/>
+                  <a:t>TA pdf: </a:t>
+                </a:r>
+                <a14:m>
+                  <m:oMath xmlns:m="http://schemas.openxmlformats.org/officeDocument/2006/math">
+                    <m:sSub>
+                      <m:sSubPr>
+                        <m:ctrlPr>
+                          <a:rPr lang="en-GB" sz="2000" b="0" i="1" smtClean="0">
+                            <a:latin typeface="Cambria Math" panose="02040503050406030204" pitchFamily="18" charset="0"/>
+                          </a:rPr>
+                        </m:ctrlPr>
+                      </m:sSubPr>
+                      <m:e>
+                        <m:r>
+                          <a:rPr lang="en-GB" sz="2000" b="0" i="1" smtClean="0">
+                            <a:latin typeface="Cambria Math" panose="02040503050406030204" pitchFamily="18" charset="0"/>
+                          </a:rPr>
+                          <m:t>𝑓</m:t>
+                        </m:r>
+                      </m:e>
+                      <m:sub>
+                        <m:r>
+                          <a:rPr lang="en-GB" sz="2000" b="0" i="1" smtClean="0">
+                            <a:latin typeface="Cambria Math" panose="02040503050406030204" pitchFamily="18" charset="0"/>
+                          </a:rPr>
+                          <m:t>𝑧</m:t>
+                        </m:r>
+                      </m:sub>
+                    </m:sSub>
+                    <m:d>
+                      <m:dPr>
+                        <m:ctrlPr>
+                          <a:rPr lang="en-GB" sz="2000" b="0" i="1" smtClean="0">
+                            <a:latin typeface="Cambria Math" panose="02040503050406030204" pitchFamily="18" charset="0"/>
+                          </a:rPr>
+                        </m:ctrlPr>
+                      </m:dPr>
+                      <m:e>
+                        <m:r>
+                          <a:rPr lang="en-GB" sz="2000" b="0" i="1" smtClean="0">
+                            <a:latin typeface="Cambria Math" panose="02040503050406030204" pitchFamily="18" charset="0"/>
+                          </a:rPr>
+                          <m:t>𝐿</m:t>
+                        </m:r>
+                      </m:e>
+                      <m:e>
+                        <m:r>
+                          <a:rPr lang="en-GB" sz="2000" b="0" i="1" smtClean="0">
+                            <a:latin typeface="Cambria Math" panose="02040503050406030204" pitchFamily="18" charset="0"/>
+                          </a:rPr>
+                          <m:t>𝑍</m:t>
+                        </m:r>
+                        <m:r>
+                          <a:rPr lang="en-GB" sz="2000" b="0" i="1" smtClean="0">
+                            <a:latin typeface="Cambria Math" panose="02040503050406030204" pitchFamily="18" charset="0"/>
+                          </a:rPr>
+                          <m:t>=</m:t>
+                        </m:r>
+                        <m:r>
+                          <a:rPr lang="en-GB" sz="2000" b="0" i="1" smtClean="0">
+                            <a:latin typeface="Cambria Math" panose="02040503050406030204" pitchFamily="18" charset="0"/>
+                          </a:rPr>
+                          <m:t>𝑧</m:t>
+                        </m:r>
+                      </m:e>
+                    </m:d>
+                    <m:r>
+                      <a:rPr lang="en-GB" sz="2000" b="0" i="1" smtClean="0">
+                        <a:latin typeface="Cambria Math" panose="02040503050406030204" pitchFamily="18" charset="0"/>
+                      </a:rPr>
+                      <m:t>≅</m:t>
+                    </m:r>
+                    <m:f>
+                      <m:fPr>
+                        <m:ctrlPr>
+                          <a:rPr lang="en-GB" sz="2000" b="0" i="1" smtClean="0">
+                            <a:latin typeface="Cambria Math" panose="02040503050406030204" pitchFamily="18" charset="0"/>
+                          </a:rPr>
+                        </m:ctrlPr>
+                      </m:fPr>
+                      <m:num>
+                        <m:r>
+                          <a:rPr lang="en-GB" sz="2000" b="0" i="1" smtClean="0">
+                            <a:latin typeface="Cambria Math" panose="02040503050406030204" pitchFamily="18" charset="0"/>
+                          </a:rPr>
+                          <m:t>1</m:t>
+                        </m:r>
+                      </m:num>
+                      <m:den>
+                        <m:sSup>
+                          <m:sSupPr>
+                            <m:ctrlPr>
+                              <a:rPr lang="en-GB" sz="2000" b="0" i="1" smtClean="0">
+                                <a:latin typeface="Cambria Math" panose="02040503050406030204" pitchFamily="18" charset="0"/>
+                              </a:rPr>
+                            </m:ctrlPr>
+                          </m:sSupPr>
+                          <m:e>
+                            <m:d>
+                              <m:dPr>
+                                <m:ctrlPr>
+                                  <a:rPr lang="en-GB" sz="2000" b="0" i="1" smtClean="0">
+                                    <a:latin typeface="Cambria Math" panose="02040503050406030204" pitchFamily="18" charset="0"/>
+                                  </a:rPr>
+                                </m:ctrlPr>
+                              </m:dPr>
+                              <m:e>
+                                <m:r>
+                                  <a:rPr lang="en-GB" sz="2000" b="0" i="1" smtClean="0">
+                                    <a:latin typeface="Cambria Math" panose="02040503050406030204" pitchFamily="18" charset="0"/>
+                                  </a:rPr>
+                                  <m:t>2</m:t>
+                                </m:r>
+                                <m:r>
+                                  <a:rPr lang="en-GB" sz="2000" b="0" i="1" smtClean="0">
+                                    <a:latin typeface="Cambria Math" panose="02040503050406030204" pitchFamily="18" charset="0"/>
+                                  </a:rPr>
+                                  <m:t>𝜋</m:t>
+                                </m:r>
+                              </m:e>
+                            </m:d>
+                          </m:e>
+                          <m:sup>
+                            <m:r>
+                              <a:rPr lang="en-GB" sz="2000" b="0" i="1" smtClean="0">
+                                <a:latin typeface="Cambria Math" panose="02040503050406030204" pitchFamily="18" charset="0"/>
+                              </a:rPr>
+                              <m:t>𝑑</m:t>
+                            </m:r>
+                          </m:sup>
+                        </m:sSup>
+                        <m:func>
+                          <m:funcPr>
+                            <m:ctrlPr>
+                              <a:rPr lang="en-GB" sz="2000" b="0" i="1" smtClean="0">
+                                <a:latin typeface="Cambria Math" panose="02040503050406030204" pitchFamily="18" charset="0"/>
+                              </a:rPr>
+                            </m:ctrlPr>
+                          </m:funcPr>
+                          <m:fName>
+                            <m:r>
+                              <m:rPr>
+                                <m:sty m:val="p"/>
+                              </m:rPr>
+                              <a:rPr lang="en-GB" sz="2000" b="0" i="0" smtClean="0">
+                                <a:latin typeface="Cambria Math" panose="02040503050406030204" pitchFamily="18" charset="0"/>
+                              </a:rPr>
+                              <m:t>det</m:t>
+                            </m:r>
+                          </m:fName>
+                          <m:e>
+                            <m:d>
+                              <m:dPr>
+                                <m:ctrlPr>
+                                  <a:rPr lang="en-GB" sz="2000" b="0" i="1" smtClean="0">
+                                    <a:latin typeface="Cambria Math" panose="02040503050406030204" pitchFamily="18" charset="0"/>
+                                  </a:rPr>
+                                </m:ctrlPr>
+                              </m:dPr>
+                              <m:e>
+                                <m:sSub>
+                                  <m:sSubPr>
+                                    <m:ctrlPr>
+                                      <a:rPr lang="en-GB" sz="2000" b="0" i="1" smtClean="0">
+                                        <a:latin typeface="Cambria Math" panose="02040503050406030204" pitchFamily="18" charset="0"/>
+                                      </a:rPr>
+                                    </m:ctrlPr>
+                                  </m:sSubPr>
+                                  <m:e>
+                                    <m:r>
+                                      <m:rPr>
+                                        <m:sty m:val="p"/>
+                                      </m:rPr>
+                                      <a:rPr lang="en-GB" sz="2000" b="0" i="0" smtClean="0">
+                                        <a:latin typeface="Cambria Math" panose="02040503050406030204" pitchFamily="18" charset="0"/>
+                                      </a:rPr>
+                                      <m:t>Σ</m:t>
+                                    </m:r>
+                                  </m:e>
+                                  <m:sub>
+                                    <m:r>
+                                      <a:rPr lang="en-GB" sz="2000" b="0" i="1" smtClean="0">
+                                        <a:latin typeface="Cambria Math" panose="02040503050406030204" pitchFamily="18" charset="0"/>
+                                      </a:rPr>
+                                      <m:t>𝑧</m:t>
+                                    </m:r>
+                                  </m:sub>
+                                </m:sSub>
+                              </m:e>
+                            </m:d>
+                          </m:e>
+                        </m:func>
+                      </m:den>
+                    </m:f>
+                    <m:func>
+                      <m:funcPr>
+                        <m:ctrlPr>
+                          <a:rPr lang="en-GB" sz="2000" b="0" i="1" smtClean="0">
+                            <a:latin typeface="Cambria Math" panose="02040503050406030204" pitchFamily="18" charset="0"/>
+                          </a:rPr>
+                        </m:ctrlPr>
+                      </m:funcPr>
+                      <m:fName>
+                        <m:r>
+                          <m:rPr>
+                            <m:sty m:val="p"/>
+                          </m:rPr>
+                          <a:rPr lang="en-GB" sz="2000" b="0" i="0" smtClean="0">
+                            <a:latin typeface="Cambria Math" panose="02040503050406030204" pitchFamily="18" charset="0"/>
+                          </a:rPr>
+                          <m:t>exp</m:t>
+                        </m:r>
+                      </m:fName>
+                      <m:e>
+                        <m:d>
+                          <m:dPr>
+                            <m:ctrlPr>
+                              <a:rPr lang="en-GB" sz="2000" b="0" i="1" smtClean="0">
+                                <a:latin typeface="Cambria Math" panose="02040503050406030204" pitchFamily="18" charset="0"/>
+                              </a:rPr>
+                            </m:ctrlPr>
+                          </m:dPr>
+                          <m:e>
+                            <m:r>
+                              <a:rPr lang="en-GB" sz="2000" b="0" i="1" smtClean="0">
+                                <a:latin typeface="Cambria Math" panose="02040503050406030204" pitchFamily="18" charset="0"/>
+                              </a:rPr>
+                              <m:t>−</m:t>
+                            </m:r>
+                            <m:f>
+                              <m:fPr>
+                                <m:ctrlPr>
+                                  <a:rPr lang="en-GB" sz="2000" b="0" i="1" smtClean="0">
+                                    <a:latin typeface="Cambria Math" panose="02040503050406030204" pitchFamily="18" charset="0"/>
+                                  </a:rPr>
+                                </m:ctrlPr>
+                              </m:fPr>
+                              <m:num>
+                                <m:r>
+                                  <a:rPr lang="en-GB" sz="2000" b="0" i="1" smtClean="0">
+                                    <a:latin typeface="Cambria Math" panose="02040503050406030204" pitchFamily="18" charset="0"/>
+                                  </a:rPr>
+                                  <m:t>1</m:t>
+                                </m:r>
+                              </m:num>
+                              <m:den>
+                                <m:r>
+                                  <a:rPr lang="en-GB" sz="2000" b="0" i="1" smtClean="0">
+                                    <a:latin typeface="Cambria Math" panose="02040503050406030204" pitchFamily="18" charset="0"/>
+                                  </a:rPr>
+                                  <m:t>2</m:t>
+                                </m:r>
+                              </m:den>
+                            </m:f>
+                            <m:sSup>
+                              <m:sSupPr>
+                                <m:ctrlPr>
+                                  <a:rPr lang="en-GB" sz="2000" b="0" i="1" smtClean="0">
+                                    <a:latin typeface="Cambria Math" panose="02040503050406030204" pitchFamily="18" charset="0"/>
+                                  </a:rPr>
+                                </m:ctrlPr>
+                              </m:sSupPr>
+                              <m:e>
+                                <m:d>
+                                  <m:dPr>
+                                    <m:ctrlPr>
+                                      <a:rPr lang="en-GB" sz="2000" b="0" i="1" smtClean="0">
+                                        <a:latin typeface="Cambria Math" panose="02040503050406030204" pitchFamily="18" charset="0"/>
+                                      </a:rPr>
+                                    </m:ctrlPr>
+                                  </m:dPr>
+                                  <m:e>
+                                    <m:r>
+                                      <a:rPr lang="en-GB" sz="2000" b="0" i="1" smtClean="0">
+                                        <a:latin typeface="Cambria Math" panose="02040503050406030204" pitchFamily="18" charset="0"/>
+                                      </a:rPr>
+                                      <m:t>𝐿</m:t>
+                                    </m:r>
+                                    <m:r>
+                                      <a:rPr lang="en-GB" sz="2000" b="0" i="1" smtClean="0">
+                                        <a:latin typeface="Cambria Math" panose="02040503050406030204" pitchFamily="18" charset="0"/>
+                                      </a:rPr>
+                                      <m:t>−</m:t>
+                                    </m:r>
+                                    <m:sSub>
+                                      <m:sSubPr>
+                                        <m:ctrlPr>
+                                          <a:rPr lang="en-GB" sz="2000" b="0" i="1" smtClean="0">
+                                            <a:latin typeface="Cambria Math" panose="02040503050406030204" pitchFamily="18" charset="0"/>
+                                          </a:rPr>
+                                        </m:ctrlPr>
+                                      </m:sSubPr>
+                                      <m:e>
+                                        <m:r>
+                                          <a:rPr lang="en-GB" sz="2000" b="0" i="1" smtClean="0">
+                                            <a:latin typeface="Cambria Math" panose="02040503050406030204" pitchFamily="18" charset="0"/>
+                                          </a:rPr>
+                                          <m:t>𝜇</m:t>
+                                        </m:r>
+                                      </m:e>
+                                      <m:sub>
+                                        <m:r>
+                                          <a:rPr lang="en-GB" sz="2000" b="0" i="1" smtClean="0">
+                                            <a:latin typeface="Cambria Math" panose="02040503050406030204" pitchFamily="18" charset="0"/>
+                                          </a:rPr>
+                                          <m:t>𝑧</m:t>
+                                        </m:r>
+                                      </m:sub>
+                                    </m:sSub>
+                                  </m:e>
+                                </m:d>
+                              </m:e>
+                              <m:sup>
+                                <m:r>
+                                  <a:rPr lang="en-GB" sz="2000" b="0" i="1" smtClean="0">
+                                    <a:latin typeface="Cambria Math" panose="02040503050406030204" pitchFamily="18" charset="0"/>
+                                  </a:rPr>
+                                  <m:t>𝑇</m:t>
+                                </m:r>
+                              </m:sup>
+                            </m:sSup>
+                            <m:sSub>
+                              <m:sSubPr>
+                                <m:ctrlPr>
+                                  <a:rPr lang="en-GB" sz="2000" b="0" i="1" smtClean="0">
+                                    <a:latin typeface="Cambria Math" panose="02040503050406030204" pitchFamily="18" charset="0"/>
+                                  </a:rPr>
+                                </m:ctrlPr>
+                              </m:sSubPr>
+                              <m:e>
+                                <m:r>
+                                  <m:rPr>
+                                    <m:sty m:val="p"/>
+                                  </m:rPr>
+                                  <a:rPr lang="en-GB" sz="2000" b="0" i="0" smtClean="0">
+                                    <a:latin typeface="Cambria Math" panose="02040503050406030204" pitchFamily="18" charset="0"/>
+                                  </a:rPr>
+                                  <m:t>Σ</m:t>
+                                </m:r>
+                              </m:e>
+                              <m:sub>
+                                <m:r>
+                                  <a:rPr lang="en-GB" sz="2000" b="0" i="1" smtClean="0">
+                                    <a:latin typeface="Cambria Math" panose="02040503050406030204" pitchFamily="18" charset="0"/>
+                                  </a:rPr>
+                                  <m:t>𝑧</m:t>
+                                </m:r>
+                              </m:sub>
+                            </m:sSub>
+                            <m:d>
+                              <m:dPr>
+                                <m:ctrlPr>
+                                  <a:rPr lang="en-GB" sz="2000" b="0" i="1" smtClean="0">
+                                    <a:latin typeface="Cambria Math" panose="02040503050406030204" pitchFamily="18" charset="0"/>
+                                  </a:rPr>
+                                </m:ctrlPr>
+                              </m:dPr>
+                              <m:e>
+                                <m:r>
+                                  <a:rPr lang="en-GB" sz="2000" b="0" i="1" smtClean="0">
+                                    <a:latin typeface="Cambria Math" panose="02040503050406030204" pitchFamily="18" charset="0"/>
+                                  </a:rPr>
+                                  <m:t>𝐿</m:t>
+                                </m:r>
+                                <m:r>
+                                  <a:rPr lang="en-GB" sz="2000" b="0" i="1" smtClean="0">
+                                    <a:latin typeface="Cambria Math" panose="02040503050406030204" pitchFamily="18" charset="0"/>
+                                  </a:rPr>
+                                  <m:t>−</m:t>
+                                </m:r>
+                                <m:sSub>
+                                  <m:sSubPr>
+                                    <m:ctrlPr>
+                                      <a:rPr lang="en-GB" sz="2000" b="0" i="1" smtClean="0">
+                                        <a:latin typeface="Cambria Math" panose="02040503050406030204" pitchFamily="18" charset="0"/>
+                                      </a:rPr>
+                                    </m:ctrlPr>
+                                  </m:sSubPr>
+                                  <m:e>
+                                    <m:r>
+                                      <a:rPr lang="en-GB" sz="2000" b="0" i="1" smtClean="0">
+                                        <a:latin typeface="Cambria Math" panose="02040503050406030204" pitchFamily="18" charset="0"/>
+                                      </a:rPr>
+                                      <m:t>𝜇</m:t>
+                                    </m:r>
+                                  </m:e>
+                                  <m:sub>
+                                    <m:r>
+                                      <a:rPr lang="en-GB" sz="2000" b="0" i="1" smtClean="0">
+                                        <a:latin typeface="Cambria Math" panose="02040503050406030204" pitchFamily="18" charset="0"/>
+                                      </a:rPr>
+                                      <m:t>𝑧</m:t>
+                                    </m:r>
+                                  </m:sub>
+                                </m:sSub>
+                              </m:e>
+                            </m:d>
+                          </m:e>
+                        </m:d>
+                      </m:e>
+                    </m:func>
+                  </m:oMath>
+                </a14:m>
+                <a:endParaRPr lang="en-GB" sz="2000" b="0" dirty="0"/>
+              </a:p>
+              <a:p>
+                <a:r>
+                  <a:rPr lang="en-GB" sz="2000" dirty="0"/>
+                  <a:t>Max. likelihood: </a:t>
+                </a:r>
+                <a14:m>
+                  <m:oMath xmlns:m="http://schemas.openxmlformats.org/officeDocument/2006/math">
+                    <m:nary>
+                      <m:naryPr>
+                        <m:chr m:val="∏"/>
+                        <m:ctrlPr>
+                          <a:rPr lang="en-GB" sz="2000" b="0" i="1" smtClean="0">
+                            <a:latin typeface="Cambria Math" panose="02040503050406030204" pitchFamily="18" charset="0"/>
+                          </a:rPr>
+                        </m:ctrlPr>
+                      </m:naryPr>
+                      <m:sub>
+                        <m:r>
+                          <a:rPr lang="en-GB" sz="2000" b="0" i="1" smtClean="0">
+                            <a:latin typeface="Cambria Math" panose="02040503050406030204" pitchFamily="18" charset="0"/>
+                          </a:rPr>
+                          <m:t>𝑗</m:t>
+                        </m:r>
+                      </m:sub>
+                      <m:sup>
+                        <m:r>
+                          <a:rPr lang="en-GB" sz="2000" b="0" i="1" smtClean="0">
+                            <a:latin typeface="Cambria Math" panose="02040503050406030204" pitchFamily="18" charset="0"/>
+                          </a:rPr>
+                          <m:t>𝑛</m:t>
+                        </m:r>
+                      </m:sup>
+                      <m:e>
+                        <m:d>
+                          <m:dPr>
+                            <m:ctrlPr>
+                              <a:rPr lang="en-GB" sz="2000" b="0" i="1" smtClean="0">
+                                <a:latin typeface="Cambria Math" panose="02040503050406030204" pitchFamily="18" charset="0"/>
+                              </a:rPr>
+                            </m:ctrlPr>
+                          </m:dPr>
+                          <m:e>
+                            <m:sSub>
+                              <m:sSubPr>
+                                <m:ctrlPr>
+                                  <a:rPr lang="en-GB" sz="2000" b="0" i="1" smtClean="0">
+                                    <a:latin typeface="Cambria Math" panose="02040503050406030204" pitchFamily="18" charset="0"/>
+                                  </a:rPr>
+                                </m:ctrlPr>
+                              </m:sSubPr>
+                              <m:e>
+                                <m:r>
+                                  <a:rPr lang="en-GB" sz="2000" b="0" i="1" smtClean="0">
+                                    <a:latin typeface="Cambria Math" panose="02040503050406030204" pitchFamily="18" charset="0"/>
+                                  </a:rPr>
+                                  <m:t>𝑓</m:t>
+                                </m:r>
+                              </m:e>
+                              <m:sub>
+                                <m:acc>
+                                  <m:accPr>
+                                    <m:chr m:val="̂"/>
+                                    <m:ctrlPr>
+                                      <a:rPr lang="en-GB" sz="2000" b="0" i="1" smtClean="0">
+                                        <a:latin typeface="Cambria Math" panose="02040503050406030204" pitchFamily="18" charset="0"/>
+                                      </a:rPr>
+                                    </m:ctrlPr>
+                                  </m:accPr>
+                                  <m:e>
+                                    <m:sSub>
+                                      <m:sSubPr>
+                                        <m:ctrlPr>
+                                          <a:rPr lang="en-GB" sz="2000" b="0" i="1" smtClean="0">
+                                            <a:latin typeface="Cambria Math" panose="02040503050406030204" pitchFamily="18" charset="0"/>
+                                          </a:rPr>
+                                        </m:ctrlPr>
+                                      </m:sSubPr>
+                                      <m:e>
+                                        <m:r>
+                                          <a:rPr lang="en-GB" sz="2000" b="0" i="1" smtClean="0">
+                                            <a:latin typeface="Cambria Math" panose="02040503050406030204" pitchFamily="18" charset="0"/>
+                                          </a:rPr>
+                                          <m:t>𝑧</m:t>
+                                        </m:r>
+                                      </m:e>
+                                      <m:sub>
+                                        <m:r>
+                                          <a:rPr lang="en-GB" sz="2000" b="0" i="1" smtClean="0">
+                                            <a:latin typeface="Cambria Math" panose="02040503050406030204" pitchFamily="18" charset="0"/>
+                                          </a:rPr>
+                                          <m:t>𝑗</m:t>
+                                        </m:r>
+                                      </m:sub>
+                                    </m:sSub>
+                                  </m:e>
+                                </m:acc>
+                              </m:sub>
+                            </m:sSub>
+                            <m:d>
+                              <m:dPr>
+                                <m:ctrlPr>
+                                  <a:rPr lang="en-GB" sz="2000" b="0" i="1" smtClean="0">
+                                    <a:latin typeface="Cambria Math" panose="02040503050406030204" pitchFamily="18" charset="0"/>
+                                  </a:rPr>
+                                </m:ctrlPr>
+                              </m:dPr>
+                              <m:e>
+                                <m:sSub>
+                                  <m:sSubPr>
+                                    <m:ctrlPr>
+                                      <a:rPr lang="en-GB" sz="2000" i="1">
+                                        <a:latin typeface="Cambria Math" panose="02040503050406030204" pitchFamily="18" charset="0"/>
+                                      </a:rPr>
+                                    </m:ctrlPr>
+                                  </m:sSubPr>
+                                  <m:e>
+                                    <m:r>
+                                      <a:rPr lang="en-GB" sz="2000" i="1">
+                                        <a:latin typeface="Cambria Math" panose="02040503050406030204" pitchFamily="18" charset="0"/>
+                                      </a:rPr>
+                                      <m:t>𝑙</m:t>
+                                    </m:r>
+                                  </m:e>
+                                  <m:sub>
+                                    <m:r>
+                                      <a:rPr lang="en-GB" sz="2000" i="1">
+                                        <a:latin typeface="Cambria Math" panose="02040503050406030204" pitchFamily="18" charset="0"/>
+                                      </a:rPr>
+                                      <m:t>𝑗</m:t>
+                                    </m:r>
+                                  </m:sub>
+                                </m:sSub>
+                              </m:e>
+                              <m:e>
+                                <m:r>
+                                  <a:rPr lang="en-GB" sz="2000" i="1">
+                                    <a:latin typeface="Cambria Math" panose="02040503050406030204" pitchFamily="18" charset="0"/>
+                                  </a:rPr>
+                                  <m:t>𝑍</m:t>
+                                </m:r>
+                                <m:r>
+                                  <a:rPr lang="en-GB" sz="2000" i="1">
+                                    <a:latin typeface="Cambria Math" panose="02040503050406030204" pitchFamily="18" charset="0"/>
+                                  </a:rPr>
+                                  <m:t>=</m:t>
+                                </m:r>
+                                <m:acc>
+                                  <m:accPr>
+                                    <m:chr m:val="̂"/>
+                                    <m:ctrlPr>
+                                      <a:rPr lang="en-GB" sz="2000" i="1">
+                                        <a:latin typeface="Cambria Math" panose="02040503050406030204" pitchFamily="18" charset="0"/>
+                                      </a:rPr>
+                                    </m:ctrlPr>
+                                  </m:accPr>
+                                  <m:e>
+                                    <m:sSub>
+                                      <m:sSubPr>
+                                        <m:ctrlPr>
+                                          <a:rPr lang="en-GB" sz="2000" i="1">
+                                            <a:latin typeface="Cambria Math" panose="02040503050406030204" pitchFamily="18" charset="0"/>
+                                          </a:rPr>
+                                        </m:ctrlPr>
+                                      </m:sSubPr>
+                                      <m:e>
+                                        <m:r>
+                                          <a:rPr lang="en-GB" sz="2000" i="1">
+                                            <a:latin typeface="Cambria Math" panose="02040503050406030204" pitchFamily="18" charset="0"/>
+                                          </a:rPr>
+                                          <m:t>𝑧</m:t>
+                                        </m:r>
+                                      </m:e>
+                                      <m:sub>
+                                        <m:r>
+                                          <a:rPr lang="en-GB" sz="2000" i="1">
+                                            <a:latin typeface="Cambria Math" panose="02040503050406030204" pitchFamily="18" charset="0"/>
+                                          </a:rPr>
+                                          <m:t>𝑗</m:t>
+                                        </m:r>
+                                      </m:sub>
+                                    </m:sSub>
+                                  </m:e>
+                                </m:acc>
+                              </m:e>
+                            </m:d>
+                            <m:r>
+                              <m:rPr>
+                                <m:nor/>
+                              </m:rPr>
+                              <a:rPr lang="en-GB" sz="2000" dirty="0"/>
+                              <m:t> </m:t>
+                            </m:r>
+                          </m:e>
+                        </m:d>
+                      </m:e>
+                    </m:nary>
+                  </m:oMath>
+                </a14:m>
+                <a:endParaRPr lang="en-GB" dirty="0"/>
+              </a:p>
+            </p:txBody>
+          </p:sp>
+        </mc:Choice>
+        <mc:Fallback>
+          <p:sp>
+            <p:nvSpPr>
+              <p:cNvPr id="3" name="Content Placeholder 2">
+                <a:extLst>
+                  <a:ext uri="{FF2B5EF4-FFF2-40B4-BE49-F238E27FC236}">
+                    <a16:creationId xmlns:a16="http://schemas.microsoft.com/office/drawing/2014/main" id="{97B7DBFB-C1FD-4A8C-B8BF-8303AA2BFDC6}"/>
+                  </a:ext>
+                </a:extLst>
+              </p:cNvPr>
+              <p:cNvSpPr>
+                <a:spLocks noGrp="1" noRot="1" noChangeAspect="1" noMove="1" noResize="1" noEditPoints="1" noAdjustHandles="1" noChangeArrowheads="1" noChangeShapeType="1" noTextEdit="1"/>
+              </p:cNvSpPr>
+              <p:nvPr>
+                <p:ph idx="1"/>
+              </p:nvPr>
+            </p:nvSpPr>
+            <p:spPr>
+              <a:blipFill>
+                <a:blip r:embed="rId3"/>
+                <a:stretch>
+                  <a:fillRect l="-1883"/>
+                </a:stretch>
+              </a:blipFill>
+            </p:spPr>
+            <p:txBody>
+              <a:bodyPr/>
+              <a:lstStyle/>
+              <a:p>
+                <a:r>
+                  <a:rPr lang="en-GB">
+                    <a:noFill/>
+                  </a:rPr>
+                  <a:t> </a:t>
+                </a:r>
+              </a:p>
+            </p:txBody>
+          </p:sp>
+        </mc:Fallback>
+      </mc:AlternateContent>
       <p:sp>
         <p:nvSpPr>
           <p:cNvPr id="4" name="Slide Number Placeholder 3">
             <a:extLst>
               <a:ext uri="{FF2B5EF4-FFF2-40B4-BE49-F238E27FC236}">
-                <a16:creationId xmlns:a16="http://schemas.microsoft.com/office/drawing/2014/main" id="{FA9BAFE6-06D8-4037-8754-BC63CB1FF0D4}"/>
+                <a16:creationId xmlns:a16="http://schemas.microsoft.com/office/drawing/2014/main" id="{DB3C2A6F-7A00-4E0E-BC23-4F1AAB478A73}"/>
               </a:ext>
             </a:extLst>
           </p:cNvPr>
@@ -13879,7 +18414,7 @@
               <a:pPr>
                 <a:defRPr/>
               </a:pPr>
-              <a:t>12</a:t>
+              <a:t>18</a:t>
             </a:fld>
             <a:endParaRPr lang="de-DE" noProof="0"/>
           </a:p>
@@ -13890,7 +18425,7 @@
           <p:cNvPr id="5" name="Text Placeholder 4">
             <a:extLst>
               <a:ext uri="{FF2B5EF4-FFF2-40B4-BE49-F238E27FC236}">
-                <a16:creationId xmlns:a16="http://schemas.microsoft.com/office/drawing/2014/main" id="{941CB752-0904-4ED3-A46C-1A2BA09F1339}"/>
+                <a16:creationId xmlns:a16="http://schemas.microsoft.com/office/drawing/2014/main" id="{728273E7-885C-4AD7-9D6F-DAA08027D8B0}"/>
               </a:ext>
             </a:extLst>
           </p:cNvPr>
@@ -13913,394 +18448,7 @@
     </p:spTree>
     <p:extLst>
       <p:ext uri="{BB962C8B-B14F-4D97-AF65-F5344CB8AC3E}">
-        <p14:creationId xmlns:p14="http://schemas.microsoft.com/office/powerpoint/2010/main" val="2673208707"/>
-      </p:ext>
-    </p:extLst>
-  </p:cSld>
-  <p:clrMapOvr>
-    <a:masterClrMapping/>
-  </p:clrMapOvr>
-</p:sld>
-</file>
-
-<file path=ppt/slides/slide13.xml><?xml version="1.0" encoding="utf-8"?>
-<p:sld xmlns:a="http://schemas.openxmlformats.org/drawingml/2006/main" xmlns:r="http://schemas.openxmlformats.org/officeDocument/2006/relationships" xmlns:p="http://schemas.openxmlformats.org/presentationml/2006/main">
-  <p:cSld>
-    <p:spTree>
-      <p:nvGrpSpPr>
-        <p:cNvPr id="1" name=""/>
-        <p:cNvGrpSpPr/>
-        <p:nvPr/>
-      </p:nvGrpSpPr>
-      <p:grpSpPr>
-        <a:xfrm>
-          <a:off x="0" y="0"/>
-          <a:ext cx="0" cy="0"/>
-          <a:chOff x="0" y="0"/>
-          <a:chExt cx="0" cy="0"/>
-        </a:xfrm>
-      </p:grpSpPr>
-      <p:sp>
-        <p:nvSpPr>
-          <p:cNvPr id="6" name="Title 5">
-            <a:extLst>
-              <a:ext uri="{FF2B5EF4-FFF2-40B4-BE49-F238E27FC236}">
-                <a16:creationId xmlns:a16="http://schemas.microsoft.com/office/drawing/2014/main" id="{512E98FB-0CE8-4D3F-802C-452121601D1F}"/>
-              </a:ext>
-            </a:extLst>
-          </p:cNvPr>
-          <p:cNvSpPr>
-            <a:spLocks noGrp="1"/>
-          </p:cNvSpPr>
-          <p:nvPr>
-            <p:ph type="ctrTitle"/>
-          </p:nvPr>
-        </p:nvSpPr>
-        <p:spPr/>
-        <p:txBody>
-          <a:bodyPr/>
-          <a:lstStyle/>
-          <a:p>
-            <a:pPr algn="ctr"/>
-            <a:r>
-              <a:rPr lang="en-GB" dirty="0"/>
-              <a:t>Thank you for listening!</a:t>
-            </a:r>
-          </a:p>
-        </p:txBody>
-      </p:sp>
-      <p:sp>
-        <p:nvSpPr>
-          <p:cNvPr id="7" name="Subtitle 6">
-            <a:extLst>
-              <a:ext uri="{FF2B5EF4-FFF2-40B4-BE49-F238E27FC236}">
-                <a16:creationId xmlns:a16="http://schemas.microsoft.com/office/drawing/2014/main" id="{BBBB3074-E35F-4A1A-88FF-06160ADAAD46}"/>
-              </a:ext>
-            </a:extLst>
-          </p:cNvPr>
-          <p:cNvSpPr>
-            <a:spLocks noGrp="1"/>
-          </p:cNvSpPr>
-          <p:nvPr>
-            <p:ph type="subTitle" idx="1"/>
-          </p:nvPr>
-        </p:nvSpPr>
-        <p:spPr/>
-        <p:txBody>
-          <a:bodyPr/>
-          <a:lstStyle/>
-          <a:p>
-            <a:pPr algn="ctr"/>
-            <a:r>
-              <a:rPr lang="en-GB" dirty="0"/>
-              <a:t>Do you have any questions?</a:t>
-            </a:r>
-          </a:p>
-        </p:txBody>
-      </p:sp>
-      <p:sp>
-        <p:nvSpPr>
-          <p:cNvPr id="4" name="Slide Number Placeholder 3">
-            <a:extLst>
-              <a:ext uri="{FF2B5EF4-FFF2-40B4-BE49-F238E27FC236}">
-                <a16:creationId xmlns:a16="http://schemas.microsoft.com/office/drawing/2014/main" id="{311A3D56-CD6B-4CFC-9519-83BC21EFDACD}"/>
-              </a:ext>
-            </a:extLst>
-          </p:cNvPr>
-          <p:cNvSpPr>
-            <a:spLocks noGrp="1"/>
-          </p:cNvSpPr>
-          <p:nvPr>
-            <p:ph type="sldNum" sz="quarter" idx="11"/>
-          </p:nvPr>
-        </p:nvSpPr>
-        <p:spPr/>
-        <p:txBody>
-          <a:bodyPr/>
-          <a:lstStyle/>
-          <a:p>
-            <a:pPr>
-              <a:defRPr/>
-            </a:pPr>
-            <a:fld id="{CE265BFB-70D1-4552-B9D1-2665EEDC3C5E}" type="slidenum">
-              <a:rPr lang="de-DE" noProof="0" smtClean="0"/>
-              <a:pPr>
-                <a:defRPr/>
-              </a:pPr>
-              <a:t>13</a:t>
-            </a:fld>
-            <a:endParaRPr lang="de-DE" noProof="0"/>
-          </a:p>
-        </p:txBody>
-      </p:sp>
-    </p:spTree>
-    <p:extLst>
-      <p:ext uri="{BB962C8B-B14F-4D97-AF65-F5344CB8AC3E}">
-        <p14:creationId xmlns:p14="http://schemas.microsoft.com/office/powerpoint/2010/main" val="1909164359"/>
-      </p:ext>
-    </p:extLst>
-  </p:cSld>
-  <p:clrMapOvr>
-    <a:masterClrMapping/>
-  </p:clrMapOvr>
-</p:sld>
-</file>
-
-<file path=ppt/slides/slide14.xml><?xml version="1.0" encoding="utf-8"?>
-<p:sld xmlns:a="http://schemas.openxmlformats.org/drawingml/2006/main" xmlns:r="http://schemas.openxmlformats.org/officeDocument/2006/relationships" xmlns:p="http://schemas.openxmlformats.org/presentationml/2006/main">
-  <p:cSld>
-    <p:spTree>
-      <p:nvGrpSpPr>
-        <p:cNvPr id="1" name=""/>
-        <p:cNvGrpSpPr/>
-        <p:nvPr/>
-      </p:nvGrpSpPr>
-      <p:grpSpPr>
-        <a:xfrm>
-          <a:off x="0" y="0"/>
-          <a:ext cx="0" cy="0"/>
-          <a:chOff x="0" y="0"/>
-          <a:chExt cx="0" cy="0"/>
-        </a:xfrm>
-      </p:grpSpPr>
-      <p:sp>
-        <p:nvSpPr>
-          <p:cNvPr id="6" name="Title 5">
-            <a:extLst>
-              <a:ext uri="{FF2B5EF4-FFF2-40B4-BE49-F238E27FC236}">
-                <a16:creationId xmlns:a16="http://schemas.microsoft.com/office/drawing/2014/main" id="{5AC57B03-FFF8-4D80-AEF9-B69641FA20A4}"/>
-              </a:ext>
-            </a:extLst>
-          </p:cNvPr>
-          <p:cNvSpPr>
-            <a:spLocks noGrp="1"/>
-          </p:cNvSpPr>
-          <p:nvPr>
-            <p:ph type="ctrTitle"/>
-          </p:nvPr>
-        </p:nvSpPr>
-        <p:spPr/>
-        <p:txBody>
-          <a:bodyPr/>
-          <a:lstStyle/>
-          <a:p>
-            <a:r>
-              <a:rPr lang="en-GB" dirty="0"/>
-              <a:t>Sources</a:t>
-            </a:r>
-          </a:p>
-        </p:txBody>
-      </p:sp>
-      <p:sp>
-        <p:nvSpPr>
-          <p:cNvPr id="7" name="Subtitle 6">
-            <a:extLst>
-              <a:ext uri="{FF2B5EF4-FFF2-40B4-BE49-F238E27FC236}">
-                <a16:creationId xmlns:a16="http://schemas.microsoft.com/office/drawing/2014/main" id="{416662E4-CB7D-4860-BB12-667708CDFC5F}"/>
-              </a:ext>
-            </a:extLst>
-          </p:cNvPr>
-          <p:cNvSpPr>
-            <a:spLocks noGrp="1"/>
-          </p:cNvSpPr>
-          <p:nvPr>
-            <p:ph type="subTitle" idx="1"/>
-          </p:nvPr>
-        </p:nvSpPr>
-        <p:spPr/>
-        <p:txBody>
-          <a:bodyPr/>
-          <a:lstStyle/>
-          <a:p>
-            <a:endParaRPr lang="en-GB"/>
-          </a:p>
-        </p:txBody>
-      </p:sp>
-      <p:sp>
-        <p:nvSpPr>
-          <p:cNvPr id="4" name="Slide Number Placeholder 3">
-            <a:extLst>
-              <a:ext uri="{FF2B5EF4-FFF2-40B4-BE49-F238E27FC236}">
-                <a16:creationId xmlns:a16="http://schemas.microsoft.com/office/drawing/2014/main" id="{D909B618-3BC9-4963-B76C-B6CD3EF2EDB6}"/>
-              </a:ext>
-            </a:extLst>
-          </p:cNvPr>
-          <p:cNvSpPr>
-            <a:spLocks noGrp="1"/>
-          </p:cNvSpPr>
-          <p:nvPr>
-            <p:ph type="sldNum" sz="quarter" idx="11"/>
-          </p:nvPr>
-        </p:nvSpPr>
-        <p:spPr/>
-        <p:txBody>
-          <a:bodyPr/>
-          <a:lstStyle/>
-          <a:p>
-            <a:pPr>
-              <a:defRPr/>
-            </a:pPr>
-            <a:fld id="{CE265BFB-70D1-4552-B9D1-2665EEDC3C5E}" type="slidenum">
-              <a:rPr lang="de-DE" noProof="0" smtClean="0"/>
-              <a:pPr>
-                <a:defRPr/>
-              </a:pPr>
-              <a:t>14</a:t>
-            </a:fld>
-            <a:endParaRPr lang="de-DE" noProof="0"/>
-          </a:p>
-        </p:txBody>
-      </p:sp>
-    </p:spTree>
-    <p:extLst>
-      <p:ext uri="{BB962C8B-B14F-4D97-AF65-F5344CB8AC3E}">
-        <p14:creationId xmlns:p14="http://schemas.microsoft.com/office/powerpoint/2010/main" val="2083774579"/>
-      </p:ext>
-    </p:extLst>
-  </p:cSld>
-  <p:clrMapOvr>
-    <a:masterClrMapping/>
-  </p:clrMapOvr>
-</p:sld>
-</file>
-
-<file path=ppt/slides/slide15.xml><?xml version="1.0" encoding="utf-8"?>
-<p:sld xmlns:a="http://schemas.openxmlformats.org/drawingml/2006/main" xmlns:r="http://schemas.openxmlformats.org/officeDocument/2006/relationships" xmlns:p="http://schemas.openxmlformats.org/presentationml/2006/main">
-  <p:cSld>
-    <p:spTree>
-      <p:nvGrpSpPr>
-        <p:cNvPr id="1" name=""/>
-        <p:cNvGrpSpPr/>
-        <p:nvPr/>
-      </p:nvGrpSpPr>
-      <p:grpSpPr>
-        <a:xfrm>
-          <a:off x="0" y="0"/>
-          <a:ext cx="0" cy="0"/>
-          <a:chOff x="0" y="0"/>
-          <a:chExt cx="0" cy="0"/>
-        </a:xfrm>
-      </p:grpSpPr>
-      <p:sp>
-        <p:nvSpPr>
-          <p:cNvPr id="2" name="Title 1">
-            <a:extLst>
-              <a:ext uri="{FF2B5EF4-FFF2-40B4-BE49-F238E27FC236}">
-                <a16:creationId xmlns:a16="http://schemas.microsoft.com/office/drawing/2014/main" id="{A12EA859-388F-4A7C-AF55-8890BB28892E}"/>
-              </a:ext>
-            </a:extLst>
-          </p:cNvPr>
-          <p:cNvSpPr>
-            <a:spLocks noGrp="1"/>
-          </p:cNvSpPr>
-          <p:nvPr>
-            <p:ph type="title"/>
-          </p:nvPr>
-        </p:nvSpPr>
-        <p:spPr/>
-        <p:txBody>
-          <a:bodyPr/>
-          <a:lstStyle/>
-          <a:p>
-            <a:r>
-              <a:rPr lang="en-GB" dirty="0"/>
-              <a:t>Sources</a:t>
-            </a:r>
-          </a:p>
-        </p:txBody>
-      </p:sp>
-      <p:sp>
-        <p:nvSpPr>
-          <p:cNvPr id="3" name="Content Placeholder 2">
-            <a:extLst>
-              <a:ext uri="{FF2B5EF4-FFF2-40B4-BE49-F238E27FC236}">
-                <a16:creationId xmlns:a16="http://schemas.microsoft.com/office/drawing/2014/main" id="{DB47C507-4187-4212-930E-82799DC439F2}"/>
-              </a:ext>
-            </a:extLst>
-          </p:cNvPr>
-          <p:cNvSpPr>
-            <a:spLocks noGrp="1"/>
-          </p:cNvSpPr>
-          <p:nvPr>
-            <p:ph idx="1"/>
-          </p:nvPr>
-        </p:nvSpPr>
-        <p:spPr/>
-        <p:txBody>
-          <a:bodyPr/>
-          <a:lstStyle/>
-          <a:p>
-            <a:endParaRPr lang="en-GB" dirty="0"/>
-          </a:p>
-        </p:txBody>
-      </p:sp>
-      <p:sp>
-        <p:nvSpPr>
-          <p:cNvPr id="4" name="Slide Number Placeholder 3">
-            <a:extLst>
-              <a:ext uri="{FF2B5EF4-FFF2-40B4-BE49-F238E27FC236}">
-                <a16:creationId xmlns:a16="http://schemas.microsoft.com/office/drawing/2014/main" id="{EB48913D-D993-4029-B782-EE254610E677}"/>
-              </a:ext>
-            </a:extLst>
-          </p:cNvPr>
-          <p:cNvSpPr>
-            <a:spLocks noGrp="1"/>
-          </p:cNvSpPr>
-          <p:nvPr>
-            <p:ph type="sldNum" sz="quarter" idx="12"/>
-          </p:nvPr>
-        </p:nvSpPr>
-        <p:spPr/>
-        <p:txBody>
-          <a:bodyPr/>
-          <a:lstStyle/>
-          <a:p>
-            <a:pPr>
-              <a:defRPr/>
-            </a:pPr>
-            <a:fld id="{CE265BFB-70D1-4552-B9D1-2665EEDC3C5E}" type="slidenum">
-              <a:rPr lang="de-DE" noProof="0" smtClean="0"/>
-              <a:pPr>
-                <a:defRPr/>
-              </a:pPr>
-              <a:t>15</a:t>
-            </a:fld>
-            <a:endParaRPr lang="de-DE" noProof="0"/>
-          </a:p>
-        </p:txBody>
-      </p:sp>
-      <p:sp>
-        <p:nvSpPr>
-          <p:cNvPr id="5" name="Text Placeholder 4">
-            <a:extLst>
-              <a:ext uri="{FF2B5EF4-FFF2-40B4-BE49-F238E27FC236}">
-                <a16:creationId xmlns:a16="http://schemas.microsoft.com/office/drawing/2014/main" id="{69349077-C188-4A8B-A024-5201BBBFE2E8}"/>
-              </a:ext>
-            </a:extLst>
-          </p:cNvPr>
-          <p:cNvSpPr>
-            <a:spLocks noGrp="1"/>
-          </p:cNvSpPr>
-          <p:nvPr>
-            <p:ph type="body" sz="quarter" idx="13"/>
-          </p:nvPr>
-        </p:nvSpPr>
-        <p:spPr/>
-        <p:txBody>
-          <a:bodyPr/>
-          <a:lstStyle/>
-          <a:p>
-            <a:r>
-              <a:rPr lang="en-GB" dirty="0"/>
-              <a:t>Sources used throughout this presentation</a:t>
-            </a:r>
-          </a:p>
-        </p:txBody>
-      </p:sp>
-    </p:spTree>
-    <p:extLst>
-      <p:ext uri="{BB962C8B-B14F-4D97-AF65-F5344CB8AC3E}">
-        <p14:creationId xmlns:p14="http://schemas.microsoft.com/office/powerpoint/2010/main" val="231998759"/>
+        <p14:creationId xmlns:p14="http://schemas.microsoft.com/office/powerpoint/2010/main" val="1705320088"/>
       </p:ext>
     </p:extLst>
   </p:cSld>
@@ -14383,7 +18531,7 @@
               <a:buAutoNum type="arabicPeriod"/>
             </a:pPr>
             <a:r>
-              <a:rPr lang="en-GB" sz="2200" dirty="0"/>
+              <a:rPr lang="en-GB" sz="2400" dirty="0"/>
               <a:t>Deep Learning is overtaking!</a:t>
             </a:r>
           </a:p>
@@ -14393,7 +18541,7 @@
               <a:buAutoNum type="arabicPeriod"/>
             </a:pPr>
             <a:r>
-              <a:rPr lang="en-GB" sz="2200" dirty="0"/>
+              <a:rPr lang="en-GB" sz="2400" dirty="0"/>
               <a:t>AES basics – what are we attacking?</a:t>
             </a:r>
           </a:p>
@@ -14403,14 +18551,14 @@
               <a:buAutoNum type="arabicPeriod"/>
             </a:pPr>
             <a:r>
-              <a:rPr lang="en-GB" sz="2200" dirty="0"/>
+              <a:rPr lang="en-GB" sz="2400" dirty="0"/>
               <a:t>Side Channel Analysis</a:t>
             </a:r>
           </a:p>
           <a:p>
             <a:pPr marL="519113" lvl="1" indent="-342900"/>
             <a:r>
-              <a:rPr lang="en-GB" sz="2200" dirty="0"/>
+              <a:rPr lang="en-GB" sz="2400" dirty="0"/>
               <a:t>Template Attacks (Profiling)</a:t>
             </a:r>
           </a:p>
@@ -14420,21 +18568,21 @@
               <a:buAutoNum type="arabicPeriod"/>
             </a:pPr>
             <a:r>
-              <a:rPr lang="en-GB" sz="2200" dirty="0"/>
+              <a:rPr lang="en-GB" sz="2400" dirty="0"/>
               <a:t>Deep Learning overview</a:t>
             </a:r>
           </a:p>
           <a:p>
             <a:pPr marL="633413" lvl="1" indent="-457200"/>
             <a:r>
-              <a:rPr lang="en-GB" sz="2200" dirty="0"/>
+              <a:rPr lang="en-GB" sz="2400" dirty="0"/>
               <a:t>Multi layer perceptron</a:t>
             </a:r>
           </a:p>
           <a:p>
             <a:pPr marL="633413" lvl="1" indent="-457200"/>
             <a:r>
-              <a:rPr lang="en-GB" sz="2200" dirty="0"/>
+              <a:rPr lang="en-GB" sz="2400" dirty="0"/>
               <a:t>Convolution Neural Networks</a:t>
             </a:r>
           </a:p>
@@ -14444,7 +18592,7 @@
               <a:buAutoNum type="arabicPeriod"/>
             </a:pPr>
             <a:r>
-              <a:rPr lang="en-GB" sz="2200" dirty="0"/>
+              <a:rPr lang="en-GB" sz="2400" dirty="0"/>
               <a:t>Integrating DL &amp; SCA</a:t>
             </a:r>
           </a:p>
@@ -14454,8 +18602,8 @@
               <a:buAutoNum type="arabicPeriod"/>
             </a:pPr>
             <a:r>
-              <a:rPr lang="en-GB" sz="2200" dirty="0"/>
-              <a:t>Effectiveness of DL techniques in SCA</a:t>
+              <a:rPr lang="en-GB" sz="2400" dirty="0"/>
+              <a:t>Results</a:t>
             </a:r>
           </a:p>
           <a:p>
@@ -14646,7 +18794,7 @@
           <p:nvPr>
             <p:extLst>
               <p:ext uri="{D42A27DB-BD31-4B8C-83A1-F6EECF244321}">
-                <p14:modId xmlns:p14="http://schemas.microsoft.com/office/powerpoint/2010/main" val="752756045"/>
+                <p14:modId xmlns:p14="http://schemas.microsoft.com/office/powerpoint/2010/main" val="1068755914"/>
               </p:ext>
             </p:extLst>
           </p:nvPr>
@@ -14961,7 +19109,7 @@
               <a:buChar char="•"/>
             </a:pPr>
             <a:r>
-              <a:rPr lang="en-GB" sz="1600" dirty="0"/>
+              <a:rPr lang="en-GB" sz="1600" b="1" dirty="0"/>
               <a:t>2011</a:t>
             </a:r>
           </a:p>
@@ -15059,7 +19207,11 @@
           </p:cNvPr>
           <p:cNvGraphicFramePr/>
           <p:nvPr>
-            <p:extLst/>
+            <p:extLst>
+              <p:ext uri="{D42A27DB-BD31-4B8C-83A1-F6EECF244321}">
+                <p14:modId xmlns:p14="http://schemas.microsoft.com/office/powerpoint/2010/main" val="2615516531"/>
+              </p:ext>
+            </p:extLst>
           </p:nvPr>
         </p:nvGraphicFramePr>
         <p:xfrm>
@@ -15382,7 +19534,7 @@
               <a:buChar char="•"/>
             </a:pPr>
             <a:r>
-              <a:rPr lang="en-GB" sz="1600" dirty="0"/>
+              <a:rPr lang="en-GB" sz="1600" b="1" dirty="0"/>
               <a:t>2011</a:t>
             </a:r>
           </a:p>
@@ -15742,6 +19894,194 @@
           </a:p>
         </p:txBody>
       </p:sp>
+      <mc:AlternateContent xmlns:mc="http://schemas.openxmlformats.org/markup-compatibility/2006">
+        <mc:Choice xmlns:a14="http://schemas.microsoft.com/office/drawing/2010/main" Requires="a14">
+          <p:sp>
+            <p:nvSpPr>
+              <p:cNvPr id="46" name="TextBox 45">
+                <a:extLst>
+                  <a:ext uri="{FF2B5EF4-FFF2-40B4-BE49-F238E27FC236}">
+                    <a16:creationId xmlns:a16="http://schemas.microsoft.com/office/drawing/2014/main" id="{932B04A1-F658-429E-8022-C1285F613FAC}"/>
+                  </a:ext>
+                </a:extLst>
+              </p:cNvPr>
+              <p:cNvSpPr txBox="1"/>
+              <p:nvPr/>
+            </p:nvSpPr>
+            <p:spPr>
+              <a:xfrm>
+                <a:off x="4400409" y="2534305"/>
+                <a:ext cx="3264035" cy="553998"/>
+              </a:xfrm>
+              <a:prstGeom prst="rect">
+                <a:avLst/>
+              </a:prstGeom>
+              <a:noFill/>
+            </p:spPr>
+            <p:txBody>
+              <a:bodyPr wrap="none" rtlCol="0">
+                <a:spAutoFit/>
+              </a:bodyPr>
+              <a:lstStyle/>
+              <a:p>
+                <a:pPr/>
+                <a14:m>
+                  <m:oMathPara xmlns:m="http://schemas.openxmlformats.org/officeDocument/2006/math">
+                    <m:oMathParaPr>
+                      <m:jc m:val="centerGroup"/>
+                    </m:oMathParaPr>
+                    <m:oMath xmlns:m="http://schemas.openxmlformats.org/officeDocument/2006/math">
+                      <m:r>
+                        <a:rPr lang="en-GB" sz="3000" b="0" i="1" smtClean="0">
+                          <a:latin typeface="Cambria Math" panose="02040503050406030204" pitchFamily="18" charset="0"/>
+                        </a:rPr>
+                        <m:t>𝑍</m:t>
+                      </m:r>
+                      <m:r>
+                        <a:rPr lang="en-GB" sz="3000" b="0" i="1" smtClean="0">
+                          <a:latin typeface="Cambria Math" panose="02040503050406030204" pitchFamily="18" charset="0"/>
+                        </a:rPr>
+                        <m:t>=</m:t>
+                      </m:r>
+                      <m:r>
+                        <a:rPr lang="en-GB" sz="3000" b="0" i="1" smtClean="0">
+                          <a:latin typeface="Cambria Math" panose="02040503050406030204" pitchFamily="18" charset="0"/>
+                        </a:rPr>
+                        <m:t>𝑆𝐵𝑜𝑥</m:t>
+                      </m:r>
+                      <m:r>
+                        <a:rPr lang="en-GB" sz="3000" b="0" i="1" smtClean="0">
+                          <a:latin typeface="Cambria Math" panose="02040503050406030204" pitchFamily="18" charset="0"/>
+                        </a:rPr>
+                        <m:t>(</m:t>
+                      </m:r>
+                      <m:r>
+                        <a:rPr lang="en-GB" sz="3000" b="0" i="1" smtClean="0">
+                          <a:latin typeface="Cambria Math" panose="02040503050406030204" pitchFamily="18" charset="0"/>
+                        </a:rPr>
+                        <m:t>𝑋</m:t>
+                      </m:r>
+                      <m:r>
+                        <a:rPr lang="en-GB" sz="3000" b="0" i="1" smtClean="0">
+                          <a:latin typeface="Cambria Math" panose="02040503050406030204" pitchFamily="18" charset="0"/>
+                        </a:rPr>
+                        <m:t>⊕</m:t>
+                      </m:r>
+                      <m:r>
+                        <a:rPr lang="en-GB" sz="3000" b="0" i="1" smtClean="0">
+                          <a:latin typeface="Cambria Math" panose="02040503050406030204" pitchFamily="18" charset="0"/>
+                        </a:rPr>
+                        <m:t>𝑘</m:t>
+                      </m:r>
+                      <m:r>
+                        <a:rPr lang="en-GB" sz="3000" b="0" i="1" smtClean="0">
+                          <a:latin typeface="Cambria Math" panose="02040503050406030204" pitchFamily="18" charset="0"/>
+                        </a:rPr>
+                        <m:t>)</m:t>
+                      </m:r>
+                    </m:oMath>
+                  </m:oMathPara>
+                </a14:m>
+                <a:endParaRPr lang="en-GB" sz="3000" dirty="0"/>
+              </a:p>
+            </p:txBody>
+          </p:sp>
+        </mc:Choice>
+        <mc:Fallback>
+          <p:sp>
+            <p:nvSpPr>
+              <p:cNvPr id="46" name="TextBox 45">
+                <a:extLst>
+                  <a:ext uri="{FF2B5EF4-FFF2-40B4-BE49-F238E27FC236}">
+                    <a16:creationId xmlns:a16="http://schemas.microsoft.com/office/drawing/2014/main" id="{932B04A1-F658-429E-8022-C1285F613FAC}"/>
+                  </a:ext>
+                </a:extLst>
+              </p:cNvPr>
+              <p:cNvSpPr txBox="1">
+                <a:spLocks noRot="1" noChangeAspect="1" noMove="1" noResize="1" noEditPoints="1" noAdjustHandles="1" noChangeArrowheads="1" noChangeShapeType="1" noTextEdit="1"/>
+              </p:cNvSpPr>
+              <p:nvPr/>
+            </p:nvSpPr>
+            <p:spPr>
+              <a:xfrm>
+                <a:off x="4400409" y="2534305"/>
+                <a:ext cx="3264035" cy="553998"/>
+              </a:xfrm>
+              <a:prstGeom prst="rect">
+                <a:avLst/>
+              </a:prstGeom>
+              <a:blipFill>
+                <a:blip r:embed="rId9"/>
+                <a:stretch>
+                  <a:fillRect/>
+                </a:stretch>
+              </a:blipFill>
+            </p:spPr>
+            <p:txBody>
+              <a:bodyPr/>
+              <a:lstStyle/>
+              <a:p>
+                <a:r>
+                  <a:rPr lang="en-GB">
+                    <a:noFill/>
+                  </a:rPr>
+                  <a:t> </a:t>
+                </a:r>
+              </a:p>
+            </p:txBody>
+          </p:sp>
+        </mc:Fallback>
+      </mc:AlternateContent>
+      <p:sp>
+        <p:nvSpPr>
+          <p:cNvPr id="3" name="TextBox 2">
+            <a:extLst>
+              <a:ext uri="{FF2B5EF4-FFF2-40B4-BE49-F238E27FC236}">
+                <a16:creationId xmlns:a16="http://schemas.microsoft.com/office/drawing/2014/main" id="{B184ED26-1A45-43CF-99AE-8F508A806023}"/>
+              </a:ext>
+            </a:extLst>
+          </p:cNvPr>
+          <p:cNvSpPr txBox="1"/>
+          <p:nvPr/>
+        </p:nvSpPr>
+        <p:spPr>
+          <a:xfrm>
+            <a:off x="4524706" y="3168280"/>
+            <a:ext cx="2353172" cy="954107"/>
+          </a:xfrm>
+          <a:prstGeom prst="rect">
+            <a:avLst/>
+          </a:prstGeom>
+          <a:noFill/>
+        </p:spPr>
+        <p:txBody>
+          <a:bodyPr wrap="square" rtlCol="0">
+            <a:spAutoFit/>
+          </a:bodyPr>
+          <a:lstStyle/>
+          <a:p>
+            <a:r>
+              <a:rPr lang="en-GB" sz="1400" dirty="0"/>
+              <a:t>x: intermediate value (PT)</a:t>
+            </a:r>
+          </a:p>
+          <a:p>
+            <a:r>
+              <a:rPr lang="en-GB" sz="1400" dirty="0"/>
+              <a:t>k: key</a:t>
+            </a:r>
+          </a:p>
+          <a:p>
+            <a:r>
+              <a:rPr lang="en-GB" sz="1400" dirty="0"/>
+              <a:t>Z: sensitive value</a:t>
+            </a:r>
+          </a:p>
+          <a:p>
+            <a:endParaRPr lang="en-GB" sz="1400" dirty="0" err="1"/>
+          </a:p>
+        </p:txBody>
+      </p:sp>
     </p:spTree>
     <p:extLst>
       <p:ext uri="{BB962C8B-B14F-4D97-AF65-F5344CB8AC3E}">
@@ -15795,15 +20135,7 @@
           <a:p>
             <a:r>
               <a:rPr lang="en-GB" dirty="0"/>
-              <a:t>Side Channel </a:t>
-            </a:r>
-            <a:r>
-              <a:rPr lang="en-GB"/>
-              <a:t>Analysis (SCA) – </a:t>
-            </a:r>
-            <a:r>
-              <a:rPr lang="en-GB" dirty="0"/>
-              <a:t>why is it so effective</a:t>
+              <a:t>Side Channel Analysis (SCA)</a:t>
             </a:r>
           </a:p>
         </p:txBody>
@@ -15826,10 +20158,74 @@
         </p:nvSpPr>
         <p:spPr/>
         <p:txBody>
-          <a:bodyPr/>
+          <a:bodyPr>
+            <a:normAutofit/>
+          </a:bodyPr>
           <a:lstStyle/>
           <a:p>
-            <a:endParaRPr lang="en-GB" dirty="0"/>
+            <a:pPr marL="457200" indent="-457200">
+              <a:buFont typeface="Arial" panose="020B0604020202020204" pitchFamily="34" charset="0"/>
+              <a:buChar char="•"/>
+            </a:pPr>
+            <a:r>
+              <a:rPr lang="en-GB" sz="3000" dirty="0"/>
+              <a:t>Attack </a:t>
+            </a:r>
+            <a:r>
+              <a:rPr lang="en-GB" sz="3000" b="1" dirty="0">
+                <a:solidFill>
+                  <a:srgbClr val="FF0000"/>
+                </a:solidFill>
+              </a:rPr>
+              <a:t>implementation</a:t>
+            </a:r>
+            <a:r>
+              <a:rPr lang="en-GB" sz="3000" dirty="0"/>
+              <a:t> instead of algorithm</a:t>
+            </a:r>
+          </a:p>
+          <a:p>
+            <a:pPr marL="633413" lvl="1" indent="-457200"/>
+            <a:r>
+              <a:rPr lang="en-GB" sz="3000" dirty="0"/>
+              <a:t>Power consumption, Execution time, …</a:t>
+            </a:r>
+          </a:p>
+          <a:p>
+            <a:pPr marL="457200" indent="-457200">
+              <a:buFont typeface="Arial" panose="020B0604020202020204" pitchFamily="34" charset="0"/>
+              <a:buChar char="•"/>
+            </a:pPr>
+            <a:endParaRPr lang="en-GB" sz="3000" dirty="0"/>
+          </a:p>
+          <a:p>
+            <a:pPr marL="457200" indent="-457200">
+              <a:buFont typeface="Arial" panose="020B0604020202020204" pitchFamily="34" charset="0"/>
+              <a:buChar char="•"/>
+            </a:pPr>
+            <a:r>
+              <a:rPr lang="en-GB" sz="3000" dirty="0"/>
+              <a:t>Defences make SCA harder but </a:t>
+            </a:r>
+            <a:r>
+              <a:rPr lang="en-GB" sz="3000" dirty="0">
+                <a:solidFill>
+                  <a:srgbClr val="FF0000"/>
+                </a:solidFill>
+              </a:rPr>
+              <a:t>not impossible</a:t>
+            </a:r>
+          </a:p>
+          <a:p>
+            <a:pPr marL="285750" indent="-285750"/>
+            <a:endParaRPr lang="en-GB" sz="3000" dirty="0"/>
+          </a:p>
+          <a:p>
+            <a:pPr marL="457200" indent="-457200">
+              <a:buFont typeface="Arial" panose="020B0604020202020204" pitchFamily="34" charset="0"/>
+              <a:buChar char="•"/>
+            </a:pPr>
+            <a:endParaRPr lang="en-GB" sz="3000" dirty="0"/>
           </a:p>
         </p:txBody>
       </p:sp>
@@ -15865,31 +20261,6 @@
               <a:t>6</a:t>
             </a:fld>
             <a:endParaRPr lang="de-DE" noProof="0"/>
-          </a:p>
-        </p:txBody>
-      </p:sp>
-      <p:sp>
-        <p:nvSpPr>
-          <p:cNvPr id="5" name="Text Placeholder 4">
-            <a:extLst>
-              <a:ext uri="{FF2B5EF4-FFF2-40B4-BE49-F238E27FC236}">
-                <a16:creationId xmlns:a16="http://schemas.microsoft.com/office/drawing/2014/main" id="{F07BEBF7-9DCC-4611-A20D-B16A93880234}"/>
-              </a:ext>
-            </a:extLst>
-          </p:cNvPr>
-          <p:cNvSpPr>
-            <a:spLocks noGrp="1"/>
-          </p:cNvSpPr>
-          <p:nvPr>
-            <p:ph type="body" sz="quarter" idx="13"/>
-          </p:nvPr>
-        </p:nvSpPr>
-        <p:spPr/>
-        <p:txBody>
-          <a:bodyPr/>
-          <a:lstStyle/>
-          <a:p>
-            <a:endParaRPr lang="en-GB" dirty="0"/>
           </a:p>
         </p:txBody>
       </p:sp>
@@ -15970,7 +20341,7 @@
         <p:spPr/>
         <p:txBody>
           <a:bodyPr>
-            <a:normAutofit lnSpcReduction="10000"/>
+            <a:normAutofit/>
           </a:bodyPr>
           <a:lstStyle/>
           <a:p>
@@ -15980,7 +20351,11 @@
             </a:pPr>
             <a:r>
               <a:rPr lang="en-GB" sz="3000" dirty="0"/>
-              <a:t>Requires 2 identical devices</a:t>
+              <a:t>Requires </a:t>
+            </a:r>
+            <a:r>
+              <a:rPr lang="en-GB" sz="3000" b="1" dirty="0"/>
+              <a:t>2 identical devices</a:t>
             </a:r>
           </a:p>
           <a:p>
@@ -16024,6 +20399,20 @@
               <a:buFont typeface="Arial" panose="020B0604020202020204" pitchFamily="34" charset="0"/>
               <a:buChar char="•"/>
             </a:pPr>
+            <a:r>
+              <a:rPr lang="en-GB" sz="3000" dirty="0"/>
+              <a:t>Based on </a:t>
+            </a:r>
+            <a:r>
+              <a:rPr lang="en-GB" sz="3000" b="1" dirty="0"/>
+              <a:t>Gaussian assumption</a:t>
+            </a:r>
+          </a:p>
+          <a:p>
+            <a:pPr marL="285750" indent="-285750">
+              <a:buFont typeface="Arial" panose="020B0604020202020204" pitchFamily="34" charset="0"/>
+              <a:buChar char="•"/>
+            </a:pPr>
             <a:endParaRPr lang="en-GB" sz="3000" dirty="0"/>
           </a:p>
           <a:p>
@@ -16032,8 +20421,12 @@
               <a:buChar char="•"/>
             </a:pPr>
             <a:r>
+              <a:rPr lang="en-GB" sz="3000" b="1" dirty="0"/>
+              <a:t>Many</a:t>
+            </a:r>
+            <a:r>
               <a:rPr lang="en-GB" sz="3000" dirty="0"/>
-              <a:t>Many traces needed for profiling</a:t>
+              <a:t> traces needed for profiling</a:t>
             </a:r>
           </a:p>
           <a:p>
@@ -16042,8 +20435,12 @@
               <a:buChar char="•"/>
             </a:pPr>
             <a:r>
+              <a:rPr lang="en-GB" sz="3000" b="1" dirty="0"/>
+              <a:t>Few</a:t>
+            </a:r>
+            <a:r>
               <a:rPr lang="en-GB" sz="3000" dirty="0"/>
-              <a:t>Not many traces needed for attack</a:t>
+              <a:t> traces needed for attack</a:t>
             </a:r>
           </a:p>
           <a:p>
@@ -16052,16 +20449,6 @@
               <a:buChar char="•"/>
             </a:pPr>
             <a:endParaRPr lang="en-GB" sz="3000" dirty="0"/>
-          </a:p>
-          <a:p>
-            <a:pPr marL="285750" indent="-285750">
-              <a:buFont typeface="Arial" panose="020B0604020202020204" pitchFamily="34" charset="0"/>
-              <a:buChar char="•"/>
-            </a:pPr>
-            <a:r>
-              <a:rPr lang="en-GB" sz="3000" dirty="0"/>
-              <a:t>Attack based on Gaussian assumption</a:t>
-            </a:r>
           </a:p>
         </p:txBody>
       </p:sp>
@@ -16207,7 +20594,7 @@
         </p:spPr>
         <p:txBody>
           <a:bodyPr>
-            <a:normAutofit lnSpcReduction="10000"/>
+            <a:normAutofit/>
           </a:bodyPr>
           <a:lstStyle/>
           <a:p>
@@ -16215,10 +20602,7 @@
               <a:buFont typeface="Arial" panose="020B0604020202020204" pitchFamily="34" charset="0"/>
               <a:buChar char="•"/>
             </a:pPr>
-            <a:r>
-              <a:rPr lang="en-GB" sz="3000" dirty="0"/>
-              <a:t>Now: backpropagation possible on large NNs</a:t>
-            </a:r>
+            <a:endParaRPr lang="en-GB" sz="1600" dirty="0"/>
           </a:p>
           <a:p>
             <a:pPr marL="285750" indent="-285750">
@@ -16234,7 +20618,7 @@
             <a:pPr marL="461963" lvl="1" indent="-285750"/>
             <a:r>
               <a:rPr lang="en-GB" sz="3000" dirty="0"/>
-              <a:t>Recurrent NN</a:t>
+              <a:t>Multi Layer Perceptron</a:t>
             </a:r>
           </a:p>
           <a:p>
@@ -16248,14 +20632,14 @@
             <a:pPr marL="461963" lvl="1" indent="-285750"/>
             <a:r>
               <a:rPr lang="en-GB" sz="3000" dirty="0"/>
-              <a:t>Multi Layer Perceptron</a:t>
+              <a:t>Recurrent NN</a:t>
             </a:r>
           </a:p>
           <a:p>
             <a:pPr marL="461963" lvl="1" indent="-285750"/>
             <a:r>
               <a:rPr lang="en-GB" sz="3000" dirty="0"/>
-              <a:t>Auto Encoder</a:t>
+              <a:t>Stacked Auto Encoder</a:t>
             </a:r>
           </a:p>
         </p:txBody>

--- a/deep-learning-sca-paper-presentation.pptx
+++ b/deep-learning-sca-paper-presentation.pptx
@@ -5,10 +5,10 @@
     <p:sldMasterId id="2147483648" r:id="rId1"/>
   </p:sldMasterIdLst>
   <p:notesMasterIdLst>
-    <p:notesMasterId r:id="rId20"/>
+    <p:notesMasterId r:id="rId21"/>
   </p:notesMasterIdLst>
   <p:handoutMasterIdLst>
-    <p:handoutMasterId r:id="rId21"/>
+    <p:handoutMasterId r:id="rId22"/>
   </p:handoutMasterIdLst>
   <p:sldIdLst>
     <p:sldId id="257" r:id="rId2"/>
@@ -18,17 +18,18 @@
     <p:sldId id="261" r:id="rId6"/>
     <p:sldId id="262" r:id="rId7"/>
     <p:sldId id="269" r:id="rId8"/>
-    <p:sldId id="267" r:id="rId9"/>
+    <p:sldId id="280" r:id="rId9"/>
     <p:sldId id="268" r:id="rId10"/>
     <p:sldId id="275" r:id="rId11"/>
     <p:sldId id="274" r:id="rId12"/>
     <p:sldId id="276" r:id="rId13"/>
     <p:sldId id="278" r:id="rId14"/>
-    <p:sldId id="277" r:id="rId15"/>
-    <p:sldId id="265" r:id="rId16"/>
-    <p:sldId id="264" r:id="rId17"/>
-    <p:sldId id="263" r:id="rId18"/>
-    <p:sldId id="279" r:id="rId19"/>
+    <p:sldId id="267" r:id="rId15"/>
+    <p:sldId id="277" r:id="rId16"/>
+    <p:sldId id="265" r:id="rId17"/>
+    <p:sldId id="264" r:id="rId18"/>
+    <p:sldId id="263" r:id="rId19"/>
+    <p:sldId id="279" r:id="rId20"/>
   </p:sldIdLst>
   <p:sldSz cx="9144000" cy="6858000" type="screen4x3"/>
   <p:notesSz cx="6858000" cy="9144000"/>
@@ -10173,7 +10174,7 @@
               <a:pPr>
                 <a:defRPr/>
               </a:pPr>
-              <a:t>20/07/2017</a:t>
+              <a:t>21/07/2017</a:t>
             </a:fld>
             <a:endParaRPr lang="en-GB" dirty="0"/>
           </a:p>
@@ -10392,7 +10393,7 @@
               <a:pPr>
                 <a:defRPr/>
               </a:pPr>
-              <a:t>20/07/2017</a:t>
+              <a:t>21/07/2017</a:t>
             </a:fld>
             <a:endParaRPr lang="en-GB"/>
           </a:p>
@@ -11123,18 +11124,6 @@
           <a:bodyPr/>
           <a:lstStyle/>
           <a:p>
-            <a:r>
-              <a:rPr lang="en-GB" dirty="0"/>
-              <a:t>Labelled data set </a:t>
-            </a:r>
-            <a:r>
-              <a:rPr lang="en-GB" dirty="0">
-                <a:sym typeface="Wingdings" panose="05000000000000000000" pitchFamily="2" charset="2"/>
-              </a:rPr>
-              <a:t> supervised learning</a:t>
-            </a:r>
-          </a:p>
-          <a:p>
             <a:pPr marL="0" marR="0" lvl="0" indent="0" algn="l" defTabSz="914400" rtl="0" eaLnBrk="1" fontAlgn="base" latinLnBrk="0" hangingPunct="1">
               <a:lnSpc>
                 <a:spcPct val="100000"/>
@@ -11153,14 +11142,28 @@
               <a:defRPr/>
             </a:pPr>
             <a:r>
+              <a:rPr lang="en-GB" sz="1200" dirty="0"/>
+              <a:t>Now: backpropagation possible on large NNs</a:t>
+            </a:r>
+          </a:p>
+          <a:p>
+            <a:r>
               <a:rPr lang="en-GB" dirty="0"/>
-              <a:t>1k traces per sensitive value</a:t>
+              <a:t>Many different techniques, each has own strengths</a:t>
             </a:r>
           </a:p>
           <a:p>
             <a:r>
               <a:rPr lang="en-GB" dirty="0"/>
-              <a:t>Input each trace individually, as Matrix for CNN, 3253 inputs for MLP, others</a:t>
+              <a:t>Revived through more computational power -&gt; Backpropagation </a:t>
+            </a:r>
+            <a:r>
+              <a:rPr lang="en-GB" dirty="0" err="1"/>
+              <a:t>algo</a:t>
+            </a:r>
+            <a:r>
+              <a:rPr lang="en-GB" dirty="0"/>
+              <a:t> now possible on large DNNs</a:t>
             </a:r>
           </a:p>
           <a:p>
@@ -11200,7 +11203,7 @@
     </p:spTree>
     <p:extLst>
       <p:ext uri="{BB962C8B-B14F-4D97-AF65-F5344CB8AC3E}">
-        <p14:creationId xmlns:p14="http://schemas.microsoft.com/office/powerpoint/2010/main" val="1158799826"/>
+        <p14:creationId xmlns:p14="http://schemas.microsoft.com/office/powerpoint/2010/main" val="633495333"/>
       </p:ext>
     </p:extLst>
   </p:cSld>
@@ -11256,26 +11259,46 @@
           <a:p>
             <a:r>
               <a:rPr lang="en-GB" dirty="0"/>
-              <a:t>CNN best performance, slightly better than AE</a:t>
-            </a:r>
-          </a:p>
-          <a:p>
+              <a:t>Labelled data set </a:t>
+            </a:r>
+            <a:r>
+              <a:rPr lang="en-GB" dirty="0">
+                <a:sym typeface="Wingdings" panose="05000000000000000000" pitchFamily="2" charset="2"/>
+              </a:rPr>
+              <a:t> supervised learning</a:t>
+            </a:r>
+          </a:p>
+          <a:p>
+            <a:pPr marL="0" marR="0" lvl="0" indent="0" algn="l" defTabSz="914400" rtl="0" eaLnBrk="1" fontAlgn="base" latinLnBrk="0" hangingPunct="1">
+              <a:lnSpc>
+                <a:spcPct val="100000"/>
+              </a:lnSpc>
+              <a:spcBef>
+                <a:spcPct val="30000"/>
+              </a:spcBef>
+              <a:spcAft>
+                <a:spcPct val="0"/>
+              </a:spcAft>
+              <a:buClrTx/>
+              <a:buSzTx/>
+              <a:buFontTx/>
+              <a:buNone/>
+              <a:tabLst/>
+              <a:defRPr/>
+            </a:pPr>
             <a:r>
               <a:rPr lang="en-GB" dirty="0"/>
-              <a:t>CNN requires less than half of the traces needed for key recovery compared to TA</a:t>
+              <a:t>1k traces per sensitive value</a:t>
             </a:r>
           </a:p>
           <a:p>
             <a:r>
               <a:rPr lang="en-GB" dirty="0"/>
-              <a:t>Manual feature extraction using PCA not advantageous </a:t>
-            </a:r>
-          </a:p>
-          <a:p>
-            <a:r>
-              <a:rPr lang="en-GB" dirty="0"/>
-              <a:t>LSTM not that good as there is no further relationship between bits far apart, time independence </a:t>
-            </a:r>
+              <a:t>Input each trace individually, as Matrix for CNN, 3253 inputs for MLP, others</a:t>
+            </a:r>
+          </a:p>
+          <a:p>
+            <a:endParaRPr lang="en-GB" dirty="0"/>
           </a:p>
         </p:txBody>
       </p:sp>
@@ -11311,7 +11334,7 @@
     </p:spTree>
     <p:extLst>
       <p:ext uri="{BB962C8B-B14F-4D97-AF65-F5344CB8AC3E}">
-        <p14:creationId xmlns:p14="http://schemas.microsoft.com/office/powerpoint/2010/main" val="3417501818"/>
+        <p14:creationId xmlns:p14="http://schemas.microsoft.com/office/powerpoint/2010/main" val="1158799826"/>
       </p:ext>
     </p:extLst>
   </p:cSld>
@@ -11367,7 +11390,25 @@
           <a:p>
             <a:r>
               <a:rPr lang="en-GB" dirty="0"/>
-              <a:t>Basically template attack but instead of Gaussian assumption profile with a NN</a:t>
+              <a:t>CNN best performance, slightly better than AE</a:t>
+            </a:r>
+          </a:p>
+          <a:p>
+            <a:r>
+              <a:rPr lang="en-GB" dirty="0"/>
+              <a:t>CNN requires less than half of the traces needed for key recovery compared to TA</a:t>
+            </a:r>
+          </a:p>
+          <a:p>
+            <a:r>
+              <a:rPr lang="en-GB" dirty="0"/>
+              <a:t>Manual feature extraction using PCA not advantageous </a:t>
+            </a:r>
+          </a:p>
+          <a:p>
+            <a:r>
+              <a:rPr lang="en-GB" dirty="0"/>
+              <a:t>LSTM not that good as there is no further relationship between bits far apart, time independence </a:t>
             </a:r>
           </a:p>
         </p:txBody>
@@ -11395,7 +11436,7 @@
               <a:pPr>
                 <a:defRPr/>
               </a:pPr>
-              <a:t>17</a:t>
+              <a:t>16</a:t>
             </a:fld>
             <a:endParaRPr lang="en-GB"/>
           </a:p>
@@ -11404,7 +11445,7 @@
     </p:spTree>
     <p:extLst>
       <p:ext uri="{BB962C8B-B14F-4D97-AF65-F5344CB8AC3E}">
-        <p14:creationId xmlns:p14="http://schemas.microsoft.com/office/powerpoint/2010/main" val="1060795393"/>
+        <p14:creationId xmlns:p14="http://schemas.microsoft.com/office/powerpoint/2010/main" val="3417501818"/>
       </p:ext>
     </p:extLst>
   </p:cSld>
@@ -11460,50 +11501,8 @@
           <a:p>
             <a:r>
               <a:rPr lang="en-GB" dirty="0"/>
-              <a:t>Mu:=mean</a:t>
-            </a:r>
-          </a:p>
-          <a:p>
-            <a:r>
-              <a:rPr lang="en-GB" dirty="0"/>
-              <a:t>Sigma:=</a:t>
-            </a:r>
-            <a:r>
-              <a:rPr lang="en-GB" dirty="0" err="1"/>
-              <a:t>standartabweichung</a:t>
-            </a:r>
-            <a:endParaRPr lang="en-GB" dirty="0"/>
-          </a:p>
-          <a:p>
-            <a:r>
-              <a:rPr lang="en-GB" dirty="0"/>
-              <a:t>Z:=sensitive value</a:t>
-            </a:r>
-          </a:p>
-          <a:p>
-            <a:r>
-              <a:rPr lang="en-GB" dirty="0"/>
-              <a:t>L:=trace</a:t>
-            </a:r>
-          </a:p>
-          <a:p>
-            <a:r>
-              <a:rPr lang="en-GB" dirty="0"/>
-              <a:t>Sigma:=covariance matrix</a:t>
-            </a:r>
-          </a:p>
-          <a:p>
-            <a:r>
-              <a:rPr lang="en-GB" dirty="0" err="1"/>
-              <a:t>Mu_z</a:t>
-            </a:r>
-            <a:r>
-              <a:rPr lang="en-GB" dirty="0"/>
-              <a:t>:=mean(Sigma)</a:t>
-            </a:r>
-          </a:p>
-          <a:p>
-            <a:endParaRPr lang="en-GB" dirty="0"/>
+              <a:t>Basically template attack but instead of Gaussian assumption profile with a NN</a:t>
+            </a:r>
           </a:p>
         </p:txBody>
       </p:sp>
@@ -11531,6 +11530,141 @@
                 <a:defRPr/>
               </a:pPr>
               <a:t>18</a:t>
+            </a:fld>
+            <a:endParaRPr lang="en-GB"/>
+          </a:p>
+        </p:txBody>
+      </p:sp>
+    </p:spTree>
+    <p:extLst>
+      <p:ext uri="{BB962C8B-B14F-4D97-AF65-F5344CB8AC3E}">
+        <p14:creationId xmlns:p14="http://schemas.microsoft.com/office/powerpoint/2010/main" val="1060795393"/>
+      </p:ext>
+    </p:extLst>
+  </p:cSld>
+  <p:clrMapOvr>
+    <a:masterClrMapping/>
+  </p:clrMapOvr>
+</p:notes>
+</file>
+
+<file path=ppt/notesSlides/notesSlide16.xml><?xml version="1.0" encoding="utf-8"?>
+<p:notes xmlns:a="http://schemas.openxmlformats.org/drawingml/2006/main" xmlns:r="http://schemas.openxmlformats.org/officeDocument/2006/relationships" xmlns:p="http://schemas.openxmlformats.org/presentationml/2006/main">
+  <p:cSld>
+    <p:spTree>
+      <p:nvGrpSpPr>
+        <p:cNvPr id="1" name=""/>
+        <p:cNvGrpSpPr/>
+        <p:nvPr/>
+      </p:nvGrpSpPr>
+      <p:grpSpPr>
+        <a:xfrm>
+          <a:off x="0" y="0"/>
+          <a:ext cx="0" cy="0"/>
+          <a:chOff x="0" y="0"/>
+          <a:chExt cx="0" cy="0"/>
+        </a:xfrm>
+      </p:grpSpPr>
+      <p:sp>
+        <p:nvSpPr>
+          <p:cNvPr id="2" name="Slide Image Placeholder 1"/>
+          <p:cNvSpPr>
+            <a:spLocks noGrp="1" noRot="1" noChangeAspect="1"/>
+          </p:cNvSpPr>
+          <p:nvPr>
+            <p:ph type="sldImg"/>
+          </p:nvPr>
+        </p:nvSpPr>
+        <p:spPr/>
+      </p:sp>
+      <p:sp>
+        <p:nvSpPr>
+          <p:cNvPr id="3" name="Notes Placeholder 2"/>
+          <p:cNvSpPr>
+            <a:spLocks noGrp="1"/>
+          </p:cNvSpPr>
+          <p:nvPr>
+            <p:ph type="body" idx="1"/>
+          </p:nvPr>
+        </p:nvSpPr>
+        <p:spPr/>
+        <p:txBody>
+          <a:bodyPr/>
+          <a:lstStyle/>
+          <a:p>
+            <a:r>
+              <a:rPr lang="en-GB" dirty="0"/>
+              <a:t>Mu:=mean</a:t>
+            </a:r>
+          </a:p>
+          <a:p>
+            <a:r>
+              <a:rPr lang="en-GB" dirty="0"/>
+              <a:t>Sigma:=</a:t>
+            </a:r>
+            <a:r>
+              <a:rPr lang="en-GB" dirty="0" err="1"/>
+              <a:t>standartabweichung</a:t>
+            </a:r>
+            <a:endParaRPr lang="en-GB" dirty="0"/>
+          </a:p>
+          <a:p>
+            <a:r>
+              <a:rPr lang="en-GB" dirty="0"/>
+              <a:t>Z:=sensitive value</a:t>
+            </a:r>
+          </a:p>
+          <a:p>
+            <a:r>
+              <a:rPr lang="en-GB" dirty="0"/>
+              <a:t>L:=trace</a:t>
+            </a:r>
+          </a:p>
+          <a:p>
+            <a:r>
+              <a:rPr lang="en-GB" dirty="0"/>
+              <a:t>Sigma:=covariance matrix</a:t>
+            </a:r>
+          </a:p>
+          <a:p>
+            <a:r>
+              <a:rPr lang="en-GB" dirty="0" err="1"/>
+              <a:t>Mu_z</a:t>
+            </a:r>
+            <a:r>
+              <a:rPr lang="en-GB" dirty="0"/>
+              <a:t>:=mean(Sigma)</a:t>
+            </a:r>
+          </a:p>
+          <a:p>
+            <a:endParaRPr lang="en-GB" dirty="0"/>
+          </a:p>
+        </p:txBody>
+      </p:sp>
+      <p:sp>
+        <p:nvSpPr>
+          <p:cNvPr id="4" name="Slide Number Placeholder 3"/>
+          <p:cNvSpPr>
+            <a:spLocks noGrp="1"/>
+          </p:cNvSpPr>
+          <p:nvPr>
+            <p:ph type="sldNum" sz="quarter" idx="10"/>
+          </p:nvPr>
+        </p:nvSpPr>
+        <p:spPr/>
+        <p:txBody>
+          <a:bodyPr/>
+          <a:lstStyle/>
+          <a:p>
+            <a:pPr>
+              <a:defRPr/>
+            </a:pPr>
+            <a:fld id="{00AFC6D0-44D5-4EB7-828F-6F464F83D79A}" type="slidenum">
+              <a:rPr lang="en-GB" smtClean="0"/>
+              <a:pPr>
+                <a:defRPr/>
+              </a:pPr>
+              <a:t>19</a:t>
             </a:fld>
             <a:endParaRPr lang="en-GB"/>
           </a:p>
@@ -12099,7 +12233,7 @@
     </p:spTree>
     <p:extLst>
       <p:ext uri="{BB962C8B-B14F-4D97-AF65-F5344CB8AC3E}">
-        <p14:creationId xmlns:p14="http://schemas.microsoft.com/office/powerpoint/2010/main" val="633495333"/>
+        <p14:creationId xmlns:p14="http://schemas.microsoft.com/office/powerpoint/2010/main" val="3341821822"/>
       </p:ext>
     </p:extLst>
   </p:cSld>
@@ -12572,7 +12706,7 @@
             </a:pPr>
             <a:fld id="{B04D9ECC-31C8-4A53-8131-35BAE7995783}" type="datetime1">
               <a:rPr lang="de-DE" noProof="0" smtClean="0"/>
-              <a:t>20.07.2017</a:t>
+              <a:t>21.07.2017</a:t>
             </a:fld>
             <a:endParaRPr lang="de-DE" noProof="0"/>
           </a:p>
@@ -12824,7 +12958,7 @@
             </a:pPr>
             <a:fld id="{1178E5D5-CA76-4C59-B34C-272F56E3C42B}" type="datetime1">
               <a:rPr lang="de-DE" noProof="0" smtClean="0"/>
-              <a:t>20.07.2017</a:t>
+              <a:t>21.07.2017</a:t>
             </a:fld>
             <a:endParaRPr lang="de-DE" noProof="0"/>
           </a:p>
@@ -13163,7 +13297,7 @@
             </a:pPr>
             <a:fld id="{DF75CF1A-A7C7-4023-A193-69E45C4BA344}" type="datetime1">
               <a:rPr lang="de-DE" noProof="0" smtClean="0"/>
-              <a:t>20.07.2017</a:t>
+              <a:t>21.07.2017</a:t>
             </a:fld>
             <a:endParaRPr lang="de-DE" noProof="0"/>
           </a:p>
@@ -13445,7 +13579,7 @@
             </a:pPr>
             <a:fld id="{5144C4FB-9881-443F-B4FF-72995425415D}" type="datetime1">
               <a:rPr lang="de-DE" noProof="0" smtClean="0"/>
-              <a:t>20.07.2017</a:t>
+              <a:t>21.07.2017</a:t>
             </a:fld>
             <a:endParaRPr lang="de-DE" noProof="0"/>
           </a:p>
@@ -14773,6 +14907,84 @@
           </a:p>
         </p:txBody>
       </p:sp>
+      <p:sp>
+        <p:nvSpPr>
+          <p:cNvPr id="5" name="TextBox 4">
+            <a:extLst>
+              <a:ext uri="{FF2B5EF4-FFF2-40B4-BE49-F238E27FC236}">
+                <a16:creationId xmlns:a16="http://schemas.microsoft.com/office/drawing/2014/main" id="{8FE4C0A3-8803-45B1-8A24-0625D0ACDFEF}"/>
+              </a:ext>
+            </a:extLst>
+          </p:cNvPr>
+          <p:cNvSpPr txBox="1"/>
+          <p:nvPr/>
+        </p:nvSpPr>
+        <p:spPr>
+          <a:xfrm>
+            <a:off x="5502729" y="2008414"/>
+            <a:ext cx="2579914" cy="584775"/>
+          </a:xfrm>
+          <a:prstGeom prst="rect">
+            <a:avLst/>
+          </a:prstGeom>
+          <a:noFill/>
+        </p:spPr>
+        <p:txBody>
+          <a:bodyPr wrap="square" rtlCol="0">
+            <a:spAutoFit/>
+          </a:bodyPr>
+          <a:lstStyle/>
+          <a:p>
+            <a:r>
+              <a:rPr lang="en-GB" sz="3200" dirty="0">
+                <a:solidFill>
+                  <a:srgbClr val="2AA098"/>
+                </a:solidFill>
+              </a:rPr>
+              <a:t>Feature map</a:t>
+            </a:r>
+          </a:p>
+        </p:txBody>
+      </p:sp>
+      <p:sp>
+        <p:nvSpPr>
+          <p:cNvPr id="6" name="TextBox 5">
+            <a:extLst>
+              <a:ext uri="{FF2B5EF4-FFF2-40B4-BE49-F238E27FC236}">
+                <a16:creationId xmlns:a16="http://schemas.microsoft.com/office/drawing/2014/main" id="{AFF0C728-4BEA-4EC9-B46A-36C67669E6E0}"/>
+              </a:ext>
+            </a:extLst>
+          </p:cNvPr>
+          <p:cNvSpPr txBox="1"/>
+          <p:nvPr/>
+        </p:nvSpPr>
+        <p:spPr>
+          <a:xfrm>
+            <a:off x="6633291" y="3835435"/>
+            <a:ext cx="1095172" cy="584775"/>
+          </a:xfrm>
+          <a:prstGeom prst="rect">
+            <a:avLst/>
+          </a:prstGeom>
+          <a:noFill/>
+        </p:spPr>
+        <p:txBody>
+          <a:bodyPr wrap="none" rtlCol="0">
+            <a:spAutoFit/>
+          </a:bodyPr>
+          <a:lstStyle/>
+          <a:p>
+            <a:r>
+              <a:rPr lang="en-GB" sz="3200" dirty="0">
+                <a:solidFill>
+                  <a:srgbClr val="268BD2"/>
+                </a:solidFill>
+              </a:rPr>
+              <a:t>Input</a:t>
+            </a:r>
+          </a:p>
+        </p:txBody>
+      </p:sp>
     </p:spTree>
     <p:extLst>
       <p:ext uri="{BB962C8B-B14F-4D97-AF65-F5344CB8AC3E}">
@@ -15334,6 +15546,84 @@
                 <a:srgbClr val="FF0000"/>
               </a:solidFill>
             </a:endParaRPr>
+          </a:p>
+        </p:txBody>
+      </p:sp>
+      <p:sp>
+        <p:nvSpPr>
+          <p:cNvPr id="21" name="TextBox 20">
+            <a:extLst>
+              <a:ext uri="{FF2B5EF4-FFF2-40B4-BE49-F238E27FC236}">
+                <a16:creationId xmlns:a16="http://schemas.microsoft.com/office/drawing/2014/main" id="{A72AF319-3CED-44FE-B2EC-61DC2AFF7AAF}"/>
+              </a:ext>
+            </a:extLst>
+          </p:cNvPr>
+          <p:cNvSpPr txBox="1"/>
+          <p:nvPr/>
+        </p:nvSpPr>
+        <p:spPr>
+          <a:xfrm>
+            <a:off x="5502729" y="2008414"/>
+            <a:ext cx="2579914" cy="584775"/>
+          </a:xfrm>
+          <a:prstGeom prst="rect">
+            <a:avLst/>
+          </a:prstGeom>
+          <a:noFill/>
+        </p:spPr>
+        <p:txBody>
+          <a:bodyPr wrap="square" rtlCol="0">
+            <a:spAutoFit/>
+          </a:bodyPr>
+          <a:lstStyle/>
+          <a:p>
+            <a:r>
+              <a:rPr lang="en-GB" sz="3200" dirty="0">
+                <a:solidFill>
+                  <a:srgbClr val="2AA098"/>
+                </a:solidFill>
+              </a:rPr>
+              <a:t>Feature map</a:t>
+            </a:r>
+          </a:p>
+        </p:txBody>
+      </p:sp>
+      <p:sp>
+        <p:nvSpPr>
+          <p:cNvPr id="22" name="TextBox 21">
+            <a:extLst>
+              <a:ext uri="{FF2B5EF4-FFF2-40B4-BE49-F238E27FC236}">
+                <a16:creationId xmlns:a16="http://schemas.microsoft.com/office/drawing/2014/main" id="{46230B72-B8B3-4E08-B94C-D60BDD49B040}"/>
+              </a:ext>
+            </a:extLst>
+          </p:cNvPr>
+          <p:cNvSpPr txBox="1"/>
+          <p:nvPr/>
+        </p:nvSpPr>
+        <p:spPr>
+          <a:xfrm>
+            <a:off x="6633291" y="3835435"/>
+            <a:ext cx="1095172" cy="584775"/>
+          </a:xfrm>
+          <a:prstGeom prst="rect">
+            <a:avLst/>
+          </a:prstGeom>
+          <a:noFill/>
+        </p:spPr>
+        <p:txBody>
+          <a:bodyPr wrap="none" rtlCol="0">
+            <a:spAutoFit/>
+          </a:bodyPr>
+          <a:lstStyle/>
+          <a:p>
+            <a:r>
+              <a:rPr lang="en-GB" sz="3200" dirty="0">
+                <a:solidFill>
+                  <a:srgbClr val="268BD2"/>
+                </a:solidFill>
+              </a:rPr>
+              <a:t>Input</a:t>
+            </a:r>
           </a:p>
         </p:txBody>
       </p:sp>
@@ -15536,6 +15826,330 @@
           <p:cNvPr id="2" name="Title 1">
             <a:extLst>
               <a:ext uri="{FF2B5EF4-FFF2-40B4-BE49-F238E27FC236}">
+                <a16:creationId xmlns:a16="http://schemas.microsoft.com/office/drawing/2014/main" id="{9C37B538-7A41-4A14-A49F-DFC1277F9406}"/>
+              </a:ext>
+            </a:extLst>
+          </p:cNvPr>
+          <p:cNvSpPr>
+            <a:spLocks noGrp="1"/>
+          </p:cNvSpPr>
+          <p:nvPr>
+            <p:ph type="title"/>
+          </p:nvPr>
+        </p:nvSpPr>
+        <p:spPr/>
+        <p:txBody>
+          <a:bodyPr/>
+          <a:lstStyle/>
+          <a:p>
+            <a:r>
+              <a:rPr lang="en-GB" dirty="0"/>
+              <a:t>Deep Learning: an overview</a:t>
+            </a:r>
+          </a:p>
+        </p:txBody>
+      </p:sp>
+      <p:sp>
+        <p:nvSpPr>
+          <p:cNvPr id="3" name="Content Placeholder 2">
+            <a:extLst>
+              <a:ext uri="{FF2B5EF4-FFF2-40B4-BE49-F238E27FC236}">
+                <a16:creationId xmlns:a16="http://schemas.microsoft.com/office/drawing/2014/main" id="{D9C923AD-B011-4DC4-ADF7-61B6B58F8D8D}"/>
+              </a:ext>
+            </a:extLst>
+          </p:cNvPr>
+          <p:cNvSpPr>
+            <a:spLocks noGrp="1"/>
+          </p:cNvSpPr>
+          <p:nvPr>
+            <p:ph idx="1"/>
+          </p:nvPr>
+        </p:nvSpPr>
+        <p:spPr>
+          <a:xfrm>
+            <a:off x="358775" y="2869324"/>
+            <a:ext cx="8421688" cy="3398276"/>
+          </a:xfrm>
+        </p:spPr>
+        <p:txBody>
+          <a:bodyPr>
+            <a:normAutofit/>
+          </a:bodyPr>
+          <a:lstStyle/>
+          <a:p>
+            <a:pPr marL="285750" indent="-285750">
+              <a:buFont typeface="Arial" panose="020B0604020202020204" pitchFamily="34" charset="0"/>
+              <a:buChar char="•"/>
+            </a:pPr>
+            <a:endParaRPr lang="en-GB" sz="1600" dirty="0"/>
+          </a:p>
+          <a:p>
+            <a:pPr marL="285750" indent="-285750">
+              <a:buFont typeface="Arial" panose="020B0604020202020204" pitchFamily="34" charset="0"/>
+              <a:buChar char="•"/>
+            </a:pPr>
+            <a:r>
+              <a:rPr lang="en-GB" sz="3000" dirty="0"/>
+              <a:t>Many types, each has own strengths</a:t>
+            </a:r>
+          </a:p>
+          <a:p>
+            <a:pPr marL="461963" lvl="1" indent="-285750"/>
+            <a:r>
+              <a:rPr lang="en-GB" sz="3000" dirty="0">
+                <a:solidFill>
+                  <a:schemeClr val="bg1">
+                    <a:lumMod val="65000"/>
+                  </a:schemeClr>
+                </a:solidFill>
+              </a:rPr>
+              <a:t>Multi Layer Perceptron</a:t>
+            </a:r>
+          </a:p>
+          <a:p>
+            <a:pPr marL="461963" lvl="1" indent="-285750"/>
+            <a:r>
+              <a:rPr lang="en-GB" sz="3000" dirty="0">
+                <a:solidFill>
+                  <a:schemeClr val="bg1">
+                    <a:lumMod val="65000"/>
+                  </a:schemeClr>
+                </a:solidFill>
+              </a:rPr>
+              <a:t>Convolutional NN</a:t>
+            </a:r>
+          </a:p>
+          <a:p>
+            <a:pPr marL="461963" lvl="1" indent="-285750"/>
+            <a:r>
+              <a:rPr lang="en-GB" sz="3000" dirty="0"/>
+              <a:t>Recurrent NN</a:t>
+            </a:r>
+          </a:p>
+          <a:p>
+            <a:pPr marL="461963" lvl="1" indent="-285750"/>
+            <a:r>
+              <a:rPr lang="en-GB" sz="3000" dirty="0"/>
+              <a:t>Stacked Auto Encoder</a:t>
+            </a:r>
+          </a:p>
+        </p:txBody>
+      </p:sp>
+      <p:sp>
+        <p:nvSpPr>
+          <p:cNvPr id="4" name="Slide Number Placeholder 3">
+            <a:extLst>
+              <a:ext uri="{FF2B5EF4-FFF2-40B4-BE49-F238E27FC236}">
+                <a16:creationId xmlns:a16="http://schemas.microsoft.com/office/drawing/2014/main" id="{C3C7FABA-5634-4256-A6A9-33774C765788}"/>
+              </a:ext>
+            </a:extLst>
+          </p:cNvPr>
+          <p:cNvSpPr>
+            <a:spLocks noGrp="1"/>
+          </p:cNvSpPr>
+          <p:nvPr>
+            <p:ph type="sldNum" sz="quarter" idx="12"/>
+          </p:nvPr>
+        </p:nvSpPr>
+        <p:spPr/>
+        <p:txBody>
+          <a:bodyPr/>
+          <a:lstStyle/>
+          <a:p>
+            <a:pPr>
+              <a:defRPr/>
+            </a:pPr>
+            <a:fld id="{CE265BFB-70D1-4552-B9D1-2665EEDC3C5E}" type="slidenum">
+              <a:rPr lang="de-DE" noProof="0" smtClean="0"/>
+              <a:pPr>
+                <a:defRPr/>
+              </a:pPr>
+              <a:t>14</a:t>
+            </a:fld>
+            <a:endParaRPr lang="de-DE" noProof="0"/>
+          </a:p>
+        </p:txBody>
+      </p:sp>
+      <p:sp>
+        <p:nvSpPr>
+          <p:cNvPr id="5" name="Text Placeholder 4">
+            <a:extLst>
+              <a:ext uri="{FF2B5EF4-FFF2-40B4-BE49-F238E27FC236}">
+                <a16:creationId xmlns:a16="http://schemas.microsoft.com/office/drawing/2014/main" id="{3C1E4A41-CA6F-486A-9808-FBAA2921FAD7}"/>
+              </a:ext>
+            </a:extLst>
+          </p:cNvPr>
+          <p:cNvSpPr>
+            <a:spLocks noGrp="1"/>
+          </p:cNvSpPr>
+          <p:nvPr>
+            <p:ph type="body" sz="quarter" idx="13"/>
+          </p:nvPr>
+        </p:nvSpPr>
+        <p:spPr/>
+        <p:txBody>
+          <a:bodyPr/>
+          <a:lstStyle/>
+          <a:p>
+            <a:endParaRPr lang="en-GB"/>
+          </a:p>
+        </p:txBody>
+      </p:sp>
+      <p:graphicFrame>
+        <p:nvGraphicFramePr>
+          <p:cNvPr id="6" name="Table 5">
+            <a:extLst>
+              <a:ext uri="{FF2B5EF4-FFF2-40B4-BE49-F238E27FC236}">
+                <a16:creationId xmlns:a16="http://schemas.microsoft.com/office/drawing/2014/main" id="{ED74393B-8713-43E6-B7E5-D4D5E1E030B1}"/>
+              </a:ext>
+            </a:extLst>
+          </p:cNvPr>
+          <p:cNvGraphicFramePr>
+            <a:graphicFrameLocks noGrp="1"/>
+          </p:cNvGraphicFramePr>
+          <p:nvPr>
+            <p:extLst>
+              <p:ext uri="{D42A27DB-BD31-4B8C-83A1-F6EECF244321}">
+                <p14:modId xmlns:p14="http://schemas.microsoft.com/office/powerpoint/2010/main" val="3270860894"/>
+              </p:ext>
+            </p:extLst>
+          </p:nvPr>
+        </p:nvGraphicFramePr>
+        <p:xfrm>
+          <a:off x="358775" y="1919664"/>
+          <a:ext cx="8421688" cy="860910"/>
+        </p:xfrm>
+        <a:graphic>
+          <a:graphicData uri="http://schemas.openxmlformats.org/drawingml/2006/table">
+            <a:tbl>
+              <a:tblPr firstRow="1" bandRow="1">
+                <a:tableStyleId>{D27102A9-8310-4765-A935-A1911B00CA55}</a:tableStyleId>
+              </a:tblPr>
+              <a:tblGrid>
+                <a:gridCol w="4210844">
+                  <a:extLst>
+                    <a:ext uri="{9D8B030D-6E8A-4147-A177-3AD203B41FA5}">
+                      <a16:colId xmlns:a16="http://schemas.microsoft.com/office/drawing/2014/main" val="611615417"/>
+                    </a:ext>
+                  </a:extLst>
+                </a:gridCol>
+                <a:gridCol w="4210844">
+                  <a:extLst>
+                    <a:ext uri="{9D8B030D-6E8A-4147-A177-3AD203B41FA5}">
+                      <a16:colId xmlns:a16="http://schemas.microsoft.com/office/drawing/2014/main" val="3473250681"/>
+                    </a:ext>
+                  </a:extLst>
+                </a:gridCol>
+              </a:tblGrid>
+              <a:tr h="430455">
+                <a:tc>
+                  <a:txBody>
+                    <a:bodyPr/>
+                    <a:lstStyle/>
+                    <a:p>
+                      <a:pPr algn="ctr"/>
+                      <a:r>
+                        <a:rPr lang="en-GB" dirty="0"/>
+                        <a:t>Machine Learning</a:t>
+                      </a:r>
+                    </a:p>
+                  </a:txBody>
+                  <a:tcPr/>
+                </a:tc>
+                <a:tc>
+                  <a:txBody>
+                    <a:bodyPr/>
+                    <a:lstStyle/>
+                    <a:p>
+                      <a:pPr algn="ctr"/>
+                      <a:r>
+                        <a:rPr lang="en-GB" dirty="0"/>
+                        <a:t>Deep Learning</a:t>
+                      </a:r>
+                    </a:p>
+                  </a:txBody>
+                  <a:tcPr/>
+                </a:tc>
+                <a:extLst>
+                  <a:ext uri="{0D108BD9-81ED-4DB2-BD59-A6C34878D82A}">
+                    <a16:rowId xmlns:a16="http://schemas.microsoft.com/office/drawing/2014/main" val="4208449294"/>
+                  </a:ext>
+                </a:extLst>
+              </a:tr>
+              <a:tr h="430455">
+                <a:tc>
+                  <a:txBody>
+                    <a:bodyPr/>
+                    <a:lstStyle/>
+                    <a:p>
+                      <a:pPr algn="ctr"/>
+                      <a:r>
+                        <a:rPr lang="en-GB" dirty="0"/>
+                        <a:t>Manual feature extraction</a:t>
+                      </a:r>
+                    </a:p>
+                  </a:txBody>
+                  <a:tcPr/>
+                </a:tc>
+                <a:tc>
+                  <a:txBody>
+                    <a:bodyPr/>
+                    <a:lstStyle/>
+                    <a:p>
+                      <a:pPr algn="ctr"/>
+                      <a:r>
+                        <a:rPr lang="en-GB" dirty="0"/>
+                        <a:t>NN extracts features</a:t>
+                      </a:r>
+                    </a:p>
+                  </a:txBody>
+                  <a:tcPr/>
+                </a:tc>
+                <a:extLst>
+                  <a:ext uri="{0D108BD9-81ED-4DB2-BD59-A6C34878D82A}">
+                    <a16:rowId xmlns:a16="http://schemas.microsoft.com/office/drawing/2014/main" val="3033901505"/>
+                  </a:ext>
+                </a:extLst>
+              </a:tr>
+            </a:tbl>
+          </a:graphicData>
+        </a:graphic>
+      </p:graphicFrame>
+    </p:spTree>
+    <p:extLst>
+      <p:ext uri="{BB962C8B-B14F-4D97-AF65-F5344CB8AC3E}">
+        <p14:creationId xmlns:p14="http://schemas.microsoft.com/office/powerpoint/2010/main" val="4188308456"/>
+      </p:ext>
+    </p:extLst>
+  </p:cSld>
+  <p:clrMapOvr>
+    <a:masterClrMapping/>
+  </p:clrMapOvr>
+</p:sld>
+</file>
+
+<file path=ppt/slides/slide15.xml><?xml version="1.0" encoding="utf-8"?>
+<p:sld xmlns:a="http://schemas.openxmlformats.org/drawingml/2006/main" xmlns:r="http://schemas.openxmlformats.org/officeDocument/2006/relationships" xmlns:p="http://schemas.openxmlformats.org/presentationml/2006/main">
+  <p:cSld>
+    <p:spTree>
+      <p:nvGrpSpPr>
+        <p:cNvPr id="1" name=""/>
+        <p:cNvGrpSpPr/>
+        <p:nvPr/>
+      </p:nvGrpSpPr>
+      <p:grpSpPr>
+        <a:xfrm>
+          <a:off x="0" y="0"/>
+          <a:ext cx="0" cy="0"/>
+          <a:chOff x="0" y="0"/>
+          <a:chExt cx="0" cy="0"/>
+        </a:xfrm>
+      </p:grpSpPr>
+      <p:sp>
+        <p:nvSpPr>
+          <p:cNvPr id="2" name="Title 1">
+            <a:extLst>
+              <a:ext uri="{FF2B5EF4-FFF2-40B4-BE49-F238E27FC236}">
                 <a16:creationId xmlns:a16="http://schemas.microsoft.com/office/drawing/2014/main" id="{5D26EE34-CEF9-49DF-A25C-AD50F417BF74}"/>
               </a:ext>
             </a:extLst>
@@ -15588,7 +16202,7 @@
               <a:pPr>
                 <a:defRPr/>
               </a:pPr>
-              <a:t>14</a:t>
+              <a:t>15</a:t>
             </a:fld>
             <a:endParaRPr lang="de-DE" noProof="0"/>
           </a:p>
@@ -16242,7 +16856,7 @@
 </p:sld>
 </file>
 
-<file path=ppt/slides/slide15.xml><?xml version="1.0" encoding="utf-8"?>
+<file path=ppt/slides/slide16.xml><?xml version="1.0" encoding="utf-8"?>
 <p:sld xmlns:a="http://schemas.openxmlformats.org/drawingml/2006/main" xmlns:r="http://schemas.openxmlformats.org/officeDocument/2006/relationships" xmlns:p="http://schemas.openxmlformats.org/presentationml/2006/main">
   <p:cSld>
     <p:spTree>
@@ -16351,7 +16965,7 @@
               <a:pPr>
                 <a:defRPr/>
               </a:pPr>
-              <a:t>15</a:t>
+              <a:t>16</a:t>
             </a:fld>
             <a:endParaRPr lang="de-DE" noProof="0"/>
           </a:p>
@@ -16428,7 +17042,7 @@
 </p:sld>
 </file>
 
-<file path=ppt/slides/slide16.xml><?xml version="1.0" encoding="utf-8"?>
+<file path=ppt/slides/slide17.xml><?xml version="1.0" encoding="utf-8"?>
 <p:sld xmlns:a="http://schemas.openxmlformats.org/drawingml/2006/main" xmlns:r="http://schemas.openxmlformats.org/officeDocument/2006/relationships" xmlns:p="http://schemas.openxmlformats.org/presentationml/2006/main">
   <p:cSld>
     <p:spTree>
@@ -16532,7 +17146,7 @@
               <a:pPr>
                 <a:defRPr/>
               </a:pPr>
-              <a:t>16</a:t>
+              <a:t>17</a:t>
             </a:fld>
             <a:endParaRPr lang="de-DE" noProof="0"/>
           </a:p>
@@ -16551,7 +17165,7 @@
 </p:sld>
 </file>
 
-<file path=ppt/slides/slide17.xml><?xml version="1.0" encoding="utf-8"?>
+<file path=ppt/slides/slide18.xml><?xml version="1.0" encoding="utf-8"?>
 <p:sld xmlns:a="http://schemas.openxmlformats.org/drawingml/2006/main" xmlns:r="http://schemas.openxmlformats.org/officeDocument/2006/relationships" xmlns:p="http://schemas.openxmlformats.org/presentationml/2006/main">
   <p:cSld>
     <p:spTree>
@@ -16756,7 +17370,7 @@
               <a:pPr>
                 <a:defRPr/>
               </a:pPr>
-              <a:t>17</a:t>
+              <a:t>18</a:t>
             </a:fld>
             <a:endParaRPr lang="de-DE" noProof="0"/>
           </a:p>
@@ -16998,7 +17612,7 @@
 </p:sld>
 </file>
 
-<file path=ppt/slides/slide18.xml><?xml version="1.0" encoding="utf-8"?>
+<file path=ppt/slides/slide19.xml><?xml version="1.0" encoding="utf-8"?>
 <p:sld xmlns:a="http://schemas.openxmlformats.org/drawingml/2006/main" xmlns:r="http://schemas.openxmlformats.org/officeDocument/2006/relationships" xmlns:p="http://schemas.openxmlformats.org/presentationml/2006/main">
   <p:cSld>
     <p:spTree>
@@ -17043,8 +17657,8 @@
           </a:p>
         </p:txBody>
       </p:sp>
-      <mc:AlternateContent xmlns:mc="http://schemas.openxmlformats.org/markup-compatibility/2006">
-        <mc:Choice xmlns:a14="http://schemas.microsoft.com/office/drawing/2010/main" Requires="a14">
+      <mc:AlternateContent xmlns:mc="http://schemas.openxmlformats.org/markup-compatibility/2006" xmlns:a14="http://schemas.microsoft.com/office/drawing/2010/main">
+        <mc:Choice Requires="a14">
           <p:sp>
             <p:nvSpPr>
               <p:cNvPr id="3" name="Content Placeholder 2">
@@ -17246,13 +17860,7 @@
                       <a:rPr lang="en-GB" sz="2000" b="0" i="1" smtClean="0">
                         <a:latin typeface="Cambria Math" panose="02040503050406030204" pitchFamily="18" charset="0"/>
                       </a:rPr>
-                      <m:t>=</m:t>
-                    </m:r>
-                    <m:r>
-                      <a:rPr lang="en-GB" sz="2000" b="0" i="1" smtClean="0">
-                        <a:latin typeface="Cambria Math" panose="02040503050406030204" pitchFamily="18" charset="0"/>
-                      </a:rPr>
-                      <m:t>0</m:t>
+                      <m:t>=0</m:t>
                     </m:r>
                   </m:oMath>
                 </a14:m>
@@ -17272,13 +17880,7 @@
                       <a:rPr lang="en-GB" sz="2000" b="0" i="1" smtClean="0">
                         <a:latin typeface="Cambria Math" panose="02040503050406030204" pitchFamily="18" charset="0"/>
                       </a:rPr>
-                      <m:t>=</m:t>
-                    </m:r>
-                    <m:r>
-                      <a:rPr lang="en-GB" sz="2000" b="0" i="1" smtClean="0">
-                        <a:latin typeface="Cambria Math" panose="02040503050406030204" pitchFamily="18" charset="0"/>
-                      </a:rPr>
-                      <m:t>1</m:t>
+                      <m:t>=1</m:t>
                     </m:r>
                   </m:oMath>
                 </a14:m>
@@ -17632,16 +18234,7 @@
                           <a:rPr lang="en-GB" sz="2000" b="0" i="1" smtClean="0">
                             <a:latin typeface="Cambria Math" panose="02040503050406030204" pitchFamily="18" charset="0"/>
                           </a:rPr>
-                          <m:t>=</m:t>
-                        </m:r>
-                        <m:r>
-                          <m:rPr>
-                            <m:brk m:alnAt="23"/>
-                          </m:rPr>
-                          <a:rPr lang="en-GB" sz="2000" b="0" i="1" smtClean="0">
-                            <a:latin typeface="Cambria Math" panose="02040503050406030204" pitchFamily="18" charset="0"/>
-                          </a:rPr>
-                          <m:t>1</m:t>
+                          <m:t>=1</m:t>
                         </m:r>
                       </m:sub>
                       <m:sup>
@@ -18345,7 +18938,7 @@
             </p:txBody>
           </p:sp>
         </mc:Choice>
-        <mc:Fallback>
+        <mc:Fallback xmlns="">
           <p:sp>
             <p:nvSpPr>
               <p:cNvPr id="3" name="Content Placeholder 2">
@@ -18414,7 +19007,7 @@
               <a:pPr>
                 <a:defRPr/>
               </a:pPr>
-              <a:t>18</a:t>
+              <a:t>19</a:t>
             </a:fld>
             <a:endParaRPr lang="de-DE" noProof="0"/>
           </a:p>
@@ -18498,7 +19091,7 @@
           <a:p>
             <a:r>
               <a:rPr lang="en-GB" dirty="0"/>
-              <a:t>Contents</a:t>
+              <a:t>Agenda</a:t>
             </a:r>
           </a:p>
         </p:txBody>
@@ -19894,8 +20487,8 @@
           </a:p>
         </p:txBody>
       </p:sp>
-      <mc:AlternateContent xmlns:mc="http://schemas.openxmlformats.org/markup-compatibility/2006">
-        <mc:Choice xmlns:a14="http://schemas.microsoft.com/office/drawing/2010/main" Requires="a14">
+      <mc:AlternateContent xmlns:mc="http://schemas.openxmlformats.org/markup-compatibility/2006" xmlns:a14="http://schemas.microsoft.com/office/drawing/2010/main">
+        <mc:Choice Requires="a14">
           <p:sp>
             <p:nvSpPr>
               <p:cNvPr id="46" name="TextBox 45">
@@ -19987,7 +20580,7 @@
             </p:txBody>
           </p:sp>
         </mc:Choice>
-        <mc:Fallback>
+        <mc:Fallback xmlns="">
           <p:sp>
             <p:nvSpPr>
               <p:cNvPr id="46" name="TextBox 45">
@@ -20631,14 +21224,26 @@
           <a:p>
             <a:pPr marL="461963" lvl="1" indent="-285750"/>
             <a:r>
-              <a:rPr lang="en-GB" sz="3000" dirty="0"/>
+              <a:rPr lang="en-GB" sz="3000" dirty="0">
+                <a:solidFill>
+                  <a:schemeClr val="bg1">
+                    <a:lumMod val="65000"/>
+                  </a:schemeClr>
+                </a:solidFill>
+              </a:rPr>
               <a:t>Recurrent NN</a:t>
             </a:r>
           </a:p>
           <a:p>
             <a:pPr marL="461963" lvl="1" indent="-285750"/>
             <a:r>
-              <a:rPr lang="en-GB" sz="3000" dirty="0"/>
+              <a:rPr lang="en-GB" sz="3000" dirty="0">
+                <a:solidFill>
+                  <a:schemeClr val="bg1">
+                    <a:lumMod val="65000"/>
+                  </a:schemeClr>
+                </a:solidFill>
+              </a:rPr>
               <a:t>Stacked Auto Encoder</a:t>
             </a:r>
           </a:p>
@@ -20717,11 +21322,7 @@
             <a:graphicFrameLocks noGrp="1"/>
           </p:cNvGraphicFramePr>
           <p:nvPr>
-            <p:extLst>
-              <p:ext uri="{D42A27DB-BD31-4B8C-83A1-F6EECF244321}">
-                <p14:modId xmlns:p14="http://schemas.microsoft.com/office/powerpoint/2010/main" val="3270860894"/>
-              </p:ext>
-            </p:extLst>
+            <p:extLst/>
           </p:nvPr>
         </p:nvGraphicFramePr>
         <p:xfrm>
@@ -20827,7 +21428,7 @@
     </p:spTree>
     <p:extLst>
       <p:ext uri="{BB962C8B-B14F-4D97-AF65-F5344CB8AC3E}">
-        <p14:creationId xmlns:p14="http://schemas.microsoft.com/office/powerpoint/2010/main" val="4188308456"/>
+        <p14:creationId xmlns:p14="http://schemas.microsoft.com/office/powerpoint/2010/main" val="3567389825"/>
       </p:ext>
     </p:extLst>
   </p:cSld>
@@ -20955,31 +21556,714 @@
           </a:p>
         </p:txBody>
       </p:sp>
-      <p:sp>
-        <p:nvSpPr>
-          <p:cNvPr id="5" name="Text Placeholder 4">
-            <a:extLst>
-              <a:ext uri="{FF2B5EF4-FFF2-40B4-BE49-F238E27FC236}">
-                <a16:creationId xmlns:a16="http://schemas.microsoft.com/office/drawing/2014/main" id="{4B2AD24F-8AD3-4B1A-95B7-5B9B6D1E3681}"/>
-              </a:ext>
-            </a:extLst>
-          </p:cNvPr>
-          <p:cNvSpPr>
-            <a:spLocks noGrp="1"/>
-          </p:cNvSpPr>
-          <p:nvPr>
-            <p:ph type="body" sz="quarter" idx="13"/>
-          </p:nvPr>
-        </p:nvSpPr>
-        <p:spPr/>
-        <p:txBody>
-          <a:bodyPr/>
-          <a:lstStyle/>
-          <a:p>
-            <a:endParaRPr lang="en-GB"/>
-          </a:p>
-        </p:txBody>
-      </p:sp>
+      <mc:AlternateContent xmlns:mc="http://schemas.openxmlformats.org/markup-compatibility/2006" xmlns:a14="http://schemas.microsoft.com/office/drawing/2010/main">
+        <mc:Choice Requires="a14">
+          <p:sp>
+            <p:nvSpPr>
+              <p:cNvPr id="3" name="TextBox 2">
+                <a:extLst>
+                  <a:ext uri="{FF2B5EF4-FFF2-40B4-BE49-F238E27FC236}">
+                    <a16:creationId xmlns:a16="http://schemas.microsoft.com/office/drawing/2014/main" id="{BA6E5770-FE0B-4066-A6C6-6C333370AEC0}"/>
+                  </a:ext>
+                </a:extLst>
+              </p:cNvPr>
+              <p:cNvSpPr txBox="1"/>
+              <p:nvPr/>
+            </p:nvSpPr>
+            <p:spPr>
+              <a:xfrm>
+                <a:off x="5454869" y="5218387"/>
+                <a:ext cx="3325594" cy="461665"/>
+              </a:xfrm>
+              <a:prstGeom prst="rect">
+                <a:avLst/>
+              </a:prstGeom>
+              <a:noFill/>
+            </p:spPr>
+            <p:txBody>
+              <a:bodyPr wrap="square" rtlCol="0">
+                <a:spAutoFit/>
+              </a:bodyPr>
+              <a:lstStyle/>
+              <a:p>
+                <a:pPr/>
+                <a14:m>
+                  <m:oMathPara xmlns:m="http://schemas.openxmlformats.org/officeDocument/2006/math">
+                    <m:oMathParaPr>
+                      <m:jc m:val="centerGroup"/>
+                    </m:oMathParaPr>
+                    <m:oMath xmlns:m="http://schemas.openxmlformats.org/officeDocument/2006/math">
+                      <m:r>
+                        <a:rPr lang="en-GB" sz="2400" b="0" i="1" smtClean="0">
+                          <a:latin typeface="Cambria Math" panose="02040503050406030204" pitchFamily="18" charset="0"/>
+                        </a:rPr>
+                        <m:t>𝑒</m:t>
+                      </m:r>
+                      <m:d>
+                        <m:dPr>
+                          <m:ctrlPr>
+                            <a:rPr lang="en-GB" sz="2400" b="0" i="1" smtClean="0">
+                              <a:latin typeface="Cambria Math" panose="02040503050406030204" pitchFamily="18" charset="0"/>
+                            </a:rPr>
+                          </m:ctrlPr>
+                        </m:dPr>
+                        <m:e>
+                          <m:r>
+                            <a:rPr lang="en-GB" sz="2400" b="0" i="1" smtClean="0">
+                              <a:latin typeface="Cambria Math" panose="02040503050406030204" pitchFamily="18" charset="0"/>
+                            </a:rPr>
+                            <m:t>𝑛</m:t>
+                          </m:r>
+                        </m:e>
+                      </m:d>
+                      <m:r>
+                        <a:rPr lang="en-GB" sz="2400" b="0" i="1" smtClean="0">
+                          <a:latin typeface="Cambria Math" panose="02040503050406030204" pitchFamily="18" charset="0"/>
+                        </a:rPr>
+                        <m:t>=</m:t>
+                      </m:r>
+                      <m:r>
+                        <a:rPr lang="en-GB" sz="2400" b="0" i="1" smtClean="0">
+                          <a:latin typeface="Cambria Math" panose="02040503050406030204" pitchFamily="18" charset="0"/>
+                        </a:rPr>
+                        <m:t>𝑑</m:t>
+                      </m:r>
+                      <m:d>
+                        <m:dPr>
+                          <m:ctrlPr>
+                            <a:rPr lang="en-GB" sz="2400" b="0" i="1" smtClean="0">
+                              <a:latin typeface="Cambria Math" panose="02040503050406030204" pitchFamily="18" charset="0"/>
+                            </a:rPr>
+                          </m:ctrlPr>
+                        </m:dPr>
+                        <m:e>
+                          <m:r>
+                            <a:rPr lang="en-GB" sz="2400" b="0" i="1" smtClean="0">
+                              <a:latin typeface="Cambria Math" panose="02040503050406030204" pitchFamily="18" charset="0"/>
+                            </a:rPr>
+                            <m:t>𝑛</m:t>
+                          </m:r>
+                        </m:e>
+                      </m:d>
+                      <m:r>
+                        <a:rPr lang="en-GB" sz="2400" b="0" i="1" smtClean="0">
+                          <a:latin typeface="Cambria Math" panose="02040503050406030204" pitchFamily="18" charset="0"/>
+                        </a:rPr>
+                        <m:t>−</m:t>
+                      </m:r>
+                      <m:r>
+                        <a:rPr lang="en-GB" sz="2400" b="0" i="1" smtClean="0">
+                          <a:latin typeface="Cambria Math" panose="02040503050406030204" pitchFamily="18" charset="0"/>
+                        </a:rPr>
+                        <m:t>𝑦</m:t>
+                      </m:r>
+                      <m:r>
+                        <a:rPr lang="en-GB" sz="2400" b="0" i="1" smtClean="0">
+                          <a:latin typeface="Cambria Math" panose="02040503050406030204" pitchFamily="18" charset="0"/>
+                        </a:rPr>
+                        <m:t>(</m:t>
+                      </m:r>
+                      <m:r>
+                        <a:rPr lang="en-GB" sz="2400" b="0" i="1" smtClean="0">
+                          <a:latin typeface="Cambria Math" panose="02040503050406030204" pitchFamily="18" charset="0"/>
+                        </a:rPr>
+                        <m:t>𝑛</m:t>
+                      </m:r>
+                      <m:r>
+                        <a:rPr lang="en-GB" sz="2400" b="0" i="1" smtClean="0">
+                          <a:latin typeface="Cambria Math" panose="02040503050406030204" pitchFamily="18" charset="0"/>
+                        </a:rPr>
+                        <m:t>)</m:t>
+                      </m:r>
+                    </m:oMath>
+                  </m:oMathPara>
+                </a14:m>
+                <a:endParaRPr lang="en-GB" sz="2400" dirty="0" err="1"/>
+              </a:p>
+            </p:txBody>
+          </p:sp>
+        </mc:Choice>
+        <mc:Fallback xmlns="">
+          <p:sp>
+            <p:nvSpPr>
+              <p:cNvPr id="3" name="TextBox 2">
+                <a:extLst>
+                  <a:ext uri="{FF2B5EF4-FFF2-40B4-BE49-F238E27FC236}">
+                    <a16:creationId xmlns:a16="http://schemas.microsoft.com/office/drawing/2014/main" id="{BA6E5770-FE0B-4066-A6C6-6C333370AEC0}"/>
+                  </a:ext>
+                </a:extLst>
+              </p:cNvPr>
+              <p:cNvSpPr txBox="1">
+                <a:spLocks noRot="1" noChangeAspect="1" noMove="1" noResize="1" noEditPoints="1" noAdjustHandles="1" noChangeArrowheads="1" noChangeShapeType="1" noTextEdit="1"/>
+              </p:cNvSpPr>
+              <p:nvPr/>
+            </p:nvSpPr>
+            <p:spPr>
+              <a:xfrm>
+                <a:off x="5454869" y="5218387"/>
+                <a:ext cx="3325594" cy="461665"/>
+              </a:xfrm>
+              <a:prstGeom prst="rect">
+                <a:avLst/>
+              </a:prstGeom>
+              <a:blipFill>
+                <a:blip r:embed="rId5"/>
+                <a:stretch>
+                  <a:fillRect b="-19737"/>
+                </a:stretch>
+              </a:blipFill>
+            </p:spPr>
+            <p:txBody>
+              <a:bodyPr/>
+              <a:lstStyle/>
+              <a:p>
+                <a:r>
+                  <a:rPr lang="en-GB">
+                    <a:noFill/>
+                  </a:rPr>
+                  <a:t> </a:t>
+                </a:r>
+              </a:p>
+            </p:txBody>
+          </p:sp>
+        </mc:Fallback>
+      </mc:AlternateContent>
+      <mc:AlternateContent xmlns:mc="http://schemas.openxmlformats.org/markup-compatibility/2006" xmlns:a14="http://schemas.microsoft.com/office/drawing/2010/main">
+        <mc:Choice Requires="a14">
+          <p:sp>
+            <p:nvSpPr>
+              <p:cNvPr id="6" name="TextBox 5">
+                <a:extLst>
+                  <a:ext uri="{FF2B5EF4-FFF2-40B4-BE49-F238E27FC236}">
+                    <a16:creationId xmlns:a16="http://schemas.microsoft.com/office/drawing/2014/main" id="{F66C91F3-3B22-4ED9-B1E8-6257F084DBA3}"/>
+                  </a:ext>
+                </a:extLst>
+              </p:cNvPr>
+              <p:cNvSpPr txBox="1"/>
+              <p:nvPr/>
+            </p:nvSpPr>
+            <p:spPr>
+              <a:xfrm>
+                <a:off x="1174570" y="3263462"/>
+                <a:ext cx="630173" cy="523220"/>
+              </a:xfrm>
+              <a:prstGeom prst="rect">
+                <a:avLst/>
+              </a:prstGeom>
+              <a:noFill/>
+            </p:spPr>
+            <p:txBody>
+              <a:bodyPr wrap="none" rtlCol="0">
+                <a:spAutoFit/>
+              </a:bodyPr>
+              <a:lstStyle/>
+              <a:p>
+                <a:pPr/>
+                <a14:m>
+                  <m:oMathPara xmlns:m="http://schemas.openxmlformats.org/officeDocument/2006/math">
+                    <m:oMathParaPr>
+                      <m:jc m:val="centerGroup"/>
+                    </m:oMathParaPr>
+                    <m:oMath xmlns:m="http://schemas.openxmlformats.org/officeDocument/2006/math">
+                      <m:sSub>
+                        <m:sSubPr>
+                          <m:ctrlPr>
+                            <a:rPr lang="en-GB" sz="2800" b="0" i="1" smtClean="0">
+                              <a:latin typeface="Cambria Math" panose="02040503050406030204" pitchFamily="18" charset="0"/>
+                            </a:rPr>
+                          </m:ctrlPr>
+                        </m:sSubPr>
+                        <m:e>
+                          <m:r>
+                            <a:rPr lang="en-GB" sz="2800" b="0" i="1" smtClean="0">
+                              <a:latin typeface="Cambria Math" panose="02040503050406030204" pitchFamily="18" charset="0"/>
+                            </a:rPr>
+                            <m:t>𝑥</m:t>
+                          </m:r>
+                        </m:e>
+                        <m:sub>
+                          <m:r>
+                            <a:rPr lang="en-GB" sz="2800" b="0" i="1" smtClean="0">
+                              <a:latin typeface="Cambria Math" panose="02040503050406030204" pitchFamily="18" charset="0"/>
+                            </a:rPr>
+                            <m:t>1</m:t>
+                          </m:r>
+                        </m:sub>
+                      </m:sSub>
+                    </m:oMath>
+                  </m:oMathPara>
+                </a14:m>
+                <a:endParaRPr lang="en-GB" sz="1400" dirty="0" err="1"/>
+              </a:p>
+            </p:txBody>
+          </p:sp>
+        </mc:Choice>
+        <mc:Fallback xmlns="">
+          <p:sp>
+            <p:nvSpPr>
+              <p:cNvPr id="6" name="TextBox 5">
+                <a:extLst>
+                  <a:ext uri="{FF2B5EF4-FFF2-40B4-BE49-F238E27FC236}">
+                    <a16:creationId xmlns:a16="http://schemas.microsoft.com/office/drawing/2014/main" id="{F66C91F3-3B22-4ED9-B1E8-6257F084DBA3}"/>
+                  </a:ext>
+                </a:extLst>
+              </p:cNvPr>
+              <p:cNvSpPr txBox="1">
+                <a:spLocks noRot="1" noChangeAspect="1" noMove="1" noResize="1" noEditPoints="1" noAdjustHandles="1" noChangeArrowheads="1" noChangeShapeType="1" noTextEdit="1"/>
+              </p:cNvSpPr>
+              <p:nvPr/>
+            </p:nvSpPr>
+            <p:spPr>
+              <a:xfrm>
+                <a:off x="1174570" y="3263462"/>
+                <a:ext cx="630173" cy="523220"/>
+              </a:xfrm>
+              <a:prstGeom prst="rect">
+                <a:avLst/>
+              </a:prstGeom>
+              <a:blipFill>
+                <a:blip r:embed="rId6"/>
+                <a:stretch>
+                  <a:fillRect/>
+                </a:stretch>
+              </a:blipFill>
+            </p:spPr>
+            <p:txBody>
+              <a:bodyPr/>
+              <a:lstStyle/>
+              <a:p>
+                <a:r>
+                  <a:rPr lang="en-GB">
+                    <a:noFill/>
+                  </a:rPr>
+                  <a:t> </a:t>
+                </a:r>
+              </a:p>
+            </p:txBody>
+          </p:sp>
+        </mc:Fallback>
+      </mc:AlternateContent>
+      <mc:AlternateContent xmlns:mc="http://schemas.openxmlformats.org/markup-compatibility/2006" xmlns:a14="http://schemas.microsoft.com/office/drawing/2010/main">
+        <mc:Choice Requires="a14">
+          <p:sp>
+            <p:nvSpPr>
+              <p:cNvPr id="8" name="TextBox 7">
+                <a:extLst>
+                  <a:ext uri="{FF2B5EF4-FFF2-40B4-BE49-F238E27FC236}">
+                    <a16:creationId xmlns:a16="http://schemas.microsoft.com/office/drawing/2014/main" id="{97F79473-25C4-4348-9DDA-B8EF8471683C}"/>
+                  </a:ext>
+                </a:extLst>
+              </p:cNvPr>
+              <p:cNvSpPr txBox="1"/>
+              <p:nvPr/>
+            </p:nvSpPr>
+            <p:spPr>
+              <a:xfrm>
+                <a:off x="1174570" y="4562630"/>
+                <a:ext cx="638445" cy="523220"/>
+              </a:xfrm>
+              <a:prstGeom prst="rect">
+                <a:avLst/>
+              </a:prstGeom>
+              <a:noFill/>
+            </p:spPr>
+            <p:txBody>
+              <a:bodyPr wrap="none" rtlCol="0">
+                <a:spAutoFit/>
+              </a:bodyPr>
+              <a:lstStyle/>
+              <a:p>
+                <a:pPr/>
+                <a14:m>
+                  <m:oMathPara xmlns:m="http://schemas.openxmlformats.org/officeDocument/2006/math">
+                    <m:oMathParaPr>
+                      <m:jc m:val="centerGroup"/>
+                    </m:oMathParaPr>
+                    <m:oMath xmlns:m="http://schemas.openxmlformats.org/officeDocument/2006/math">
+                      <m:sSub>
+                        <m:sSubPr>
+                          <m:ctrlPr>
+                            <a:rPr lang="en-GB" sz="2800" b="0" i="1" smtClean="0">
+                              <a:latin typeface="Cambria Math" panose="02040503050406030204" pitchFamily="18" charset="0"/>
+                            </a:rPr>
+                          </m:ctrlPr>
+                        </m:sSubPr>
+                        <m:e>
+                          <m:r>
+                            <a:rPr lang="en-GB" sz="2800" b="0" i="1" smtClean="0">
+                              <a:latin typeface="Cambria Math" panose="02040503050406030204" pitchFamily="18" charset="0"/>
+                            </a:rPr>
+                            <m:t>𝑥</m:t>
+                          </m:r>
+                        </m:e>
+                        <m:sub>
+                          <m:r>
+                            <a:rPr lang="en-GB" sz="2800" b="0" i="1" smtClean="0">
+                              <a:latin typeface="Cambria Math" panose="02040503050406030204" pitchFamily="18" charset="0"/>
+                            </a:rPr>
+                            <m:t>3</m:t>
+                          </m:r>
+                        </m:sub>
+                      </m:sSub>
+                    </m:oMath>
+                  </m:oMathPara>
+                </a14:m>
+                <a:endParaRPr lang="en-GB" sz="1400" dirty="0" err="1"/>
+              </a:p>
+            </p:txBody>
+          </p:sp>
+        </mc:Choice>
+        <mc:Fallback xmlns="">
+          <p:sp>
+            <p:nvSpPr>
+              <p:cNvPr id="8" name="TextBox 7">
+                <a:extLst>
+                  <a:ext uri="{FF2B5EF4-FFF2-40B4-BE49-F238E27FC236}">
+                    <a16:creationId xmlns:a16="http://schemas.microsoft.com/office/drawing/2014/main" id="{97F79473-25C4-4348-9DDA-B8EF8471683C}"/>
+                  </a:ext>
+                </a:extLst>
+              </p:cNvPr>
+              <p:cNvSpPr txBox="1">
+                <a:spLocks noRot="1" noChangeAspect="1" noMove="1" noResize="1" noEditPoints="1" noAdjustHandles="1" noChangeArrowheads="1" noChangeShapeType="1" noTextEdit="1"/>
+              </p:cNvSpPr>
+              <p:nvPr/>
+            </p:nvSpPr>
+            <p:spPr>
+              <a:xfrm>
+                <a:off x="1174570" y="4562630"/>
+                <a:ext cx="638445" cy="523220"/>
+              </a:xfrm>
+              <a:prstGeom prst="rect">
+                <a:avLst/>
+              </a:prstGeom>
+              <a:blipFill>
+                <a:blip r:embed="rId7"/>
+                <a:stretch>
+                  <a:fillRect/>
+                </a:stretch>
+              </a:blipFill>
+            </p:spPr>
+            <p:txBody>
+              <a:bodyPr/>
+              <a:lstStyle/>
+              <a:p>
+                <a:r>
+                  <a:rPr lang="en-GB">
+                    <a:noFill/>
+                  </a:rPr>
+                  <a:t> </a:t>
+                </a:r>
+              </a:p>
+            </p:txBody>
+          </p:sp>
+        </mc:Fallback>
+      </mc:AlternateContent>
+      <mc:AlternateContent xmlns:mc="http://schemas.openxmlformats.org/markup-compatibility/2006" xmlns:a14="http://schemas.microsoft.com/office/drawing/2010/main">
+        <mc:Choice Requires="a14">
+          <p:sp>
+            <p:nvSpPr>
+              <p:cNvPr id="10" name="TextBox 9">
+                <a:extLst>
+                  <a:ext uri="{FF2B5EF4-FFF2-40B4-BE49-F238E27FC236}">
+                    <a16:creationId xmlns:a16="http://schemas.microsoft.com/office/drawing/2014/main" id="{A0E00179-AE0E-433F-B5F7-DA1B63420684}"/>
+                  </a:ext>
+                </a:extLst>
+              </p:cNvPr>
+              <p:cNvSpPr txBox="1"/>
+              <p:nvPr/>
+            </p:nvSpPr>
+            <p:spPr>
+              <a:xfrm>
+                <a:off x="1127721" y="3913046"/>
+                <a:ext cx="638445" cy="523220"/>
+              </a:xfrm>
+              <a:prstGeom prst="rect">
+                <a:avLst/>
+              </a:prstGeom>
+              <a:noFill/>
+            </p:spPr>
+            <p:txBody>
+              <a:bodyPr wrap="none" rtlCol="0">
+                <a:spAutoFit/>
+              </a:bodyPr>
+              <a:lstStyle/>
+              <a:p>
+                <a:pPr/>
+                <a14:m>
+                  <m:oMathPara xmlns:m="http://schemas.openxmlformats.org/officeDocument/2006/math">
+                    <m:oMathParaPr>
+                      <m:jc m:val="centerGroup"/>
+                    </m:oMathParaPr>
+                    <m:oMath xmlns:m="http://schemas.openxmlformats.org/officeDocument/2006/math">
+                      <m:sSub>
+                        <m:sSubPr>
+                          <m:ctrlPr>
+                            <a:rPr lang="en-GB" sz="2800" b="0" i="1" smtClean="0">
+                              <a:latin typeface="Cambria Math" panose="02040503050406030204" pitchFamily="18" charset="0"/>
+                            </a:rPr>
+                          </m:ctrlPr>
+                        </m:sSubPr>
+                        <m:e>
+                          <m:r>
+                            <a:rPr lang="en-GB" sz="2800" b="0" i="1" smtClean="0">
+                              <a:latin typeface="Cambria Math" panose="02040503050406030204" pitchFamily="18" charset="0"/>
+                            </a:rPr>
+                            <m:t>𝑥</m:t>
+                          </m:r>
+                        </m:e>
+                        <m:sub>
+                          <m:r>
+                            <a:rPr lang="en-GB" sz="2800" b="0" i="1" smtClean="0">
+                              <a:latin typeface="Cambria Math" panose="02040503050406030204" pitchFamily="18" charset="0"/>
+                            </a:rPr>
+                            <m:t>2</m:t>
+                          </m:r>
+                        </m:sub>
+                      </m:sSub>
+                    </m:oMath>
+                  </m:oMathPara>
+                </a14:m>
+                <a:endParaRPr lang="en-GB" sz="1400" dirty="0" err="1"/>
+              </a:p>
+            </p:txBody>
+          </p:sp>
+        </mc:Choice>
+        <mc:Fallback xmlns="">
+          <p:sp>
+            <p:nvSpPr>
+              <p:cNvPr id="10" name="TextBox 9">
+                <a:extLst>
+                  <a:ext uri="{FF2B5EF4-FFF2-40B4-BE49-F238E27FC236}">
+                    <a16:creationId xmlns:a16="http://schemas.microsoft.com/office/drawing/2014/main" id="{A0E00179-AE0E-433F-B5F7-DA1B63420684}"/>
+                  </a:ext>
+                </a:extLst>
+              </p:cNvPr>
+              <p:cNvSpPr txBox="1">
+                <a:spLocks noRot="1" noChangeAspect="1" noMove="1" noResize="1" noEditPoints="1" noAdjustHandles="1" noChangeArrowheads="1" noChangeShapeType="1" noTextEdit="1"/>
+              </p:cNvSpPr>
+              <p:nvPr/>
+            </p:nvSpPr>
+            <p:spPr>
+              <a:xfrm>
+                <a:off x="1127721" y="3913046"/>
+                <a:ext cx="638445" cy="523220"/>
+              </a:xfrm>
+              <a:prstGeom prst="rect">
+                <a:avLst/>
+              </a:prstGeom>
+              <a:blipFill>
+                <a:blip r:embed="rId8"/>
+                <a:stretch>
+                  <a:fillRect/>
+                </a:stretch>
+              </a:blipFill>
+            </p:spPr>
+            <p:txBody>
+              <a:bodyPr/>
+              <a:lstStyle/>
+              <a:p>
+                <a:r>
+                  <a:rPr lang="en-GB">
+                    <a:noFill/>
+                  </a:rPr>
+                  <a:t> </a:t>
+                </a:r>
+              </a:p>
+            </p:txBody>
+          </p:sp>
+        </mc:Fallback>
+      </mc:AlternateContent>
+      <mc:AlternateContent xmlns:mc="http://schemas.openxmlformats.org/markup-compatibility/2006" xmlns:a14="http://schemas.microsoft.com/office/drawing/2010/main">
+        <mc:Choice Requires="a14">
+          <p:sp>
+            <p:nvSpPr>
+              <p:cNvPr id="11" name="TextBox 10">
+                <a:extLst>
+                  <a:ext uri="{FF2B5EF4-FFF2-40B4-BE49-F238E27FC236}">
+                    <a16:creationId xmlns:a16="http://schemas.microsoft.com/office/drawing/2014/main" id="{F3830371-EAA6-4614-87E7-B720386370C1}"/>
+                  </a:ext>
+                </a:extLst>
+              </p:cNvPr>
+              <p:cNvSpPr txBox="1"/>
+              <p:nvPr/>
+            </p:nvSpPr>
+            <p:spPr>
+              <a:xfrm>
+                <a:off x="1977089" y="5260258"/>
+                <a:ext cx="1910203" cy="1100558"/>
+              </a:xfrm>
+              <a:prstGeom prst="rect">
+                <a:avLst/>
+              </a:prstGeom>
+              <a:noFill/>
+            </p:spPr>
+            <p:txBody>
+              <a:bodyPr wrap="none" rtlCol="0">
+                <a:spAutoFit/>
+              </a:bodyPr>
+              <a:lstStyle/>
+              <a:p>
+                <a:pPr/>
+                <a14:m>
+                  <m:oMathPara xmlns:m="http://schemas.openxmlformats.org/officeDocument/2006/math">
+                    <m:oMathParaPr>
+                      <m:jc m:val="centerGroup"/>
+                    </m:oMathParaPr>
+                    <m:oMath xmlns:m="http://schemas.openxmlformats.org/officeDocument/2006/math">
+                      <m:r>
+                        <a:rPr lang="en-GB" sz="2400" b="0" i="1" smtClean="0">
+                          <a:latin typeface="Cambria Math" panose="02040503050406030204" pitchFamily="18" charset="0"/>
+                        </a:rPr>
+                        <m:t>𝑓</m:t>
+                      </m:r>
+                      <m:d>
+                        <m:dPr>
+                          <m:ctrlPr>
+                            <a:rPr lang="en-GB" sz="2400" b="0" i="1" smtClean="0">
+                              <a:latin typeface="Cambria Math" panose="02040503050406030204" pitchFamily="18" charset="0"/>
+                            </a:rPr>
+                          </m:ctrlPr>
+                        </m:dPr>
+                        <m:e>
+                          <m:nary>
+                            <m:naryPr>
+                              <m:chr m:val="∑"/>
+                              <m:ctrlPr>
+                                <a:rPr lang="en-GB" sz="2400" b="0" i="1" smtClean="0">
+                                  <a:latin typeface="Cambria Math" panose="02040503050406030204" pitchFamily="18" charset="0"/>
+                                </a:rPr>
+                              </m:ctrlPr>
+                            </m:naryPr>
+                            <m:sub>
+                              <m:r>
+                                <a:rPr lang="en-GB" sz="2400" b="0" i="1" smtClean="0">
+                                  <a:latin typeface="Cambria Math" panose="02040503050406030204" pitchFamily="18" charset="0"/>
+                                </a:rPr>
+                                <m:t>𝑖</m:t>
+                              </m:r>
+                              <m:r>
+                                <a:rPr lang="en-GB" sz="2400" b="0" i="1" smtClean="0">
+                                  <a:latin typeface="Cambria Math" panose="02040503050406030204" pitchFamily="18" charset="0"/>
+                                </a:rPr>
+                                <m:t>=1</m:t>
+                              </m:r>
+                            </m:sub>
+                            <m:sup>
+                              <m:r>
+                                <a:rPr lang="en-GB" sz="2400" b="0" i="1" smtClean="0">
+                                  <a:latin typeface="Cambria Math" panose="02040503050406030204" pitchFamily="18" charset="0"/>
+                                </a:rPr>
+                                <m:t>𝑛</m:t>
+                              </m:r>
+                            </m:sup>
+                            <m:e>
+                              <m:sSub>
+                                <m:sSubPr>
+                                  <m:ctrlPr>
+                                    <a:rPr lang="en-GB" sz="2400" b="0" i="1" smtClean="0">
+                                      <a:latin typeface="Cambria Math" panose="02040503050406030204" pitchFamily="18" charset="0"/>
+                                    </a:rPr>
+                                  </m:ctrlPr>
+                                </m:sSubPr>
+                                <m:e>
+                                  <m:r>
+                                    <a:rPr lang="en-GB" sz="2400" b="0" i="1" smtClean="0">
+                                      <a:latin typeface="Cambria Math" panose="02040503050406030204" pitchFamily="18" charset="0"/>
+                                    </a:rPr>
+                                    <m:t>𝑤</m:t>
+                                  </m:r>
+                                </m:e>
+                                <m:sub>
+                                  <m:r>
+                                    <a:rPr lang="en-GB" sz="2400" b="0" i="1" smtClean="0">
+                                      <a:latin typeface="Cambria Math" panose="02040503050406030204" pitchFamily="18" charset="0"/>
+                                    </a:rPr>
+                                    <m:t>𝑖</m:t>
+                                  </m:r>
+                                </m:sub>
+                              </m:sSub>
+                              <m:sSub>
+                                <m:sSubPr>
+                                  <m:ctrlPr>
+                                    <a:rPr lang="en-GB" sz="2400" b="0" i="1" smtClean="0">
+                                      <a:latin typeface="Cambria Math" panose="02040503050406030204" pitchFamily="18" charset="0"/>
+                                    </a:rPr>
+                                  </m:ctrlPr>
+                                </m:sSubPr>
+                                <m:e>
+                                  <m:r>
+                                    <a:rPr lang="en-GB" sz="2400" b="0" i="1" smtClean="0">
+                                      <a:latin typeface="Cambria Math" panose="02040503050406030204" pitchFamily="18" charset="0"/>
+                                    </a:rPr>
+                                    <m:t>𝑥</m:t>
+                                  </m:r>
+                                </m:e>
+                                <m:sub>
+                                  <m:r>
+                                    <a:rPr lang="en-GB" sz="2400" b="0" i="1" smtClean="0">
+                                      <a:latin typeface="Cambria Math" panose="02040503050406030204" pitchFamily="18" charset="0"/>
+                                    </a:rPr>
+                                    <m:t>𝑖</m:t>
+                                  </m:r>
+                                </m:sub>
+                              </m:sSub>
+                            </m:e>
+                          </m:nary>
+                        </m:e>
+                      </m:d>
+                    </m:oMath>
+                  </m:oMathPara>
+                </a14:m>
+                <a:endParaRPr lang="en-GB" sz="2400" dirty="0" err="1"/>
+              </a:p>
+            </p:txBody>
+          </p:sp>
+        </mc:Choice>
+        <mc:Fallback xmlns="">
+          <p:sp>
+            <p:nvSpPr>
+              <p:cNvPr id="11" name="TextBox 10">
+                <a:extLst>
+                  <a:ext uri="{FF2B5EF4-FFF2-40B4-BE49-F238E27FC236}">
+                    <a16:creationId xmlns:a16="http://schemas.microsoft.com/office/drawing/2014/main" id="{F3830371-EAA6-4614-87E7-B720386370C1}"/>
+                  </a:ext>
+                </a:extLst>
+              </p:cNvPr>
+              <p:cNvSpPr txBox="1">
+                <a:spLocks noRot="1" noChangeAspect="1" noMove="1" noResize="1" noEditPoints="1" noAdjustHandles="1" noChangeArrowheads="1" noChangeShapeType="1" noTextEdit="1"/>
+              </p:cNvSpPr>
+              <p:nvPr/>
+            </p:nvSpPr>
+            <p:spPr>
+              <a:xfrm>
+                <a:off x="1977089" y="5260258"/>
+                <a:ext cx="1910203" cy="1100558"/>
+              </a:xfrm>
+              <a:prstGeom prst="rect">
+                <a:avLst/>
+              </a:prstGeom>
+              <a:blipFill>
+                <a:blip r:embed="rId9"/>
+                <a:stretch>
+                  <a:fillRect/>
+                </a:stretch>
+              </a:blipFill>
+            </p:spPr>
+            <p:txBody>
+              <a:bodyPr/>
+              <a:lstStyle/>
+              <a:p>
+                <a:r>
+                  <a:rPr lang="en-GB">
+                    <a:noFill/>
+                  </a:rPr>
+                  <a:t> </a:t>
+                </a:r>
+              </a:p>
+            </p:txBody>
+          </p:sp>
+        </mc:Fallback>
+      </mc:AlternateContent>
     </p:spTree>
     <p:extLst>
       <p:ext uri="{BB962C8B-B14F-4D97-AF65-F5344CB8AC3E}">
